--- a/docs/COMPONENT-DIAGRAM.pptx
+++ b/docs/COMPONENT-DIAGRAM.pptx
@@ -6,7 +6,7 @@
   </p:sldMasterIdLst>
   <p:sldIdLst>
     <p:sldId id="256" r:id="rId2"/>
-    <p:sldId id="258" r:id="rId3"/>
+    <p:sldId id="260" r:id="rId3"/>
   </p:sldIdLst>
   <p:sldSz cx="12192000" cy="6858000"/>
   <p:notesSz cx="6858000" cy="9144000"/>
@@ -105,6 +105,11 @@
       </a:defRPr>
     </a:lvl9pPr>
   </p:defaultTextStyle>
+  <p:extLst>
+    <p:ext uri="{EFAFB233-063F-42B5-8137-9DF3F51BA10A}">
+      <p15:sldGuideLst xmlns:p15="http://schemas.microsoft.com/office/powerpoint/2012/main"/>
+    </p:ext>
+  </p:extLst>
 </p:presentation>
 </file>
 
@@ -150,10 +155,9 @@
           </a:lstStyle>
           <a:p>
             <a:r>
-              <a:rPr lang="en-US" smtClean="0"/>
+              <a:rPr lang="en-US"/>
               <a:t>Click to edit Master title style</a:t>
             </a:r>
-            <a:endParaRPr lang="en-US"/>
           </a:p>
         </p:txBody>
       </p:sp>
@@ -215,10 +219,9 @@
           </a:lstStyle>
           <a:p>
             <a:r>
-              <a:rPr lang="en-US" smtClean="0"/>
+              <a:rPr lang="en-US"/>
               <a:t>Click to edit Master subtitle style</a:t>
             </a:r>
-            <a:endParaRPr lang="en-US"/>
           </a:p>
         </p:txBody>
       </p:sp>
@@ -239,7 +242,7 @@
           <a:p>
             <a:fld id="{28BE630F-C39C-4DB9-8258-0B48CA067079}" type="datetimeFigureOut">
               <a:rPr lang="en-US" smtClean="0"/>
-              <a:t>11/25/2021</a:t>
+              <a:t>11/28/2021</a:t>
             </a:fld>
             <a:endParaRPr lang="en-US"/>
           </a:p>
@@ -333,10 +336,9 @@
           <a:lstStyle/>
           <a:p>
             <a:r>
-              <a:rPr lang="en-US" smtClean="0"/>
+              <a:rPr lang="en-US"/>
               <a:t>Click to edit Master title style</a:t>
             </a:r>
-            <a:endParaRPr lang="en-US"/>
           </a:p>
         </p:txBody>
       </p:sp>
@@ -357,38 +359,37 @@
           <a:p>
             <a:pPr lvl="0"/>
             <a:r>
-              <a:rPr lang="en-US" smtClean="0"/>
+              <a:rPr lang="en-US"/>
               <a:t>Click to edit Master text styles</a:t>
             </a:r>
           </a:p>
           <a:p>
             <a:pPr lvl="1"/>
             <a:r>
-              <a:rPr lang="en-US" smtClean="0"/>
+              <a:rPr lang="en-US"/>
               <a:t>Second level</a:t>
             </a:r>
           </a:p>
           <a:p>
             <a:pPr lvl="2"/>
             <a:r>
-              <a:rPr lang="en-US" smtClean="0"/>
+              <a:rPr lang="en-US"/>
               <a:t>Third level</a:t>
             </a:r>
           </a:p>
           <a:p>
             <a:pPr lvl="3"/>
             <a:r>
-              <a:rPr lang="en-US" smtClean="0"/>
+              <a:rPr lang="en-US"/>
               <a:t>Fourth level</a:t>
             </a:r>
           </a:p>
           <a:p>
             <a:pPr lvl="4"/>
             <a:r>
-              <a:rPr lang="en-US" smtClean="0"/>
+              <a:rPr lang="en-US"/>
               <a:t>Fifth level</a:t>
             </a:r>
-            <a:endParaRPr lang="en-US"/>
           </a:p>
         </p:txBody>
       </p:sp>
@@ -409,7 +410,7 @@
           <a:p>
             <a:fld id="{28BE630F-C39C-4DB9-8258-0B48CA067079}" type="datetimeFigureOut">
               <a:rPr lang="en-US" smtClean="0"/>
-              <a:t>11/25/2021</a:t>
+              <a:t>11/28/2021</a:t>
             </a:fld>
             <a:endParaRPr lang="en-US"/>
           </a:p>
@@ -508,10 +509,9 @@
           <a:lstStyle/>
           <a:p>
             <a:r>
-              <a:rPr lang="en-US" smtClean="0"/>
+              <a:rPr lang="en-US"/>
               <a:t>Click to edit Master title style</a:t>
             </a:r>
-            <a:endParaRPr lang="en-US"/>
           </a:p>
         </p:txBody>
       </p:sp>
@@ -537,38 +537,37 @@
           <a:p>
             <a:pPr lvl="0"/>
             <a:r>
-              <a:rPr lang="en-US" smtClean="0"/>
+              <a:rPr lang="en-US"/>
               <a:t>Click to edit Master text styles</a:t>
             </a:r>
           </a:p>
           <a:p>
             <a:pPr lvl="1"/>
             <a:r>
-              <a:rPr lang="en-US" smtClean="0"/>
+              <a:rPr lang="en-US"/>
               <a:t>Second level</a:t>
             </a:r>
           </a:p>
           <a:p>
             <a:pPr lvl="2"/>
             <a:r>
-              <a:rPr lang="en-US" smtClean="0"/>
+              <a:rPr lang="en-US"/>
               <a:t>Third level</a:t>
             </a:r>
           </a:p>
           <a:p>
             <a:pPr lvl="3"/>
             <a:r>
-              <a:rPr lang="en-US" smtClean="0"/>
+              <a:rPr lang="en-US"/>
               <a:t>Fourth level</a:t>
             </a:r>
           </a:p>
           <a:p>
             <a:pPr lvl="4"/>
             <a:r>
-              <a:rPr lang="en-US" smtClean="0"/>
+              <a:rPr lang="en-US"/>
               <a:t>Fifth level</a:t>
             </a:r>
-            <a:endParaRPr lang="en-US"/>
           </a:p>
         </p:txBody>
       </p:sp>
@@ -589,7 +588,7 @@
           <a:p>
             <a:fld id="{28BE630F-C39C-4DB9-8258-0B48CA067079}" type="datetimeFigureOut">
               <a:rPr lang="en-US" smtClean="0"/>
-              <a:t>11/25/2021</a:t>
+              <a:t>11/28/2021</a:t>
             </a:fld>
             <a:endParaRPr lang="en-US"/>
           </a:p>
@@ -683,10 +682,9 @@
           <a:lstStyle/>
           <a:p>
             <a:r>
-              <a:rPr lang="en-US" smtClean="0"/>
+              <a:rPr lang="en-US"/>
               <a:t>Click to edit Master title style</a:t>
             </a:r>
-            <a:endParaRPr lang="en-US"/>
           </a:p>
         </p:txBody>
       </p:sp>
@@ -707,38 +705,37 @@
           <a:p>
             <a:pPr lvl="0"/>
             <a:r>
-              <a:rPr lang="en-US" smtClean="0"/>
+              <a:rPr lang="en-US"/>
               <a:t>Click to edit Master text styles</a:t>
             </a:r>
           </a:p>
           <a:p>
             <a:pPr lvl="1"/>
             <a:r>
-              <a:rPr lang="en-US" smtClean="0"/>
+              <a:rPr lang="en-US"/>
               <a:t>Second level</a:t>
             </a:r>
           </a:p>
           <a:p>
             <a:pPr lvl="2"/>
             <a:r>
-              <a:rPr lang="en-US" smtClean="0"/>
+              <a:rPr lang="en-US"/>
               <a:t>Third level</a:t>
             </a:r>
           </a:p>
           <a:p>
             <a:pPr lvl="3"/>
             <a:r>
-              <a:rPr lang="en-US" smtClean="0"/>
+              <a:rPr lang="en-US"/>
               <a:t>Fourth level</a:t>
             </a:r>
           </a:p>
           <a:p>
             <a:pPr lvl="4"/>
             <a:r>
-              <a:rPr lang="en-US" smtClean="0"/>
+              <a:rPr lang="en-US"/>
               <a:t>Fifth level</a:t>
             </a:r>
-            <a:endParaRPr lang="en-US"/>
           </a:p>
         </p:txBody>
       </p:sp>
@@ -759,7 +756,7 @@
           <a:p>
             <a:fld id="{28BE630F-C39C-4DB9-8258-0B48CA067079}" type="datetimeFigureOut">
               <a:rPr lang="en-US" smtClean="0"/>
-              <a:t>11/25/2021</a:t>
+              <a:t>11/28/2021</a:t>
             </a:fld>
             <a:endParaRPr lang="en-US"/>
           </a:p>
@@ -862,10 +859,9 @@
           </a:lstStyle>
           <a:p>
             <a:r>
-              <a:rPr lang="en-US" smtClean="0"/>
+              <a:rPr lang="en-US"/>
               <a:t>Click to edit Master title style</a:t>
             </a:r>
-            <a:endParaRPr lang="en-US"/>
           </a:p>
         </p:txBody>
       </p:sp>
@@ -982,7 +978,7 @@
           <a:p>
             <a:pPr lvl="0"/>
             <a:r>
-              <a:rPr lang="en-US" smtClean="0"/>
+              <a:rPr lang="en-US"/>
               <a:t>Click to edit Master text styles</a:t>
             </a:r>
           </a:p>
@@ -1005,7 +1001,7 @@
           <a:p>
             <a:fld id="{28BE630F-C39C-4DB9-8258-0B48CA067079}" type="datetimeFigureOut">
               <a:rPr lang="en-US" smtClean="0"/>
-              <a:t>11/25/2021</a:t>
+              <a:t>11/28/2021</a:t>
             </a:fld>
             <a:endParaRPr lang="en-US"/>
           </a:p>
@@ -1099,10 +1095,9 @@
           <a:lstStyle/>
           <a:p>
             <a:r>
-              <a:rPr lang="en-US" smtClean="0"/>
+              <a:rPr lang="en-US"/>
               <a:t>Click to edit Master title style</a:t>
             </a:r>
-            <a:endParaRPr lang="en-US"/>
           </a:p>
         </p:txBody>
       </p:sp>
@@ -1128,38 +1123,37 @@
           <a:p>
             <a:pPr lvl="0"/>
             <a:r>
-              <a:rPr lang="en-US" smtClean="0"/>
+              <a:rPr lang="en-US"/>
               <a:t>Click to edit Master text styles</a:t>
             </a:r>
           </a:p>
           <a:p>
             <a:pPr lvl="1"/>
             <a:r>
-              <a:rPr lang="en-US" smtClean="0"/>
+              <a:rPr lang="en-US"/>
               <a:t>Second level</a:t>
             </a:r>
           </a:p>
           <a:p>
             <a:pPr lvl="2"/>
             <a:r>
-              <a:rPr lang="en-US" smtClean="0"/>
+              <a:rPr lang="en-US"/>
               <a:t>Third level</a:t>
             </a:r>
           </a:p>
           <a:p>
             <a:pPr lvl="3"/>
             <a:r>
-              <a:rPr lang="en-US" smtClean="0"/>
+              <a:rPr lang="en-US"/>
               <a:t>Fourth level</a:t>
             </a:r>
           </a:p>
           <a:p>
             <a:pPr lvl="4"/>
             <a:r>
-              <a:rPr lang="en-US" smtClean="0"/>
+              <a:rPr lang="en-US"/>
               <a:t>Fifth level</a:t>
             </a:r>
-            <a:endParaRPr lang="en-US"/>
           </a:p>
         </p:txBody>
       </p:sp>
@@ -1185,38 +1179,37 @@
           <a:p>
             <a:pPr lvl="0"/>
             <a:r>
-              <a:rPr lang="en-US" smtClean="0"/>
+              <a:rPr lang="en-US"/>
               <a:t>Click to edit Master text styles</a:t>
             </a:r>
           </a:p>
           <a:p>
             <a:pPr lvl="1"/>
             <a:r>
-              <a:rPr lang="en-US" smtClean="0"/>
+              <a:rPr lang="en-US"/>
               <a:t>Second level</a:t>
             </a:r>
           </a:p>
           <a:p>
             <a:pPr lvl="2"/>
             <a:r>
-              <a:rPr lang="en-US" smtClean="0"/>
+              <a:rPr lang="en-US"/>
               <a:t>Third level</a:t>
             </a:r>
           </a:p>
           <a:p>
             <a:pPr lvl="3"/>
             <a:r>
-              <a:rPr lang="en-US" smtClean="0"/>
+              <a:rPr lang="en-US"/>
               <a:t>Fourth level</a:t>
             </a:r>
           </a:p>
           <a:p>
             <a:pPr lvl="4"/>
             <a:r>
-              <a:rPr lang="en-US" smtClean="0"/>
+              <a:rPr lang="en-US"/>
               <a:t>Fifth level</a:t>
             </a:r>
-            <a:endParaRPr lang="en-US"/>
           </a:p>
         </p:txBody>
       </p:sp>
@@ -1237,7 +1230,7 @@
           <a:p>
             <a:fld id="{28BE630F-C39C-4DB9-8258-0B48CA067079}" type="datetimeFigureOut">
               <a:rPr lang="en-US" smtClean="0"/>
-              <a:t>11/25/2021</a:t>
+              <a:t>11/28/2021</a:t>
             </a:fld>
             <a:endParaRPr lang="en-US"/>
           </a:p>
@@ -1336,10 +1329,9 @@
           <a:lstStyle/>
           <a:p>
             <a:r>
-              <a:rPr lang="en-US" smtClean="0"/>
+              <a:rPr lang="en-US"/>
               <a:t>Click to edit Master title style</a:t>
             </a:r>
-            <a:endParaRPr lang="en-US"/>
           </a:p>
         </p:txBody>
       </p:sp>
@@ -1402,7 +1394,7 @@
           <a:p>
             <a:pPr lvl="0"/>
             <a:r>
-              <a:rPr lang="en-US" smtClean="0"/>
+              <a:rPr lang="en-US"/>
               <a:t>Click to edit Master text styles</a:t>
             </a:r>
           </a:p>
@@ -1430,38 +1422,37 @@
           <a:p>
             <a:pPr lvl="0"/>
             <a:r>
-              <a:rPr lang="en-US" smtClean="0"/>
+              <a:rPr lang="en-US"/>
               <a:t>Click to edit Master text styles</a:t>
             </a:r>
           </a:p>
           <a:p>
             <a:pPr lvl="1"/>
             <a:r>
-              <a:rPr lang="en-US" smtClean="0"/>
+              <a:rPr lang="en-US"/>
               <a:t>Second level</a:t>
             </a:r>
           </a:p>
           <a:p>
             <a:pPr lvl="2"/>
             <a:r>
-              <a:rPr lang="en-US" smtClean="0"/>
+              <a:rPr lang="en-US"/>
               <a:t>Third level</a:t>
             </a:r>
           </a:p>
           <a:p>
             <a:pPr lvl="3"/>
             <a:r>
-              <a:rPr lang="en-US" smtClean="0"/>
+              <a:rPr lang="en-US"/>
               <a:t>Fourth level</a:t>
             </a:r>
           </a:p>
           <a:p>
             <a:pPr lvl="4"/>
             <a:r>
-              <a:rPr lang="en-US" smtClean="0"/>
+              <a:rPr lang="en-US"/>
               <a:t>Fifth level</a:t>
             </a:r>
-            <a:endParaRPr lang="en-US"/>
           </a:p>
         </p:txBody>
       </p:sp>
@@ -1524,7 +1515,7 @@
           <a:p>
             <a:pPr lvl="0"/>
             <a:r>
-              <a:rPr lang="en-US" smtClean="0"/>
+              <a:rPr lang="en-US"/>
               <a:t>Click to edit Master text styles</a:t>
             </a:r>
           </a:p>
@@ -1552,38 +1543,37 @@
           <a:p>
             <a:pPr lvl="0"/>
             <a:r>
-              <a:rPr lang="en-US" smtClean="0"/>
+              <a:rPr lang="en-US"/>
               <a:t>Click to edit Master text styles</a:t>
             </a:r>
           </a:p>
           <a:p>
             <a:pPr lvl="1"/>
             <a:r>
-              <a:rPr lang="en-US" smtClean="0"/>
+              <a:rPr lang="en-US"/>
               <a:t>Second level</a:t>
             </a:r>
           </a:p>
           <a:p>
             <a:pPr lvl="2"/>
             <a:r>
-              <a:rPr lang="en-US" smtClean="0"/>
+              <a:rPr lang="en-US"/>
               <a:t>Third level</a:t>
             </a:r>
           </a:p>
           <a:p>
             <a:pPr lvl="3"/>
             <a:r>
-              <a:rPr lang="en-US" smtClean="0"/>
+              <a:rPr lang="en-US"/>
               <a:t>Fourth level</a:t>
             </a:r>
           </a:p>
           <a:p>
             <a:pPr lvl="4"/>
             <a:r>
-              <a:rPr lang="en-US" smtClean="0"/>
+              <a:rPr lang="en-US"/>
               <a:t>Fifth level</a:t>
             </a:r>
-            <a:endParaRPr lang="en-US"/>
           </a:p>
         </p:txBody>
       </p:sp>
@@ -1604,7 +1594,7 @@
           <a:p>
             <a:fld id="{28BE630F-C39C-4DB9-8258-0B48CA067079}" type="datetimeFigureOut">
               <a:rPr lang="en-US" smtClean="0"/>
-              <a:t>11/25/2021</a:t>
+              <a:t>11/28/2021</a:t>
             </a:fld>
             <a:endParaRPr lang="en-US"/>
           </a:p>
@@ -1698,10 +1688,9 @@
           <a:lstStyle/>
           <a:p>
             <a:r>
-              <a:rPr lang="en-US" smtClean="0"/>
+              <a:rPr lang="en-US"/>
               <a:t>Click to edit Master title style</a:t>
             </a:r>
-            <a:endParaRPr lang="en-US"/>
           </a:p>
         </p:txBody>
       </p:sp>
@@ -1722,7 +1711,7 @@
           <a:p>
             <a:fld id="{28BE630F-C39C-4DB9-8258-0B48CA067079}" type="datetimeFigureOut">
               <a:rPr lang="en-US" smtClean="0"/>
-              <a:t>11/25/2021</a:t>
+              <a:t>11/28/2021</a:t>
             </a:fld>
             <a:endParaRPr lang="en-US"/>
           </a:p>
@@ -1817,7 +1806,7 @@
           <a:p>
             <a:fld id="{28BE630F-C39C-4DB9-8258-0B48CA067079}" type="datetimeFigureOut">
               <a:rPr lang="en-US" smtClean="0"/>
-              <a:t>11/25/2021</a:t>
+              <a:t>11/28/2021</a:t>
             </a:fld>
             <a:endParaRPr lang="en-US"/>
           </a:p>
@@ -1920,10 +1909,9 @@
           </a:lstStyle>
           <a:p>
             <a:r>
-              <a:rPr lang="en-US" smtClean="0"/>
+              <a:rPr lang="en-US"/>
               <a:t>Click to edit Master title style</a:t>
             </a:r>
-            <a:endParaRPr lang="en-US"/>
           </a:p>
         </p:txBody>
       </p:sp>
@@ -1977,38 +1965,37 @@
           <a:p>
             <a:pPr lvl="0"/>
             <a:r>
-              <a:rPr lang="en-US" smtClean="0"/>
+              <a:rPr lang="en-US"/>
               <a:t>Click to edit Master text styles</a:t>
             </a:r>
           </a:p>
           <a:p>
             <a:pPr lvl="1"/>
             <a:r>
-              <a:rPr lang="en-US" smtClean="0"/>
+              <a:rPr lang="en-US"/>
               <a:t>Second level</a:t>
             </a:r>
           </a:p>
           <a:p>
             <a:pPr lvl="2"/>
             <a:r>
-              <a:rPr lang="en-US" smtClean="0"/>
+              <a:rPr lang="en-US"/>
               <a:t>Third level</a:t>
             </a:r>
           </a:p>
           <a:p>
             <a:pPr lvl="3"/>
             <a:r>
-              <a:rPr lang="en-US" smtClean="0"/>
+              <a:rPr lang="en-US"/>
               <a:t>Fourth level</a:t>
             </a:r>
           </a:p>
           <a:p>
             <a:pPr lvl="4"/>
             <a:r>
-              <a:rPr lang="en-US" smtClean="0"/>
+              <a:rPr lang="en-US"/>
               <a:t>Fifth level</a:t>
             </a:r>
-            <a:endParaRPr lang="en-US"/>
           </a:p>
         </p:txBody>
       </p:sp>
@@ -2071,7 +2058,7 @@
           <a:p>
             <a:pPr lvl="0"/>
             <a:r>
-              <a:rPr lang="en-US" smtClean="0"/>
+              <a:rPr lang="en-US"/>
               <a:t>Click to edit Master text styles</a:t>
             </a:r>
           </a:p>
@@ -2094,7 +2081,7 @@
           <a:p>
             <a:fld id="{28BE630F-C39C-4DB9-8258-0B48CA067079}" type="datetimeFigureOut">
               <a:rPr lang="en-US" smtClean="0"/>
-              <a:t>11/25/2021</a:t>
+              <a:t>11/28/2021</a:t>
             </a:fld>
             <a:endParaRPr lang="en-US"/>
           </a:p>
@@ -2197,10 +2184,9 @@
           </a:lstStyle>
           <a:p>
             <a:r>
-              <a:rPr lang="en-US" smtClean="0"/>
+              <a:rPr lang="en-US"/>
               <a:t>Click to edit Master title style</a:t>
             </a:r>
-            <a:endParaRPr lang="en-US"/>
           </a:p>
         </p:txBody>
       </p:sp>
@@ -2324,7 +2310,7 @@
           <a:p>
             <a:pPr lvl="0"/>
             <a:r>
-              <a:rPr lang="en-US" smtClean="0"/>
+              <a:rPr lang="en-US"/>
               <a:t>Click to edit Master text styles</a:t>
             </a:r>
           </a:p>
@@ -2347,7 +2333,7 @@
           <a:p>
             <a:fld id="{28BE630F-C39C-4DB9-8258-0B48CA067079}" type="datetimeFigureOut">
               <a:rPr lang="en-US" smtClean="0"/>
-              <a:t>11/25/2021</a:t>
+              <a:t>11/28/2021</a:t>
             </a:fld>
             <a:endParaRPr lang="en-US"/>
           </a:p>
@@ -2456,10 +2442,9 @@
           <a:lstStyle/>
           <a:p>
             <a:r>
-              <a:rPr lang="en-US" smtClean="0"/>
+              <a:rPr lang="en-US"/>
               <a:t>Click to edit Master title style</a:t>
             </a:r>
-            <a:endParaRPr lang="en-US"/>
           </a:p>
         </p:txBody>
       </p:sp>
@@ -2490,38 +2475,37 @@
           <a:p>
             <a:pPr lvl="0"/>
             <a:r>
-              <a:rPr lang="en-US" smtClean="0"/>
+              <a:rPr lang="en-US"/>
               <a:t>Click to edit Master text styles</a:t>
             </a:r>
           </a:p>
           <a:p>
             <a:pPr lvl="1"/>
             <a:r>
-              <a:rPr lang="en-US" smtClean="0"/>
+              <a:rPr lang="en-US"/>
               <a:t>Second level</a:t>
             </a:r>
           </a:p>
           <a:p>
             <a:pPr lvl="2"/>
             <a:r>
-              <a:rPr lang="en-US" smtClean="0"/>
+              <a:rPr lang="en-US"/>
               <a:t>Third level</a:t>
             </a:r>
           </a:p>
           <a:p>
             <a:pPr lvl="3"/>
             <a:r>
-              <a:rPr lang="en-US" smtClean="0"/>
+              <a:rPr lang="en-US"/>
               <a:t>Fourth level</a:t>
             </a:r>
           </a:p>
           <a:p>
             <a:pPr lvl="4"/>
             <a:r>
-              <a:rPr lang="en-US" smtClean="0"/>
+              <a:rPr lang="en-US"/>
               <a:t>Fifth level</a:t>
             </a:r>
-            <a:endParaRPr lang="en-US"/>
           </a:p>
         </p:txBody>
       </p:sp>
@@ -2560,7 +2544,7 @@
           <a:p>
             <a:fld id="{28BE630F-C39C-4DB9-8258-0B48CA067079}" type="datetimeFigureOut">
               <a:rPr lang="en-US" smtClean="0"/>
-              <a:t>11/25/2021</a:t>
+              <a:t>11/28/2021</a:t>
             </a:fld>
             <a:endParaRPr lang="en-US"/>
           </a:p>
@@ -3222,13 +3206,19 @@
       </p:grpSpPr>
       <p:sp>
         <p:nvSpPr>
-          <p:cNvPr id="4" name="TextBox 3"/>
+          <p:cNvPr id="2" name="TextBox 1">
+            <a:extLst>
+              <a:ext uri="{FF2B5EF4-FFF2-40B4-BE49-F238E27FC236}">
+                <a16:creationId xmlns:a16="http://schemas.microsoft.com/office/drawing/2014/main" id="{AAF5EAAB-D460-4AE1-A346-0312C43032BA}"/>
+              </a:ext>
+            </a:extLst>
+          </p:cNvPr>
           <p:cNvSpPr txBox="1"/>
           <p:nvPr/>
         </p:nvSpPr>
         <p:spPr>
           <a:xfrm>
-            <a:off x="1009380" y="479624"/>
+            <a:off x="3837816" y="328634"/>
             <a:ext cx="639919" cy="303481"/>
           </a:xfrm>
           <a:prstGeom prst="rect">
@@ -3237,7 +3227,7 @@
           <a:noFill/>
         </p:spPr>
         <p:txBody>
-          <a:bodyPr wrap="none" rtlCol="0">
+          <a:bodyPr wrap="square" rtlCol="0">
             <a:spAutoFit/>
           </a:bodyPr>
           <a:lstStyle/>
@@ -3255,14 +3245,20 @@
       </p:sp>
       <p:sp>
         <p:nvSpPr>
-          <p:cNvPr id="5" name="Rounded Rectangle 4"/>
+          <p:cNvPr id="3" name="Rounded Rectangle 8">
+            <a:extLst>
+              <a:ext uri="{FF2B5EF4-FFF2-40B4-BE49-F238E27FC236}">
+                <a16:creationId xmlns:a16="http://schemas.microsoft.com/office/drawing/2014/main" id="{9DB93F0C-D049-464B-9B0C-5F11C80D69D0}"/>
+              </a:ext>
+            </a:extLst>
+          </p:cNvPr>
           <p:cNvSpPr/>
           <p:nvPr/>
         </p:nvSpPr>
         <p:spPr>
           <a:xfrm>
-            <a:off x="523323" y="309043"/>
-            <a:ext cx="1650319" cy="1166483"/>
+            <a:off x="3341789" y="237219"/>
+            <a:ext cx="1650319" cy="853378"/>
           </a:xfrm>
           <a:prstGeom prst="roundRect">
             <a:avLst/>
@@ -3302,14 +3298,20 @@
       </p:sp>
       <p:sp>
         <p:nvSpPr>
-          <p:cNvPr id="6" name="TextBox 5"/>
+          <p:cNvPr id="4" name="TextBox 3">
+            <a:extLst>
+              <a:ext uri="{FF2B5EF4-FFF2-40B4-BE49-F238E27FC236}">
+                <a16:creationId xmlns:a16="http://schemas.microsoft.com/office/drawing/2014/main" id="{7FA07AA3-72CA-4C88-8601-2E07FEDA8569}"/>
+              </a:ext>
+            </a:extLst>
+          </p:cNvPr>
           <p:cNvSpPr txBox="1"/>
           <p:nvPr/>
         </p:nvSpPr>
         <p:spPr>
           <a:xfrm>
-            <a:off x="885053" y="892284"/>
-            <a:ext cx="926857" cy="303481"/>
+            <a:off x="3659953" y="517585"/>
+            <a:ext cx="1207054" cy="514628"/>
           </a:xfrm>
           <a:prstGeom prst="rect">
             <a:avLst/>
@@ -3317,92 +3319,48 @@
           <a:noFill/>
         </p:spPr>
         <p:txBody>
-          <a:bodyPr wrap="none" rtlCol="0">
+          <a:bodyPr wrap="square" rtlCol="0">
             <a:spAutoFit/>
           </a:bodyPr>
           <a:lstStyle/>
           <a:p>
             <a:r>
-              <a:rPr lang="en-US" sz="1372" dirty="0" smtClean="0"/>
-              <a:t>Students[]</a:t>
-            </a:r>
-            <a:endParaRPr lang="en-US" sz="1372" dirty="0"/>
-          </a:p>
-        </p:txBody>
-      </p:sp>
-      <p:sp>
-        <p:nvSpPr>
-          <p:cNvPr id="7" name="TextBox 6"/>
-          <p:cNvSpPr txBox="1"/>
-          <p:nvPr/>
-        </p:nvSpPr>
-        <p:spPr>
-          <a:xfrm>
-            <a:off x="119555" y="1627265"/>
-            <a:ext cx="3384709" cy="303481"/>
-          </a:xfrm>
-          <a:prstGeom prst="rect">
-            <a:avLst/>
-          </a:prstGeom>
-          <a:noFill/>
-        </p:spPr>
-        <p:txBody>
-          <a:bodyPr wrap="none" rtlCol="0">
-            <a:spAutoFit/>
-          </a:bodyPr>
-          <a:lstStyle/>
-          <a:p>
-            <a:r>
-              <a:rPr lang="en-US" sz="1372" dirty="0" smtClean="0"/>
-              <a:t>// A component with a list of student as data</a:t>
-            </a:r>
-            <a:endParaRPr lang="en-US" sz="1372" dirty="0"/>
-          </a:p>
-        </p:txBody>
-      </p:sp>
-      <p:sp>
-        <p:nvSpPr>
-          <p:cNvPr id="8" name="TextBox 7"/>
-          <p:cNvSpPr txBox="1"/>
-          <p:nvPr/>
-        </p:nvSpPr>
-        <p:spPr>
-          <a:xfrm>
-            <a:off x="1009380" y="2556074"/>
-            <a:ext cx="639919" cy="303481"/>
-          </a:xfrm>
-          <a:prstGeom prst="rect">
-            <a:avLst/>
-          </a:prstGeom>
-          <a:noFill/>
-        </p:spPr>
-        <p:txBody>
-          <a:bodyPr wrap="none" rtlCol="0">
-            <a:spAutoFit/>
-          </a:bodyPr>
-          <a:lstStyle/>
-          <a:p>
-            <a:r>
-              <a:rPr lang="en-US" sz="1372" b="1" i="1" dirty="0">
-                <a:solidFill>
-                  <a:srgbClr val="FF0000"/>
-                </a:solidFill>
-              </a:rPr>
-              <a:t>&lt;app&gt;</a:t>
-            </a:r>
-          </a:p>
-        </p:txBody>
-      </p:sp>
-      <p:sp>
-        <p:nvSpPr>
-          <p:cNvPr id="9" name="Rounded Rectangle 8"/>
+              <a:rPr lang="en-US" sz="1372" dirty="0" err="1"/>
+              <a:t>UserList</a:t>
+            </a:r>
+            <a:r>
+              <a:rPr lang="en-US" sz="1372" dirty="0"/>
+              <a:t>[]</a:t>
+            </a:r>
+          </a:p>
+          <a:p>
+            <a:r>
+              <a:rPr lang="en-US" sz="1372" dirty="0" err="1"/>
+              <a:t>eventList</a:t>
+            </a:r>
+            <a:r>
+              <a:rPr lang="en-US" sz="1372" dirty="0"/>
+              <a:t>[]</a:t>
+            </a:r>
+          </a:p>
+        </p:txBody>
+      </p:sp>
+      <p:sp>
+        <p:nvSpPr>
+          <p:cNvPr id="5" name="Rounded Rectangle 16">
+            <a:extLst>
+              <a:ext uri="{FF2B5EF4-FFF2-40B4-BE49-F238E27FC236}">
+                <a16:creationId xmlns:a16="http://schemas.microsoft.com/office/drawing/2014/main" id="{4825146B-6C5E-436F-A2B3-54E7FB02A6A0}"/>
+              </a:ext>
+            </a:extLst>
+          </p:cNvPr>
           <p:cNvSpPr/>
           <p:nvPr/>
         </p:nvSpPr>
         <p:spPr>
           <a:xfrm>
-            <a:off x="523323" y="2385493"/>
-            <a:ext cx="1650319" cy="1166483"/>
+            <a:off x="333531" y="217502"/>
+            <a:ext cx="1317345" cy="717758"/>
           </a:xfrm>
           <a:prstGeom prst="roundRect">
             <a:avLst/>
@@ -3442,14 +3400,20 @@
       </p:sp>
       <p:sp>
         <p:nvSpPr>
-          <p:cNvPr id="10" name="TextBox 9"/>
+          <p:cNvPr id="6" name="TextBox 5">
+            <a:extLst>
+              <a:ext uri="{FF2B5EF4-FFF2-40B4-BE49-F238E27FC236}">
+                <a16:creationId xmlns:a16="http://schemas.microsoft.com/office/drawing/2014/main" id="{4D6989D3-183A-4197-96F6-EBD72C692F85}"/>
+              </a:ext>
+            </a:extLst>
+          </p:cNvPr>
           <p:cNvSpPr txBox="1"/>
           <p:nvPr/>
         </p:nvSpPr>
         <p:spPr>
           <a:xfrm>
-            <a:off x="885053" y="2968734"/>
-            <a:ext cx="926857" cy="303481"/>
+            <a:off x="506562" y="520982"/>
+            <a:ext cx="949299" cy="303481"/>
           </a:xfrm>
           <a:prstGeom prst="rect">
             <a:avLst/>
@@ -3463,8 +3427,8 @@
           <a:lstStyle/>
           <a:p>
             <a:r>
-              <a:rPr lang="en-US" sz="1372" dirty="0" smtClean="0"/>
-              <a:t>Students[]</a:t>
+              <a:rPr lang="en-US" sz="1372" dirty="0" err="1"/>
+              <a:t>UserSignIn</a:t>
             </a:r>
             <a:endParaRPr lang="en-US" sz="1372" dirty="0"/>
           </a:p>
@@ -3472,14 +3436,20 @@
       </p:sp>
       <p:sp>
         <p:nvSpPr>
-          <p:cNvPr id="11" name="TextBox 10"/>
+          <p:cNvPr id="7" name="TextBox 6">
+            <a:extLst>
+              <a:ext uri="{FF2B5EF4-FFF2-40B4-BE49-F238E27FC236}">
+                <a16:creationId xmlns:a16="http://schemas.microsoft.com/office/drawing/2014/main" id="{7C6FD4F2-FA50-404B-AE22-57893AD0A13C}"/>
+              </a:ext>
+            </a:extLst>
+          </p:cNvPr>
           <p:cNvSpPr txBox="1"/>
           <p:nvPr/>
         </p:nvSpPr>
         <p:spPr>
           <a:xfrm>
-            <a:off x="464251" y="3703715"/>
-            <a:ext cx="2183996" cy="303481"/>
+            <a:off x="411668" y="285419"/>
+            <a:ext cx="1166839" cy="303481"/>
           </a:xfrm>
           <a:prstGeom prst="rect">
             <a:avLst/>
@@ -3487,102 +3457,45 @@
           <a:noFill/>
         </p:spPr>
         <p:txBody>
-          <a:bodyPr wrap="none" rtlCol="0">
+          <a:bodyPr wrap="square" rtlCol="0">
             <a:spAutoFit/>
           </a:bodyPr>
           <a:lstStyle/>
           <a:p>
             <a:r>
-              <a:rPr lang="en-US" sz="1372" dirty="0" smtClean="0"/>
-              <a:t>// </a:t>
-            </a:r>
-            <a:r>
-              <a:rPr lang="en-US" sz="1372" dirty="0" smtClean="0">
+              <a:rPr lang="en-US" sz="1372" b="1" i="1" dirty="0">
                 <a:solidFill>
                   <a:srgbClr val="FF0000"/>
                 </a:solidFill>
               </a:rPr>
-              <a:t>app</a:t>
-            </a:r>
-            <a:r>
-              <a:rPr lang="en-US" sz="1372" dirty="0" smtClean="0"/>
-              <a:t> send student to </a:t>
-            </a:r>
-            <a:r>
-              <a:rPr lang="en-US" sz="1372" dirty="0" smtClean="0">
-                <a:solidFill>
-                  <a:srgbClr val="FF0000"/>
-                </a:solidFill>
-              </a:rPr>
-              <a:t>card </a:t>
-            </a:r>
-            <a:endParaRPr lang="en-US" sz="1372" dirty="0">
-              <a:solidFill>
-                <a:srgbClr val="FF0000"/>
-              </a:solidFill>
-            </a:endParaRPr>
-          </a:p>
-        </p:txBody>
-      </p:sp>
-      <p:sp>
-        <p:nvSpPr>
-          <p:cNvPr id="12" name="TextBox 11"/>
-          <p:cNvSpPr txBox="1"/>
-          <p:nvPr/>
-        </p:nvSpPr>
-        <p:spPr>
-          <a:xfrm>
-            <a:off x="1009380" y="4803105"/>
-            <a:ext cx="848309" cy="303481"/>
-          </a:xfrm>
-          <a:prstGeom prst="rect">
-            <a:avLst/>
-          </a:prstGeom>
-          <a:noFill/>
-        </p:spPr>
-        <p:txBody>
-          <a:bodyPr wrap="none" rtlCol="0">
-            <a:spAutoFit/>
-          </a:bodyPr>
-          <a:lstStyle/>
-          <a:p>
-            <a:r>
-              <a:rPr lang="en-US" sz="1372" b="1" i="1" dirty="0" smtClean="0">
-                <a:solidFill>
-                  <a:srgbClr val="FF0000"/>
-                </a:solidFill>
-              </a:rPr>
-              <a:t>&lt;parent&gt;</a:t>
-            </a:r>
-            <a:endParaRPr lang="en-US" sz="1372" b="1" i="1" dirty="0">
-              <a:solidFill>
-                <a:srgbClr val="FF0000"/>
-              </a:solidFill>
-            </a:endParaRPr>
-          </a:p>
-        </p:txBody>
-      </p:sp>
-      <p:sp>
-        <p:nvSpPr>
-          <p:cNvPr id="13" name="Rounded Rectangle 12"/>
+              <a:t>&lt;form login&gt;</a:t>
+            </a:r>
+          </a:p>
+        </p:txBody>
+      </p:sp>
+      <p:sp>
+        <p:nvSpPr>
+          <p:cNvPr id="8" name="Right Arrow 25">
+            <a:extLst>
+              <a:ext uri="{FF2B5EF4-FFF2-40B4-BE49-F238E27FC236}">
+                <a16:creationId xmlns:a16="http://schemas.microsoft.com/office/drawing/2014/main" id="{F06431B3-FB29-4740-BE3C-5C16F8F41851}"/>
+              </a:ext>
+            </a:extLst>
+          </p:cNvPr>
           <p:cNvSpPr/>
           <p:nvPr/>
         </p:nvSpPr>
         <p:spPr>
-          <a:xfrm>
-            <a:off x="523323" y="4632524"/>
-            <a:ext cx="1650319" cy="1166483"/>
-          </a:xfrm>
-          <a:prstGeom prst="roundRect">
-            <a:avLst/>
-          </a:prstGeom>
-          <a:noFill/>
-          <a:ln>
-            <a:solidFill>
-              <a:srgbClr val="FF0000"/>
-            </a:solidFill>
-            <a:prstDash val="lgDash"/>
-          </a:ln>
+          <a:xfrm rot="10800000" flipH="1">
+            <a:off x="1706045" y="426232"/>
+            <a:ext cx="1437386" cy="220578"/>
+          </a:xfrm>
+          <a:prstGeom prst="rightArrow">
+            <a:avLst/>
+          </a:prstGeom>
+          <a:solidFill>
+            <a:srgbClr val="FF0000"/>
+          </a:solidFill>
         </p:spPr>
         <p:style>
           <a:lnRef idx="2">
@@ -3601,24 +3514,35 @@
           </a:fontRef>
         </p:style>
         <p:txBody>
-          <a:bodyPr rtlCol="0" anchor="ctr"/>
+          <a:bodyPr rot="0" spcFirstLastPara="0" vertOverflow="overflow" horzOverflow="overflow" vert="horz" wrap="square" lIns="69681" tIns="34840" rIns="69681" bIns="34840" numCol="1" spcCol="0" rtlCol="0" fromWordArt="0" anchor="ctr" anchorCtr="0" forceAA="0" compatLnSpc="1">
+            <a:prstTxWarp prst="textNoShape">
+              <a:avLst/>
+            </a:prstTxWarp>
+            <a:noAutofit/>
+          </a:bodyPr>
           <a:lstStyle/>
           <a:p>
             <a:pPr algn="ctr"/>
-            <a:endParaRPr lang="en-US" sz="1372"/>
-          </a:p>
-        </p:txBody>
-      </p:sp>
-      <p:sp>
-        <p:nvSpPr>
-          <p:cNvPr id="14" name="TextBox 13"/>
+            <a:endParaRPr lang="en-US" sz="1372" dirty="0"/>
+          </a:p>
+        </p:txBody>
+      </p:sp>
+      <p:sp>
+        <p:nvSpPr>
+          <p:cNvPr id="9" name="TextBox 8">
+            <a:extLst>
+              <a:ext uri="{FF2B5EF4-FFF2-40B4-BE49-F238E27FC236}">
+                <a16:creationId xmlns:a16="http://schemas.microsoft.com/office/drawing/2014/main" id="{9E32277C-2DAB-4B6D-8795-0E581895F496}"/>
+              </a:ext>
+            </a:extLst>
+          </p:cNvPr>
           <p:cNvSpPr txBox="1"/>
           <p:nvPr/>
         </p:nvSpPr>
         <p:spPr>
           <a:xfrm>
-            <a:off x="885053" y="5215765"/>
-            <a:ext cx="926857" cy="303481"/>
+            <a:off x="1969413" y="585397"/>
+            <a:ext cx="558166" cy="303481"/>
           </a:xfrm>
           <a:prstGeom prst="rect">
             <a:avLst/>
@@ -3626,83 +3550,74 @@
           <a:noFill/>
         </p:spPr>
         <p:txBody>
-          <a:bodyPr wrap="none" rtlCol="0">
+          <a:bodyPr wrap="square" rtlCol="0">
             <a:spAutoFit/>
           </a:bodyPr>
           <a:lstStyle/>
           <a:p>
             <a:r>
-              <a:rPr lang="en-US" sz="1372" dirty="0" smtClean="0"/>
-              <a:t>Students[]</a:t>
-            </a:r>
-            <a:endParaRPr lang="en-US" sz="1372" dirty="0"/>
-          </a:p>
-        </p:txBody>
-      </p:sp>
-      <p:sp>
-        <p:nvSpPr>
-          <p:cNvPr id="15" name="TextBox 14"/>
-          <p:cNvSpPr txBox="1"/>
-          <p:nvPr/>
-        </p:nvSpPr>
-        <p:spPr>
-          <a:xfrm>
-            <a:off x="394083" y="6064417"/>
-            <a:ext cx="3216522" cy="303481"/>
-          </a:xfrm>
-          <a:prstGeom prst="rect">
-            <a:avLst/>
-          </a:prstGeom>
-          <a:noFill/>
-        </p:spPr>
-        <p:txBody>
-          <a:bodyPr wrap="none" rtlCol="0">
-            <a:spAutoFit/>
-          </a:bodyPr>
-          <a:lstStyle/>
-          <a:p>
-            <a:r>
-              <a:rPr lang="en-US" sz="1372" dirty="0" smtClean="0"/>
-              <a:t>// </a:t>
-            </a:r>
-            <a:r>
-              <a:rPr lang="en-US" sz="1372" dirty="0" smtClean="0">
+              <a:rPr lang="en-US" sz="1372" b="1" dirty="0">
                 <a:solidFill>
                   <a:srgbClr val="FF0000"/>
                 </a:solidFill>
               </a:rPr>
-              <a:t>from</a:t>
-            </a:r>
-            <a:r>
-              <a:rPr lang="en-US" sz="1372" dirty="0" smtClean="0"/>
-              <a:t> send the event validated to </a:t>
-            </a:r>
-            <a:r>
-              <a:rPr lang="en-US" sz="1372" dirty="0" smtClean="0">
-                <a:solidFill>
-                  <a:srgbClr val="FF0000"/>
-                </a:solidFill>
-              </a:rPr>
-              <a:t>parent</a:t>
-            </a:r>
-            <a:endParaRPr lang="en-US" sz="1372" dirty="0">
-              <a:solidFill>
-                <a:srgbClr val="FF0000"/>
-              </a:solidFill>
-            </a:endParaRPr>
-          </a:p>
-        </p:txBody>
-      </p:sp>
-      <p:sp>
-        <p:nvSpPr>
-          <p:cNvPr id="17" name="Rounded Rectangle 16"/>
+              <a:t>EMIT</a:t>
+            </a:r>
+          </a:p>
+        </p:txBody>
+      </p:sp>
+      <p:sp>
+        <p:nvSpPr>
+          <p:cNvPr id="10" name="TextBox 9">
+            <a:extLst>
+              <a:ext uri="{FF2B5EF4-FFF2-40B4-BE49-F238E27FC236}">
+                <a16:creationId xmlns:a16="http://schemas.microsoft.com/office/drawing/2014/main" id="{10F79F08-25A1-4A1E-9175-5E6416203A38}"/>
+              </a:ext>
+            </a:extLst>
+          </p:cNvPr>
+          <p:cNvSpPr txBox="1"/>
+          <p:nvPr/>
+        </p:nvSpPr>
+        <p:spPr>
+          <a:xfrm>
+            <a:off x="1957045" y="198216"/>
+            <a:ext cx="701474" cy="303481"/>
+          </a:xfrm>
+          <a:prstGeom prst="rect">
+            <a:avLst/>
+          </a:prstGeom>
+          <a:noFill/>
+        </p:spPr>
+        <p:txBody>
+          <a:bodyPr wrap="none" rtlCol="0">
+            <a:spAutoFit/>
+          </a:bodyPr>
+          <a:lstStyle/>
+          <a:p>
+            <a:r>
+              <a:rPr lang="en-US" sz="1372" dirty="0" err="1"/>
+              <a:t>valided</a:t>
+            </a:r>
+            <a:endParaRPr lang="en-US" sz="1372" dirty="0"/>
+          </a:p>
+        </p:txBody>
+      </p:sp>
+      <p:sp>
+        <p:nvSpPr>
+          <p:cNvPr id="11" name="Rounded Rectangle 16">
+            <a:extLst>
+              <a:ext uri="{FF2B5EF4-FFF2-40B4-BE49-F238E27FC236}">
+                <a16:creationId xmlns:a16="http://schemas.microsoft.com/office/drawing/2014/main" id="{3A17C251-E362-46BC-A816-E8E2FFB48D7A}"/>
+              </a:ext>
+            </a:extLst>
+          </p:cNvPr>
           <p:cNvSpPr/>
           <p:nvPr/>
         </p:nvSpPr>
         <p:spPr>
           <a:xfrm>
-            <a:off x="3056973" y="2408786"/>
-            <a:ext cx="1650319" cy="1166483"/>
+            <a:off x="1016488" y="1209889"/>
+            <a:ext cx="1252447" cy="639279"/>
           </a:xfrm>
           <a:prstGeom prst="roundRect">
             <a:avLst/>
@@ -3742,14 +3657,20 @@
       </p:sp>
       <p:sp>
         <p:nvSpPr>
-          <p:cNvPr id="18" name="TextBox 17"/>
+          <p:cNvPr id="12" name="TextBox 11">
+            <a:extLst>
+              <a:ext uri="{FF2B5EF4-FFF2-40B4-BE49-F238E27FC236}">
+                <a16:creationId xmlns:a16="http://schemas.microsoft.com/office/drawing/2014/main" id="{370A089B-001F-4619-A43C-03995FA1626B}"/>
+              </a:ext>
+            </a:extLst>
+          </p:cNvPr>
           <p:cNvSpPr txBox="1"/>
           <p:nvPr/>
         </p:nvSpPr>
         <p:spPr>
           <a:xfrm>
-            <a:off x="3418703" y="2992027"/>
-            <a:ext cx="926857" cy="303481"/>
+            <a:off x="1125186" y="1513656"/>
+            <a:ext cx="1016625" cy="303481"/>
           </a:xfrm>
           <a:prstGeom prst="rect">
             <a:avLst/>
@@ -3763,8 +3684,8 @@
           <a:lstStyle/>
           <a:p>
             <a:r>
-              <a:rPr lang="en-US" sz="1372" dirty="0" smtClean="0"/>
-              <a:t>Students[]</a:t>
+              <a:rPr lang="en-US" sz="1372" dirty="0" err="1"/>
+              <a:t>UserSignUp</a:t>
             </a:r>
             <a:endParaRPr lang="en-US" sz="1372" dirty="0"/>
           </a:p>
@@ -3772,14 +3693,20 @@
       </p:sp>
       <p:sp>
         <p:nvSpPr>
-          <p:cNvPr id="19" name="TextBox 18"/>
+          <p:cNvPr id="13" name="TextBox 12">
+            <a:extLst>
+              <a:ext uri="{FF2B5EF4-FFF2-40B4-BE49-F238E27FC236}">
+                <a16:creationId xmlns:a16="http://schemas.microsoft.com/office/drawing/2014/main" id="{B6B33420-2859-4ACC-AFF8-210245F869DA}"/>
+              </a:ext>
+            </a:extLst>
+          </p:cNvPr>
           <p:cNvSpPr txBox="1"/>
           <p:nvPr/>
         </p:nvSpPr>
         <p:spPr>
           <a:xfrm>
-            <a:off x="3666083" y="4779442"/>
-            <a:ext cx="713657" cy="303481"/>
+            <a:off x="1024290" y="1250831"/>
+            <a:ext cx="1260280" cy="303481"/>
           </a:xfrm>
           <a:prstGeom prst="rect">
             <a:avLst/>
@@ -3787,48 +3714,136 @@
           <a:noFill/>
         </p:spPr>
         <p:txBody>
-          <a:bodyPr wrap="none" rtlCol="0">
+          <a:bodyPr wrap="square" rtlCol="0">
             <a:spAutoFit/>
           </a:bodyPr>
           <a:lstStyle/>
           <a:p>
             <a:r>
-              <a:rPr lang="en-US" sz="1372" b="1" i="1" dirty="0" smtClean="0">
+              <a:rPr lang="en-US" sz="1372" b="1" i="1" dirty="0">
                 <a:solidFill>
                   <a:srgbClr val="FF0000"/>
                 </a:solidFill>
               </a:rPr>
-              <a:t>&lt;from&gt;</a:t>
-            </a:r>
-            <a:endParaRPr lang="en-US" sz="1372" b="1" i="1" dirty="0">
-              <a:solidFill>
-                <a:srgbClr val="FF0000"/>
-              </a:solidFill>
-            </a:endParaRPr>
-          </a:p>
-        </p:txBody>
-      </p:sp>
-      <p:sp>
-        <p:nvSpPr>
-          <p:cNvPr id="20" name="Rounded Rectangle 19"/>
+              <a:t>&lt;form </a:t>
+            </a:r>
+            <a:r>
+              <a:rPr lang="en-US" sz="1372" b="1" i="1" dirty="0" err="1">
+                <a:solidFill>
+                  <a:srgbClr val="FF0000"/>
+                </a:solidFill>
+              </a:rPr>
+              <a:t>signUp</a:t>
+            </a:r>
+            <a:r>
+              <a:rPr lang="en-US" sz="1372" b="1" i="1" dirty="0">
+                <a:solidFill>
+                  <a:srgbClr val="FF0000"/>
+                </a:solidFill>
+              </a:rPr>
+              <a:t>&gt;</a:t>
+            </a:r>
+          </a:p>
+        </p:txBody>
+      </p:sp>
+      <p:sp>
+        <p:nvSpPr>
+          <p:cNvPr id="14" name="TextBox 13">
+            <a:extLst>
+              <a:ext uri="{FF2B5EF4-FFF2-40B4-BE49-F238E27FC236}">
+                <a16:creationId xmlns:a16="http://schemas.microsoft.com/office/drawing/2014/main" id="{057C7DE1-BC28-40C1-B39E-86ED63DB6B08}"/>
+              </a:ext>
+            </a:extLst>
+          </p:cNvPr>
+          <p:cNvSpPr txBox="1"/>
+          <p:nvPr/>
+        </p:nvSpPr>
+        <p:spPr>
+          <a:xfrm rot="19880126">
+            <a:off x="2565789" y="1136985"/>
+            <a:ext cx="558166" cy="303481"/>
+          </a:xfrm>
+          <a:prstGeom prst="rect">
+            <a:avLst/>
+          </a:prstGeom>
+          <a:noFill/>
+        </p:spPr>
+        <p:txBody>
+          <a:bodyPr wrap="square" rtlCol="0">
+            <a:spAutoFit/>
+          </a:bodyPr>
+          <a:lstStyle/>
+          <a:p>
+            <a:r>
+              <a:rPr lang="en-US" sz="1372" b="1" dirty="0">
+                <a:solidFill>
+                  <a:srgbClr val="FF0000"/>
+                </a:solidFill>
+              </a:rPr>
+              <a:t>EMIT</a:t>
+            </a:r>
+          </a:p>
+        </p:txBody>
+      </p:sp>
+      <p:sp>
+        <p:nvSpPr>
+          <p:cNvPr id="15" name="TextBox 14">
+            <a:extLst>
+              <a:ext uri="{FF2B5EF4-FFF2-40B4-BE49-F238E27FC236}">
+                <a16:creationId xmlns:a16="http://schemas.microsoft.com/office/drawing/2014/main" id="{8A895A0C-2F83-4984-8A76-8B6D234BF372}"/>
+              </a:ext>
+            </a:extLst>
+          </p:cNvPr>
+          <p:cNvSpPr txBox="1"/>
+          <p:nvPr/>
+        </p:nvSpPr>
+        <p:spPr>
+          <a:xfrm rot="20027643">
+            <a:off x="2218100" y="938856"/>
+            <a:ext cx="701474" cy="303481"/>
+          </a:xfrm>
+          <a:prstGeom prst="rect">
+            <a:avLst/>
+          </a:prstGeom>
+          <a:noFill/>
+        </p:spPr>
+        <p:txBody>
+          <a:bodyPr wrap="none" rtlCol="0">
+            <a:spAutoFit/>
+          </a:bodyPr>
+          <a:lstStyle/>
+          <a:p>
+            <a:r>
+              <a:rPr lang="en-US" sz="1372" dirty="0" err="1"/>
+              <a:t>valided</a:t>
+            </a:r>
+            <a:endParaRPr lang="en-US" sz="1372" dirty="0"/>
+          </a:p>
+        </p:txBody>
+      </p:sp>
+      <p:sp>
+        <p:nvSpPr>
+          <p:cNvPr id="16" name="Right Arrow 25">
+            <a:extLst>
+              <a:ext uri="{FF2B5EF4-FFF2-40B4-BE49-F238E27FC236}">
+                <a16:creationId xmlns:a16="http://schemas.microsoft.com/office/drawing/2014/main" id="{8B9779D3-FD8C-4C19-991D-FE82E8BDF596}"/>
+              </a:ext>
+            </a:extLst>
+          </p:cNvPr>
           <p:cNvSpPr/>
           <p:nvPr/>
         </p:nvSpPr>
         <p:spPr>
-          <a:xfrm>
-            <a:off x="3180026" y="4608861"/>
-            <a:ext cx="1650319" cy="1166483"/>
-          </a:xfrm>
-          <a:prstGeom prst="roundRect">
-            <a:avLst/>
-          </a:prstGeom>
-          <a:noFill/>
-          <a:ln>
-            <a:solidFill>
-              <a:srgbClr val="FF0000"/>
-            </a:solidFill>
-            <a:prstDash val="lgDash"/>
-          </a:ln>
+          <a:xfrm rot="9266363" flipH="1">
+            <a:off x="2337525" y="1101663"/>
+            <a:ext cx="889035" cy="156607"/>
+          </a:xfrm>
+          <a:prstGeom prst="rightArrow">
+            <a:avLst/>
+          </a:prstGeom>
+          <a:solidFill>
+            <a:srgbClr val="FF0000"/>
+          </a:solidFill>
         </p:spPr>
         <p:style>
           <a:lnRef idx="2">
@@ -3847,61 +3862,46 @@
           </a:fontRef>
         </p:style>
         <p:txBody>
-          <a:bodyPr rtlCol="0" anchor="ctr"/>
+          <a:bodyPr rot="0" spcFirstLastPara="0" vertOverflow="overflow" horzOverflow="overflow" vert="horz" wrap="square" lIns="69681" tIns="34840" rIns="69681" bIns="34840" numCol="1" spcCol="0" rtlCol="0" fromWordArt="0" anchor="ctr" anchorCtr="0" forceAA="0" compatLnSpc="1">
+            <a:prstTxWarp prst="textNoShape">
+              <a:avLst/>
+            </a:prstTxWarp>
+            <a:noAutofit/>
+          </a:bodyPr>
           <a:lstStyle/>
           <a:p>
             <a:pPr algn="ctr"/>
-            <a:endParaRPr lang="en-US" sz="1372"/>
-          </a:p>
-        </p:txBody>
-      </p:sp>
-      <p:sp>
-        <p:nvSpPr>
-          <p:cNvPr id="21" name="TextBox 20"/>
-          <p:cNvSpPr txBox="1"/>
-          <p:nvPr/>
-        </p:nvSpPr>
-        <p:spPr>
-          <a:xfrm>
-            <a:off x="3541756" y="5192102"/>
-            <a:ext cx="926857" cy="303481"/>
-          </a:xfrm>
-          <a:prstGeom prst="rect">
-            <a:avLst/>
-          </a:prstGeom>
-          <a:noFill/>
-        </p:spPr>
-        <p:txBody>
-          <a:bodyPr wrap="none" rtlCol="0">
-            <a:spAutoFit/>
-          </a:bodyPr>
-          <a:lstStyle/>
-          <a:p>
-            <a:r>
-              <a:rPr lang="en-US" sz="1372" dirty="0" smtClean="0"/>
-              <a:t>Students[]</a:t>
-            </a:r>
             <a:endParaRPr lang="en-US" sz="1372" dirty="0"/>
           </a:p>
         </p:txBody>
       </p:sp>
       <p:sp>
         <p:nvSpPr>
-          <p:cNvPr id="22" name="Right Arrow 21"/>
+          <p:cNvPr id="17" name="Rounded Rectangle 16">
+            <a:extLst>
+              <a:ext uri="{FF2B5EF4-FFF2-40B4-BE49-F238E27FC236}">
+                <a16:creationId xmlns:a16="http://schemas.microsoft.com/office/drawing/2014/main" id="{41083722-1B7F-4C97-B52E-12B247229846}"/>
+              </a:ext>
+            </a:extLst>
+          </p:cNvPr>
           <p:cNvSpPr/>
           <p:nvPr/>
         </p:nvSpPr>
         <p:spPr>
           <a:xfrm>
-            <a:off x="2197551" y="2768367"/>
-            <a:ext cx="696809" cy="333683"/>
-          </a:xfrm>
-          <a:prstGeom prst="rightArrow">
-            <a:avLst/>
-          </a:prstGeom>
-          <a:solidFill>
-            <a:schemeClr val="accent6"/>
-          </a:solidFill>
+            <a:off x="6698571" y="380613"/>
+            <a:ext cx="1650319" cy="717758"/>
+          </a:xfrm>
+          <a:prstGeom prst="roundRect">
+            <a:avLst/>
+          </a:prstGeom>
+          <a:noFill/>
+          <a:ln>
+            <a:solidFill>
+              <a:srgbClr val="FF0000"/>
+            </a:solidFill>
+            <a:prstDash val="lgDash"/>
+          </a:ln>
         </p:spPr>
         <p:style>
           <a:lnRef idx="2">
@@ -3920,12 +3920,7 @@
           </a:fontRef>
         </p:style>
         <p:txBody>
-          <a:bodyPr rot="0" spcFirstLastPara="0" vertOverflow="overflow" horzOverflow="overflow" vert="horz" wrap="square" lIns="69681" tIns="34840" rIns="69681" bIns="34840" numCol="1" spcCol="0" rtlCol="0" fromWordArt="0" anchor="ctr" anchorCtr="0" forceAA="0" compatLnSpc="1">
-            <a:prstTxWarp prst="textNoShape">
-              <a:avLst/>
-            </a:prstTxWarp>
-            <a:noAutofit/>
-          </a:bodyPr>
+          <a:bodyPr rtlCol="0" anchor="ctr"/>
           <a:lstStyle/>
           <a:p>
             <a:pPr algn="ctr"/>
@@ -3935,14 +3930,20 @@
       </p:sp>
       <p:sp>
         <p:nvSpPr>
-          <p:cNvPr id="23" name="TextBox 22"/>
+          <p:cNvPr id="19" name="TextBox 18">
+            <a:extLst>
+              <a:ext uri="{FF2B5EF4-FFF2-40B4-BE49-F238E27FC236}">
+                <a16:creationId xmlns:a16="http://schemas.microsoft.com/office/drawing/2014/main" id="{35B7BA5F-2659-407C-8297-EC067209B98B}"/>
+              </a:ext>
+            </a:extLst>
+          </p:cNvPr>
           <p:cNvSpPr txBox="1"/>
           <p:nvPr/>
         </p:nvSpPr>
         <p:spPr>
           <a:xfrm>
-            <a:off x="2156606" y="3120474"/>
-            <a:ext cx="735714" cy="303481"/>
+            <a:off x="7057299" y="436011"/>
+            <a:ext cx="1166839" cy="303481"/>
           </a:xfrm>
           <a:prstGeom prst="rect">
             <a:avLst/>
@@ -3950,112 +3951,50 @@
           <a:noFill/>
         </p:spPr>
         <p:txBody>
-          <a:bodyPr wrap="none" rtlCol="0">
+          <a:bodyPr wrap="square" rtlCol="0">
             <a:spAutoFit/>
           </a:bodyPr>
           <a:lstStyle/>
           <a:p>
             <a:r>
-              <a:rPr lang="en-US" sz="1372" dirty="0" smtClean="0"/>
-              <a:t>student</a:t>
-            </a:r>
-            <a:endParaRPr lang="en-US" sz="1372" dirty="0"/>
-          </a:p>
-        </p:txBody>
-      </p:sp>
-      <p:sp>
-        <p:nvSpPr>
-          <p:cNvPr id="24" name="TextBox 23"/>
-          <p:cNvSpPr txBox="1"/>
-          <p:nvPr/>
-        </p:nvSpPr>
-        <p:spPr>
-          <a:xfrm>
-            <a:off x="2188492" y="2550268"/>
-            <a:ext cx="670248" cy="303481"/>
-          </a:xfrm>
-          <a:prstGeom prst="rect">
-            <a:avLst/>
-          </a:prstGeom>
-          <a:noFill/>
-        </p:spPr>
-        <p:txBody>
-          <a:bodyPr wrap="none" rtlCol="0">
-            <a:spAutoFit/>
-          </a:bodyPr>
-          <a:lstStyle/>
-          <a:p>
-            <a:r>
-              <a:rPr lang="en-US" sz="1372" b="1" dirty="0" smtClean="0">
-                <a:solidFill>
-                  <a:schemeClr val="accent6"/>
-                </a:solidFill>
-              </a:rPr>
-              <a:t>PROPS</a:t>
-            </a:r>
-            <a:endParaRPr lang="en-US" sz="1372" b="1" dirty="0">
-              <a:solidFill>
-                <a:schemeClr val="accent6"/>
-              </a:solidFill>
-            </a:endParaRPr>
-          </a:p>
-        </p:txBody>
-      </p:sp>
-      <p:sp>
-        <p:nvSpPr>
-          <p:cNvPr id="25" name="TextBox 24"/>
-          <p:cNvSpPr txBox="1"/>
-          <p:nvPr/>
-        </p:nvSpPr>
-        <p:spPr>
-          <a:xfrm>
-            <a:off x="3562171" y="2587817"/>
-            <a:ext cx="680251" cy="303481"/>
-          </a:xfrm>
-          <a:prstGeom prst="rect">
-            <a:avLst/>
-          </a:prstGeom>
-          <a:noFill/>
-        </p:spPr>
-        <p:txBody>
-          <a:bodyPr wrap="none" rtlCol="0">
-            <a:spAutoFit/>
-          </a:bodyPr>
-          <a:lstStyle/>
-          <a:p>
-            <a:r>
-              <a:rPr lang="en-US" sz="1372" b="1" i="1" dirty="0" smtClean="0">
+              <a:rPr lang="en-US" sz="1372" i="1" dirty="0">
                 <a:solidFill>
                   <a:srgbClr val="FF0000"/>
                 </a:solidFill>
               </a:rPr>
-              <a:t>&lt;card&gt;</a:t>
-            </a:r>
-            <a:endParaRPr lang="en-US" sz="1372" b="1" i="1" dirty="0">
-              <a:solidFill>
-                <a:srgbClr val="FF0000"/>
-              </a:solidFill>
-            </a:endParaRPr>
-          </a:p>
-        </p:txBody>
-      </p:sp>
-      <p:sp>
-        <p:nvSpPr>
-          <p:cNvPr id="26" name="Right Arrow 25"/>
+              <a:t>&lt;navigation&gt;</a:t>
+            </a:r>
+          </a:p>
+        </p:txBody>
+      </p:sp>
+      <p:sp>
+        <p:nvSpPr>
+          <p:cNvPr id="21" name="Arrow: Right 20">
+            <a:extLst>
+              <a:ext uri="{FF2B5EF4-FFF2-40B4-BE49-F238E27FC236}">
+                <a16:creationId xmlns:a16="http://schemas.microsoft.com/office/drawing/2014/main" id="{29A05D33-DC58-49BE-896B-0F05CA45B9E7}"/>
+              </a:ext>
+            </a:extLst>
+          </p:cNvPr>
           <p:cNvSpPr/>
           <p:nvPr/>
         </p:nvSpPr>
         <p:spPr>
-          <a:xfrm flipH="1">
-            <a:off x="2387600" y="5000637"/>
-            <a:ext cx="792424" cy="400041"/>
+          <a:xfrm>
+            <a:off x="4992108" y="480374"/>
+            <a:ext cx="751830" cy="315681"/>
           </a:xfrm>
           <a:prstGeom prst="rightArrow">
             <a:avLst/>
           </a:prstGeom>
           <a:solidFill>
-            <a:srgbClr val="FF0000"/>
+            <a:srgbClr val="FFFF00"/>
           </a:solidFill>
+          <a:ln>
+            <a:solidFill>
+              <a:schemeClr val="tx1"/>
+            </a:solidFill>
+          </a:ln>
         </p:spPr>
         <p:style>
           <a:lnRef idx="2">
@@ -4074,29 +4013,30 @@
           </a:fontRef>
         </p:style>
         <p:txBody>
-          <a:bodyPr rot="0" spcFirstLastPara="0" vertOverflow="overflow" horzOverflow="overflow" vert="horz" wrap="square" lIns="69681" tIns="34840" rIns="69681" bIns="34840" numCol="1" spcCol="0" rtlCol="0" fromWordArt="0" anchor="ctr" anchorCtr="0" forceAA="0" compatLnSpc="1">
-            <a:prstTxWarp prst="textNoShape">
-              <a:avLst/>
-            </a:prstTxWarp>
-            <a:noAutofit/>
-          </a:bodyPr>
+          <a:bodyPr rtlCol="0" anchor="ctr"/>
           <a:lstStyle/>
           <a:p>
             <a:pPr algn="ctr"/>
-            <a:endParaRPr lang="en-US" sz="1372"/>
-          </a:p>
-        </p:txBody>
-      </p:sp>
-      <p:sp>
-        <p:nvSpPr>
-          <p:cNvPr id="27" name="TextBox 26"/>
+            <a:endParaRPr lang="en-US"/>
+          </a:p>
+        </p:txBody>
+      </p:sp>
+      <p:sp>
+        <p:nvSpPr>
+          <p:cNvPr id="23" name="TextBox 22">
+            <a:extLst>
+              <a:ext uri="{FF2B5EF4-FFF2-40B4-BE49-F238E27FC236}">
+                <a16:creationId xmlns:a16="http://schemas.microsoft.com/office/drawing/2014/main" id="{84F54D1D-FE9B-40FD-A86D-0855DAE8D10B}"/>
+              </a:ext>
+            </a:extLst>
+          </p:cNvPr>
           <p:cNvSpPr txBox="1"/>
           <p:nvPr/>
         </p:nvSpPr>
         <p:spPr>
           <a:xfrm>
-            <a:off x="2523616" y="5336639"/>
-            <a:ext cx="701474" cy="303481"/>
+            <a:off x="4943330" y="253592"/>
+            <a:ext cx="931523" cy="303481"/>
           </a:xfrm>
           <a:prstGeom prst="rect">
             <a:avLst/>
@@ -4104,97 +4044,38 @@
           <a:noFill/>
         </p:spPr>
         <p:txBody>
-          <a:bodyPr wrap="none" rtlCol="0">
+          <a:bodyPr wrap="square" rtlCol="0">
             <a:spAutoFit/>
           </a:bodyPr>
           <a:lstStyle/>
           <a:p>
             <a:r>
-              <a:rPr lang="en-US" sz="1372" dirty="0" err="1" smtClean="0"/>
-              <a:t>valided</a:t>
-            </a:r>
-            <a:endParaRPr lang="en-US" sz="1372" dirty="0"/>
-          </a:p>
-        </p:txBody>
-      </p:sp>
-      <p:sp>
-        <p:nvSpPr>
-          <p:cNvPr id="28" name="TextBox 27"/>
-          <p:cNvSpPr txBox="1"/>
-          <p:nvPr/>
-        </p:nvSpPr>
-        <p:spPr>
-          <a:xfrm>
-            <a:off x="2574806" y="4621286"/>
-            <a:ext cx="558166" cy="303481"/>
-          </a:xfrm>
-          <a:prstGeom prst="rect">
-            <a:avLst/>
-          </a:prstGeom>
-          <a:noFill/>
-        </p:spPr>
-        <p:txBody>
-          <a:bodyPr wrap="none" rtlCol="0">
-            <a:spAutoFit/>
-          </a:bodyPr>
-          <a:lstStyle/>
-          <a:p>
-            <a:r>
-              <a:rPr lang="en-US" sz="1372" b="1" dirty="0" smtClean="0">
+              <a:rPr lang="en-US" sz="1372" b="1" dirty="0">
                 <a:solidFill>
                   <a:srgbClr val="FF0000"/>
                 </a:solidFill>
               </a:rPr>
-              <a:t>EMIT</a:t>
-            </a:r>
-            <a:endParaRPr lang="en-US" sz="1372" b="1" dirty="0">
-              <a:solidFill>
-                <a:srgbClr val="FF0000"/>
-              </a:solidFill>
-            </a:endParaRPr>
-          </a:p>
-        </p:txBody>
-      </p:sp>
-      <p:cxnSp>
-        <p:nvCxnSpPr>
-          <p:cNvPr id="30" name="Straight Connector 29"/>
-          <p:cNvCxnSpPr/>
-          <p:nvPr/>
-        </p:nvCxnSpPr>
-        <p:spPr>
-          <a:xfrm>
-            <a:off x="5733143" y="0"/>
-            <a:ext cx="29028" cy="6858000"/>
-          </a:xfrm>
-          <a:prstGeom prst="line">
-            <a:avLst/>
-          </a:prstGeom>
-        </p:spPr>
-        <p:style>
-          <a:lnRef idx="1">
-            <a:schemeClr val="accent1"/>
-          </a:lnRef>
-          <a:fillRef idx="0">
-            <a:schemeClr val="accent1"/>
-          </a:fillRef>
-          <a:effectRef idx="0">
-            <a:schemeClr val="accent1"/>
-          </a:effectRef>
-          <a:fontRef idx="minor">
-            <a:schemeClr val="tx1"/>
-          </a:fontRef>
-        </p:style>
-      </p:cxnSp>
-      <p:sp>
-        <p:nvSpPr>
-          <p:cNvPr id="31" name="TextBox 30"/>
+              <a:t>PROVIDE</a:t>
+            </a:r>
+          </a:p>
+        </p:txBody>
+      </p:sp>
+      <p:sp>
+        <p:nvSpPr>
+          <p:cNvPr id="24" name="TextBox 23">
+            <a:extLst>
+              <a:ext uri="{FF2B5EF4-FFF2-40B4-BE49-F238E27FC236}">
+                <a16:creationId xmlns:a16="http://schemas.microsoft.com/office/drawing/2014/main" id="{324B9E6D-1822-4A48-B162-FDA565982ADF}"/>
+              </a:ext>
+            </a:extLst>
+          </p:cNvPr>
           <p:cNvSpPr txBox="1"/>
           <p:nvPr/>
         </p:nvSpPr>
         <p:spPr>
           <a:xfrm>
-            <a:off x="6720447" y="481416"/>
-            <a:ext cx="639919" cy="303481"/>
+            <a:off x="5021195" y="723776"/>
+            <a:ext cx="931523" cy="303481"/>
           </a:xfrm>
           <a:prstGeom prst="rect">
             <a:avLst/>
@@ -4202,32 +4083,34 @@
           <a:noFill/>
         </p:spPr>
         <p:txBody>
-          <a:bodyPr wrap="none" rtlCol="0">
+          <a:bodyPr wrap="square" rtlCol="0">
             <a:spAutoFit/>
           </a:bodyPr>
           <a:lstStyle/>
           <a:p>
             <a:r>
-              <a:rPr lang="en-US" sz="1372" b="1" i="1" dirty="0">
-                <a:solidFill>
-                  <a:srgbClr val="FF0000"/>
-                </a:solidFill>
-              </a:rPr>
-              <a:t>&lt;app&gt;</a:t>
-            </a:r>
-          </a:p>
-        </p:txBody>
-      </p:sp>
-      <p:sp>
-        <p:nvSpPr>
-          <p:cNvPr id="32" name="Rounded Rectangle 31"/>
+              <a:rPr lang="en-US" sz="1372" b="1" dirty="0"/>
+              <a:t>user</a:t>
+            </a:r>
+          </a:p>
+        </p:txBody>
+      </p:sp>
+      <p:sp>
+        <p:nvSpPr>
+          <p:cNvPr id="25" name="Rounded Rectangle 16">
+            <a:extLst>
+              <a:ext uri="{FF2B5EF4-FFF2-40B4-BE49-F238E27FC236}">
+                <a16:creationId xmlns:a16="http://schemas.microsoft.com/office/drawing/2014/main" id="{4816E857-23E1-4C43-A108-65AEB0841A35}"/>
+              </a:ext>
+            </a:extLst>
+          </p:cNvPr>
           <p:cNvSpPr/>
           <p:nvPr/>
         </p:nvSpPr>
         <p:spPr>
           <a:xfrm>
-            <a:off x="6234390" y="310835"/>
-            <a:ext cx="1650319" cy="1166483"/>
+            <a:off x="3470120" y="1446056"/>
+            <a:ext cx="8246316" cy="717758"/>
           </a:xfrm>
           <a:prstGeom prst="roundRect">
             <a:avLst/>
@@ -4235,7 +4118,7 @@
           <a:noFill/>
           <a:ln>
             <a:solidFill>
-              <a:srgbClr val="FF0000"/>
+              <a:srgbClr val="0070C0"/>
             </a:solidFill>
             <a:prstDash val="lgDash"/>
           </a:ln>
@@ -4267,44 +4150,101 @@
       </p:sp>
       <p:sp>
         <p:nvSpPr>
-          <p:cNvPr id="33" name="TextBox 32"/>
+          <p:cNvPr id="26" name="TextBox 25">
+            <a:extLst>
+              <a:ext uri="{FF2B5EF4-FFF2-40B4-BE49-F238E27FC236}">
+                <a16:creationId xmlns:a16="http://schemas.microsoft.com/office/drawing/2014/main" id="{0FD011FA-EA07-42AB-861F-67B3C520BDF1}"/>
+              </a:ext>
+            </a:extLst>
+          </p:cNvPr>
           <p:cNvSpPr txBox="1"/>
           <p:nvPr/>
         </p:nvSpPr>
         <p:spPr>
           <a:xfrm>
-            <a:off x="6596120" y="894076"/>
-            <a:ext cx="926857" cy="303481"/>
+            <a:off x="4751809" y="1606745"/>
+            <a:ext cx="5830463" cy="303481"/>
           </a:xfrm>
           <a:prstGeom prst="rect">
             <a:avLst/>
           </a:prstGeom>
           <a:noFill/>
-        </p:spPr>
-        <p:txBody>
-          <a:bodyPr wrap="none" rtlCol="0">
+          <a:ln>
+            <a:noFill/>
+          </a:ln>
+        </p:spPr>
+        <p:txBody>
+          <a:bodyPr wrap="square" rtlCol="0">
             <a:spAutoFit/>
           </a:bodyPr>
           <a:lstStyle/>
           <a:p>
             <a:r>
-              <a:rPr lang="en-US" sz="1372" dirty="0" smtClean="0"/>
-              <a:t>Students[]</a:t>
-            </a:r>
-            <a:endParaRPr lang="en-US" sz="1372" dirty="0"/>
-          </a:p>
-        </p:txBody>
-      </p:sp>
-      <p:sp>
-        <p:nvSpPr>
-          <p:cNvPr id="34" name="TextBox 33"/>
+              <a:rPr lang="en-US" sz="1372" i="1" dirty="0">
+                <a:solidFill>
+                  <a:schemeClr val="accent1"/>
+                </a:solidFill>
+              </a:rPr>
+              <a:t>                                                            &lt;router view&gt;</a:t>
+            </a:r>
+          </a:p>
+        </p:txBody>
+      </p:sp>
+      <p:cxnSp>
+        <p:nvCxnSpPr>
+          <p:cNvPr id="29" name="Straight Arrow Connector 28">
+            <a:extLst>
+              <a:ext uri="{FF2B5EF4-FFF2-40B4-BE49-F238E27FC236}">
+                <a16:creationId xmlns:a16="http://schemas.microsoft.com/office/drawing/2014/main" id="{D24363A4-D89E-4040-9311-8DA91911E0F8}"/>
+              </a:ext>
+            </a:extLst>
+          </p:cNvPr>
+          <p:cNvCxnSpPr/>
+          <p:nvPr/>
+        </p:nvCxnSpPr>
+        <p:spPr>
+          <a:xfrm>
+            <a:off x="7527235" y="903432"/>
+            <a:ext cx="0" cy="435038"/>
+          </a:xfrm>
+          <a:prstGeom prst="straightConnector1">
+            <a:avLst/>
+          </a:prstGeom>
+          <a:ln>
+            <a:tailEnd type="triangle"/>
+          </a:ln>
+        </p:spPr>
+        <p:style>
+          <a:lnRef idx="1">
+            <a:schemeClr val="accent1"/>
+          </a:lnRef>
+          <a:fillRef idx="0">
+            <a:schemeClr val="accent1"/>
+          </a:fillRef>
+          <a:effectRef idx="0">
+            <a:schemeClr val="accent1"/>
+          </a:effectRef>
+          <a:fontRef idx="minor">
+            <a:schemeClr val="tx1"/>
+          </a:fontRef>
+        </p:style>
+      </p:cxnSp>
+      <p:sp>
+        <p:nvSpPr>
+          <p:cNvPr id="30" name="TextBox 29">
+            <a:extLst>
+              <a:ext uri="{FF2B5EF4-FFF2-40B4-BE49-F238E27FC236}">
+                <a16:creationId xmlns:a16="http://schemas.microsoft.com/office/drawing/2014/main" id="{EFEA03DB-46A6-42C5-89CF-86057694602D}"/>
+              </a:ext>
+            </a:extLst>
+          </p:cNvPr>
           <p:cNvSpPr txBox="1"/>
           <p:nvPr/>
         </p:nvSpPr>
         <p:spPr>
           <a:xfrm>
-            <a:off x="6234390" y="1613780"/>
-            <a:ext cx="2858411" cy="303481"/>
+            <a:off x="7523730" y="1114804"/>
+            <a:ext cx="1182948" cy="303481"/>
           </a:xfrm>
           <a:prstGeom prst="rect">
             <a:avLst/>
@@ -4312,45 +4252,34 @@
           <a:noFill/>
         </p:spPr>
         <p:txBody>
-          <a:bodyPr wrap="none" rtlCol="0">
+          <a:bodyPr wrap="square" rtlCol="0">
             <a:spAutoFit/>
           </a:bodyPr>
           <a:lstStyle/>
           <a:p>
             <a:r>
-              <a:rPr lang="en-US" sz="1372" dirty="0" smtClean="0"/>
-              <a:t>// </a:t>
-            </a:r>
-            <a:r>
-              <a:rPr lang="en-US" sz="1372" dirty="0" smtClean="0">
-                <a:solidFill>
-                  <a:srgbClr val="FF0000"/>
-                </a:solidFill>
-              </a:rPr>
-              <a:t>app</a:t>
-            </a:r>
-            <a:r>
-              <a:rPr lang="en-US" sz="1372" dirty="0" smtClean="0"/>
-              <a:t>  provides students to anymore</a:t>
-            </a:r>
-            <a:endParaRPr lang="en-US" sz="1372" dirty="0">
-              <a:solidFill>
-                <a:srgbClr val="FF0000"/>
-              </a:solidFill>
-            </a:endParaRPr>
-          </a:p>
-        </p:txBody>
-      </p:sp>
-      <p:sp>
-        <p:nvSpPr>
-          <p:cNvPr id="35" name="Rounded Rectangle 34"/>
+              <a:rPr lang="en-US" sz="1372" b="1" dirty="0"/>
+              <a:t>Change path</a:t>
+            </a:r>
+          </a:p>
+        </p:txBody>
+      </p:sp>
+      <p:sp>
+        <p:nvSpPr>
+          <p:cNvPr id="31" name="Rounded Rectangle 16">
+            <a:extLst>
+              <a:ext uri="{FF2B5EF4-FFF2-40B4-BE49-F238E27FC236}">
+                <a16:creationId xmlns:a16="http://schemas.microsoft.com/office/drawing/2014/main" id="{78F264B2-2127-4EA6-AABD-82CA07639CB0}"/>
+              </a:ext>
+            </a:extLst>
+          </p:cNvPr>
           <p:cNvSpPr/>
           <p:nvPr/>
         </p:nvSpPr>
         <p:spPr>
           <a:xfrm>
-            <a:off x="9792269" y="2129025"/>
-            <a:ext cx="1650319" cy="1166483"/>
+            <a:off x="393116" y="2765744"/>
+            <a:ext cx="1650319" cy="717758"/>
           </a:xfrm>
           <a:prstGeom prst="roundRect">
             <a:avLst/>
@@ -4390,14 +4319,20 @@
       </p:sp>
       <p:sp>
         <p:nvSpPr>
-          <p:cNvPr id="36" name="TextBox 35"/>
+          <p:cNvPr id="33" name="TextBox 32">
+            <a:extLst>
+              <a:ext uri="{FF2B5EF4-FFF2-40B4-BE49-F238E27FC236}">
+                <a16:creationId xmlns:a16="http://schemas.microsoft.com/office/drawing/2014/main" id="{2A15AFE8-F014-41B3-9E6A-27CA5BC13301}"/>
+              </a:ext>
+            </a:extLst>
+          </p:cNvPr>
           <p:cNvSpPr txBox="1"/>
           <p:nvPr/>
         </p:nvSpPr>
         <p:spPr>
           <a:xfrm>
-            <a:off x="10153999" y="2712266"/>
-            <a:ext cx="926857" cy="303481"/>
+            <a:off x="751844" y="2821142"/>
+            <a:ext cx="1166839" cy="303481"/>
           </a:xfrm>
           <a:prstGeom prst="rect">
             <a:avLst/>
@@ -4405,74 +4340,125 @@
           <a:noFill/>
         </p:spPr>
         <p:txBody>
-          <a:bodyPr wrap="none" rtlCol="0">
+          <a:bodyPr wrap="square" rtlCol="0">
             <a:spAutoFit/>
           </a:bodyPr>
           <a:lstStyle/>
           <a:p>
             <a:r>
-              <a:rPr lang="en-US" sz="1372" dirty="0" smtClean="0"/>
-              <a:t>Students[]</a:t>
-            </a:r>
-            <a:endParaRPr lang="en-US" sz="1372" dirty="0"/>
-          </a:p>
-        </p:txBody>
-      </p:sp>
-      <p:sp>
-        <p:nvSpPr>
-          <p:cNvPr id="40" name="TextBox 39"/>
-          <p:cNvSpPr txBox="1"/>
-          <p:nvPr/>
-        </p:nvSpPr>
-        <p:spPr>
-          <a:xfrm>
-            <a:off x="10297467" y="2308056"/>
-            <a:ext cx="819455" cy="303481"/>
-          </a:xfrm>
-          <a:prstGeom prst="rect">
-            <a:avLst/>
-          </a:prstGeom>
-          <a:noFill/>
-        </p:spPr>
-        <p:txBody>
-          <a:bodyPr wrap="none" rtlCol="0">
-            <a:spAutoFit/>
-          </a:bodyPr>
-          <a:lstStyle/>
-          <a:p>
-            <a:r>
-              <a:rPr lang="en-US" sz="1372" b="1" i="1" dirty="0" smtClean="0">
+              <a:rPr lang="en-US" sz="1372" b="1" i="1" dirty="0">
                 <a:solidFill>
                   <a:srgbClr val="FF0000"/>
                 </a:solidFill>
               </a:rPr>
-              <a:t>&lt;dialog&gt;</a:t>
-            </a:r>
-            <a:endParaRPr lang="en-US" sz="1372" b="1" i="1" dirty="0">
-              <a:solidFill>
-                <a:srgbClr val="FF0000"/>
-              </a:solidFill>
-            </a:endParaRPr>
-          </a:p>
-        </p:txBody>
-      </p:sp>
-      <p:sp>
-        <p:nvSpPr>
-          <p:cNvPr id="41" name="Right Arrow 40"/>
+              <a:t>&lt;home-view&gt;</a:t>
+            </a:r>
+          </a:p>
+        </p:txBody>
+      </p:sp>
+      <p:cxnSp>
+        <p:nvCxnSpPr>
+          <p:cNvPr id="35" name="Straight Arrow Connector 34">
+            <a:extLst>
+              <a:ext uri="{FF2B5EF4-FFF2-40B4-BE49-F238E27FC236}">
+                <a16:creationId xmlns:a16="http://schemas.microsoft.com/office/drawing/2014/main" id="{23799405-DA47-4CB5-82D4-0E25AC817694}"/>
+              </a:ext>
+            </a:extLst>
+          </p:cNvPr>
+          <p:cNvCxnSpPr>
+            <a:cxnSpLocks/>
+          </p:cNvCxnSpPr>
+          <p:nvPr/>
+        </p:nvCxnSpPr>
+        <p:spPr>
+          <a:xfrm flipH="1">
+            <a:off x="1965532" y="2069474"/>
+            <a:ext cx="1494221" cy="683022"/>
+          </a:xfrm>
+          <a:prstGeom prst="straightConnector1">
+            <a:avLst/>
+          </a:prstGeom>
+          <a:ln>
+            <a:tailEnd type="triangle"/>
+          </a:ln>
+        </p:spPr>
+        <p:style>
+          <a:lnRef idx="1">
+            <a:schemeClr val="accent1"/>
+          </a:lnRef>
+          <a:fillRef idx="0">
+            <a:schemeClr val="accent1"/>
+          </a:fillRef>
+          <a:effectRef idx="0">
+            <a:schemeClr val="accent1"/>
+          </a:effectRef>
+          <a:fontRef idx="minor">
+            <a:schemeClr val="tx1"/>
+          </a:fontRef>
+        </p:style>
+      </p:cxnSp>
+      <p:sp>
+        <p:nvSpPr>
+          <p:cNvPr id="39" name="TextBox 38">
+            <a:extLst>
+              <a:ext uri="{FF2B5EF4-FFF2-40B4-BE49-F238E27FC236}">
+                <a16:creationId xmlns:a16="http://schemas.microsoft.com/office/drawing/2014/main" id="{91373AC2-D840-4051-83C4-A5883C98DD29}"/>
+              </a:ext>
+            </a:extLst>
+          </p:cNvPr>
+          <p:cNvSpPr txBox="1"/>
+          <p:nvPr/>
+        </p:nvSpPr>
+        <p:spPr>
+          <a:xfrm>
+            <a:off x="2753060" y="2051815"/>
+            <a:ext cx="679994" cy="303481"/>
+          </a:xfrm>
+          <a:prstGeom prst="rect">
+            <a:avLst/>
+          </a:prstGeom>
+          <a:noFill/>
+        </p:spPr>
+        <p:txBody>
+          <a:bodyPr wrap="none" rtlCol="0">
+            <a:spAutoFit/>
+          </a:bodyPr>
+          <a:lstStyle/>
+          <a:p>
+            <a:r>
+              <a:rPr lang="en-US" sz="1372" b="1" dirty="0"/>
+              <a:t>/home</a:t>
+            </a:r>
+          </a:p>
+        </p:txBody>
+      </p:sp>
+      <p:sp>
+        <p:nvSpPr>
+          <p:cNvPr id="40" name="Rounded Rectangle 16">
+            <a:extLst>
+              <a:ext uri="{FF2B5EF4-FFF2-40B4-BE49-F238E27FC236}">
+                <a16:creationId xmlns:a16="http://schemas.microsoft.com/office/drawing/2014/main" id="{207F500E-9964-4A4D-A971-057C3F482826}"/>
+              </a:ext>
+            </a:extLst>
+          </p:cNvPr>
           <p:cNvSpPr/>
           <p:nvPr/>
         </p:nvSpPr>
         <p:spPr>
           <a:xfrm>
-            <a:off x="7846423" y="727951"/>
-            <a:ext cx="696809" cy="333683"/>
-          </a:xfrm>
-          <a:prstGeom prst="rightArrow">
-            <a:avLst/>
-          </a:prstGeom>
-          <a:solidFill>
-            <a:srgbClr val="FFFF00"/>
-          </a:solidFill>
+            <a:off x="2679757" y="2798662"/>
+            <a:ext cx="1526947" cy="574489"/>
+          </a:xfrm>
+          <a:prstGeom prst="roundRect">
+            <a:avLst/>
+          </a:prstGeom>
+          <a:noFill/>
+          <a:ln>
+            <a:solidFill>
+              <a:srgbClr val="FF0000"/>
+            </a:solidFill>
+            <a:prstDash val="lgDash"/>
+          </a:ln>
         </p:spPr>
         <p:style>
           <a:lnRef idx="2">
@@ -4491,29 +4477,110 @@
           </a:fontRef>
         </p:style>
         <p:txBody>
-          <a:bodyPr rot="0" spcFirstLastPara="0" vertOverflow="overflow" horzOverflow="overflow" vert="horz" wrap="square" lIns="69681" tIns="34840" rIns="69681" bIns="34840" numCol="1" spcCol="0" rtlCol="0" fromWordArt="0" anchor="ctr" anchorCtr="0" forceAA="0" compatLnSpc="1">
-            <a:prstTxWarp prst="textNoShape">
-              <a:avLst/>
-            </a:prstTxWarp>
-            <a:noAutofit/>
+          <a:bodyPr rtlCol="0" anchor="ctr"/>
+          <a:lstStyle/>
+          <a:p>
+            <a:pPr algn="ctr"/>
+            <a:endParaRPr lang="en-US" sz="1372" dirty="0"/>
+          </a:p>
+        </p:txBody>
+      </p:sp>
+      <p:sp>
+        <p:nvSpPr>
+          <p:cNvPr id="42" name="TextBox 41">
+            <a:extLst>
+              <a:ext uri="{FF2B5EF4-FFF2-40B4-BE49-F238E27FC236}">
+                <a16:creationId xmlns:a16="http://schemas.microsoft.com/office/drawing/2014/main" id="{60CAACFE-0EF7-445A-9A95-1B49361240CF}"/>
+              </a:ext>
+            </a:extLst>
+          </p:cNvPr>
+          <p:cNvSpPr txBox="1"/>
+          <p:nvPr/>
+        </p:nvSpPr>
+        <p:spPr>
+          <a:xfrm>
+            <a:off x="2716887" y="2855344"/>
+            <a:ext cx="1480280" cy="303481"/>
+          </a:xfrm>
+          <a:prstGeom prst="rect">
+            <a:avLst/>
+          </a:prstGeom>
+          <a:noFill/>
+        </p:spPr>
+        <p:txBody>
+          <a:bodyPr wrap="square" rtlCol="0">
+            <a:spAutoFit/>
           </a:bodyPr>
           <a:lstStyle/>
           <a:p>
-            <a:pPr algn="ctr"/>
-            <a:endParaRPr lang="en-US" sz="1372"/>
-          </a:p>
-        </p:txBody>
-      </p:sp>
-      <p:sp>
-        <p:nvSpPr>
-          <p:cNvPr id="42" name="TextBox 41"/>
+            <a:r>
+              <a:rPr lang="en-US" sz="1372" b="1" i="1" dirty="0">
+                <a:solidFill>
+                  <a:srgbClr val="FF0000"/>
+                </a:solidFill>
+              </a:rPr>
+              <a:t>&lt;event-category&gt;</a:t>
+            </a:r>
+          </a:p>
+        </p:txBody>
+      </p:sp>
+      <p:cxnSp>
+        <p:nvCxnSpPr>
+          <p:cNvPr id="43" name="Straight Arrow Connector 42">
+            <a:extLst>
+              <a:ext uri="{FF2B5EF4-FFF2-40B4-BE49-F238E27FC236}">
+                <a16:creationId xmlns:a16="http://schemas.microsoft.com/office/drawing/2014/main" id="{A3C482AB-C932-4BD9-A94A-A5BF421A28B7}"/>
+              </a:ext>
+            </a:extLst>
+          </p:cNvPr>
+          <p:cNvCxnSpPr>
+            <a:cxnSpLocks/>
+          </p:cNvCxnSpPr>
+          <p:nvPr/>
+        </p:nvCxnSpPr>
+        <p:spPr>
+          <a:xfrm flipH="1">
+            <a:off x="3541151" y="2152199"/>
+            <a:ext cx="13548" cy="639050"/>
+          </a:xfrm>
+          <a:prstGeom prst="straightConnector1">
+            <a:avLst/>
+          </a:prstGeom>
+          <a:ln>
+            <a:tailEnd type="triangle"/>
+          </a:ln>
+        </p:spPr>
+        <p:style>
+          <a:lnRef idx="1">
+            <a:schemeClr val="accent1"/>
+          </a:lnRef>
+          <a:fillRef idx="0">
+            <a:schemeClr val="accent1"/>
+          </a:fillRef>
+          <a:effectRef idx="0">
+            <a:schemeClr val="accent1"/>
+          </a:effectRef>
+          <a:fontRef idx="minor">
+            <a:schemeClr val="tx1"/>
+          </a:fontRef>
+        </p:style>
+      </p:cxnSp>
+      <p:sp>
+        <p:nvSpPr>
+          <p:cNvPr id="45" name="TextBox 44">
+            <a:extLst>
+              <a:ext uri="{FF2B5EF4-FFF2-40B4-BE49-F238E27FC236}">
+                <a16:creationId xmlns:a16="http://schemas.microsoft.com/office/drawing/2014/main" id="{738B6B66-2E71-49B4-95FA-963103DBF322}"/>
+              </a:ext>
+            </a:extLst>
+          </p:cNvPr>
           <p:cNvSpPr txBox="1"/>
           <p:nvPr/>
         </p:nvSpPr>
         <p:spPr>
           <a:xfrm>
-            <a:off x="7837364" y="509852"/>
-            <a:ext cx="838756" cy="303481"/>
+            <a:off x="3148995" y="2263011"/>
+            <a:ext cx="737381" cy="303481"/>
           </a:xfrm>
           <a:prstGeom prst="rect">
             <a:avLst/>
@@ -4527,63 +4594,39 @@
           <a:lstStyle/>
           <a:p>
             <a:r>
-              <a:rPr lang="en-US" sz="1372" b="1" dirty="0">
-                <a:solidFill>
-                  <a:schemeClr val="accent4"/>
-                </a:solidFill>
-              </a:rPr>
-              <a:t>PROVIDE</a:t>
-            </a:r>
-          </a:p>
-        </p:txBody>
-      </p:sp>
-      <p:sp>
-        <p:nvSpPr>
-          <p:cNvPr id="43" name="TextBox 42"/>
-          <p:cNvSpPr txBox="1"/>
-          <p:nvPr/>
-        </p:nvSpPr>
-        <p:spPr>
-          <a:xfrm>
-            <a:off x="7991050" y="1073307"/>
-            <a:ext cx="926857" cy="303481"/>
-          </a:xfrm>
-          <a:prstGeom prst="rect">
-            <a:avLst/>
-          </a:prstGeom>
-          <a:noFill/>
-        </p:spPr>
-        <p:txBody>
-          <a:bodyPr wrap="none" rtlCol="0">
-            <a:spAutoFit/>
-          </a:bodyPr>
-          <a:lstStyle/>
-          <a:p>
-            <a:r>
-              <a:rPr lang="en-US" sz="1372" dirty="0" smtClean="0"/>
-              <a:t>Students[]</a:t>
-            </a:r>
-            <a:endParaRPr lang="en-US" sz="1372" dirty="0"/>
-          </a:p>
-        </p:txBody>
-      </p:sp>
-      <p:sp>
-        <p:nvSpPr>
-          <p:cNvPr id="44" name="Right Arrow 43"/>
+              <a:rPr lang="en-US" sz="1372" b="1" dirty="0"/>
+              <a:t>/events</a:t>
+            </a:r>
+          </a:p>
+        </p:txBody>
+      </p:sp>
+      <p:sp>
+        <p:nvSpPr>
+          <p:cNvPr id="46" name="Rounded Rectangle 16">
+            <a:extLst>
+              <a:ext uri="{FF2B5EF4-FFF2-40B4-BE49-F238E27FC236}">
+                <a16:creationId xmlns:a16="http://schemas.microsoft.com/office/drawing/2014/main" id="{46C0E748-2262-478A-BDDE-6C6C6EE30CE5}"/>
+              </a:ext>
+            </a:extLst>
+          </p:cNvPr>
           <p:cNvSpPr/>
           <p:nvPr/>
         </p:nvSpPr>
         <p:spPr>
           <a:xfrm>
-            <a:off x="9135788" y="2542676"/>
-            <a:ext cx="696809" cy="333683"/>
-          </a:xfrm>
-          <a:prstGeom prst="rightArrow">
-            <a:avLst/>
-          </a:prstGeom>
-          <a:solidFill>
-            <a:srgbClr val="FFFF00"/>
-          </a:solidFill>
+            <a:off x="2739973" y="3928304"/>
+            <a:ext cx="1466731" cy="516390"/>
+          </a:xfrm>
+          <a:prstGeom prst="roundRect">
+            <a:avLst/>
+          </a:prstGeom>
+          <a:noFill/>
+          <a:ln>
+            <a:solidFill>
+              <a:srgbClr val="FF0000"/>
+            </a:solidFill>
+            <a:prstDash val="lgDash"/>
+          </a:ln>
         </p:spPr>
         <p:style>
           <a:lnRef idx="2">
@@ -4602,12 +4645,7 @@
           </a:fontRef>
         </p:style>
         <p:txBody>
-          <a:bodyPr rot="0" spcFirstLastPara="0" vertOverflow="overflow" horzOverflow="overflow" vert="horz" wrap="square" lIns="69681" tIns="34840" rIns="69681" bIns="34840" numCol="1" spcCol="0" rtlCol="0" fromWordArt="0" anchor="ctr" anchorCtr="0" forceAA="0" compatLnSpc="1">
-            <a:prstTxWarp prst="textNoShape">
-              <a:avLst/>
-            </a:prstTxWarp>
-            <a:noAutofit/>
-          </a:bodyPr>
+          <a:bodyPr rtlCol="0" anchor="ctr"/>
           <a:lstStyle/>
           <a:p>
             <a:pPr algn="ctr"/>
@@ -4617,14 +4655,20 @@
       </p:sp>
       <p:sp>
         <p:nvSpPr>
-          <p:cNvPr id="45" name="TextBox 44"/>
+          <p:cNvPr id="47" name="TextBox 46">
+            <a:extLst>
+              <a:ext uri="{FF2B5EF4-FFF2-40B4-BE49-F238E27FC236}">
+                <a16:creationId xmlns:a16="http://schemas.microsoft.com/office/drawing/2014/main" id="{AF0A92FF-B464-4BE6-8AA9-7F075581AC80}"/>
+              </a:ext>
+            </a:extLst>
+          </p:cNvPr>
           <p:cNvSpPr txBox="1"/>
           <p:nvPr/>
         </p:nvSpPr>
         <p:spPr>
           <a:xfrm>
-            <a:off x="9126729" y="2324577"/>
-            <a:ext cx="668645" cy="303481"/>
+            <a:off x="2880141" y="3922024"/>
+            <a:ext cx="1266485" cy="303481"/>
           </a:xfrm>
           <a:prstGeom prst="rect">
             <a:avLst/>
@@ -4632,113 +4676,79 @@
           <a:noFill/>
         </p:spPr>
         <p:txBody>
-          <a:bodyPr wrap="none" rtlCol="0">
+          <a:bodyPr wrap="square" rtlCol="0">
             <a:spAutoFit/>
           </a:bodyPr>
           <a:lstStyle/>
           <a:p>
             <a:r>
-              <a:rPr lang="en-US" sz="1372" b="1" dirty="0" smtClean="0">
-                <a:solidFill>
-                  <a:schemeClr val="accent4"/>
-                </a:solidFill>
-              </a:rPr>
-              <a:t>INJECT</a:t>
-            </a:r>
-            <a:endParaRPr lang="en-US" sz="1372" b="1" dirty="0">
-              <a:solidFill>
-                <a:schemeClr val="accent4"/>
-              </a:solidFill>
-            </a:endParaRPr>
-          </a:p>
-        </p:txBody>
-      </p:sp>
-      <p:sp>
-        <p:nvSpPr>
-          <p:cNvPr id="46" name="TextBox 45"/>
-          <p:cNvSpPr txBox="1"/>
-          <p:nvPr/>
-        </p:nvSpPr>
-        <p:spPr>
-          <a:xfrm>
-            <a:off x="9280415" y="2888032"/>
-            <a:ext cx="926857" cy="303481"/>
-          </a:xfrm>
-          <a:prstGeom prst="rect">
-            <a:avLst/>
-          </a:prstGeom>
-          <a:noFill/>
-        </p:spPr>
-        <p:txBody>
-          <a:bodyPr wrap="none" rtlCol="0">
-            <a:spAutoFit/>
-          </a:bodyPr>
-          <a:lstStyle/>
-          <a:p>
-            <a:r>
-              <a:rPr lang="en-US" sz="1372" dirty="0" smtClean="0"/>
-              <a:t>Students[]</a:t>
-            </a:r>
-            <a:endParaRPr lang="en-US" sz="1372" dirty="0"/>
-          </a:p>
-        </p:txBody>
-      </p:sp>
-      <p:sp>
-        <p:nvSpPr>
-          <p:cNvPr id="47" name="TextBox 46"/>
-          <p:cNvSpPr txBox="1"/>
-          <p:nvPr/>
-        </p:nvSpPr>
-        <p:spPr>
-          <a:xfrm>
-            <a:off x="8917907" y="3423528"/>
-            <a:ext cx="2987100" cy="303481"/>
-          </a:xfrm>
-          <a:prstGeom prst="rect">
-            <a:avLst/>
-          </a:prstGeom>
-          <a:noFill/>
-        </p:spPr>
-        <p:txBody>
-          <a:bodyPr wrap="none" rtlCol="0">
-            <a:spAutoFit/>
-          </a:bodyPr>
-          <a:lstStyle/>
-          <a:p>
-            <a:r>
-              <a:rPr lang="en-US" sz="1372" dirty="0" smtClean="0"/>
-              <a:t>// </a:t>
-            </a:r>
-            <a:r>
-              <a:rPr lang="en-US" sz="1372" dirty="0" smtClean="0">
+              <a:rPr lang="en-US" sz="1372" b="1" i="1" dirty="0">
                 <a:solidFill>
                   <a:srgbClr val="FF0000"/>
                 </a:solidFill>
               </a:rPr>
-              <a:t>dialog </a:t>
-            </a:r>
-            <a:r>
-              <a:rPr lang="en-US" sz="1372" dirty="0" smtClean="0"/>
-              <a:t> gets students from a provider</a:t>
-            </a:r>
-            <a:endParaRPr lang="en-US" sz="1372" dirty="0">
-              <a:solidFill>
-                <a:srgbClr val="FF0000"/>
-              </a:solidFill>
-            </a:endParaRPr>
-          </a:p>
-        </p:txBody>
-      </p:sp>
-      <p:sp>
-        <p:nvSpPr>
-          <p:cNvPr id="48" name="TextBox 47"/>
+              <a:t>&lt;event-view&gt;</a:t>
+            </a:r>
+          </a:p>
+        </p:txBody>
+      </p:sp>
+      <p:cxnSp>
+        <p:nvCxnSpPr>
+          <p:cNvPr id="48" name="Straight Arrow Connector 47">
+            <a:extLst>
+              <a:ext uri="{FF2B5EF4-FFF2-40B4-BE49-F238E27FC236}">
+                <a16:creationId xmlns:a16="http://schemas.microsoft.com/office/drawing/2014/main" id="{4FF87AB1-6875-417A-BC42-4B2A2733C87B}"/>
+              </a:ext>
+            </a:extLst>
+          </p:cNvPr>
+          <p:cNvCxnSpPr>
+            <a:cxnSpLocks/>
+          </p:cNvCxnSpPr>
+          <p:nvPr/>
+        </p:nvCxnSpPr>
+        <p:spPr>
+          <a:xfrm>
+            <a:off x="3512454" y="3359294"/>
+            <a:ext cx="4248" cy="506592"/>
+          </a:xfrm>
+          <a:prstGeom prst="straightConnector1">
+            <a:avLst/>
+          </a:prstGeom>
+          <a:ln>
+            <a:tailEnd type="triangle"/>
+          </a:ln>
+        </p:spPr>
+        <p:style>
+          <a:lnRef idx="1">
+            <a:schemeClr val="accent1"/>
+          </a:lnRef>
+          <a:fillRef idx="0">
+            <a:schemeClr val="accent1"/>
+          </a:fillRef>
+          <a:effectRef idx="0">
+            <a:schemeClr val="accent1"/>
+          </a:effectRef>
+          <a:fontRef idx="minor">
+            <a:schemeClr val="tx1"/>
+          </a:fontRef>
+        </p:style>
+      </p:cxnSp>
+      <p:sp>
+        <p:nvSpPr>
+          <p:cNvPr id="52" name="TextBox 51">
+            <a:extLst>
+              <a:ext uri="{FF2B5EF4-FFF2-40B4-BE49-F238E27FC236}">
+                <a16:creationId xmlns:a16="http://schemas.microsoft.com/office/drawing/2014/main" id="{AB4A3E02-408E-4D06-A98A-4784590DEA70}"/>
+              </a:ext>
+            </a:extLst>
+          </p:cNvPr>
           <p:cNvSpPr txBox="1"/>
           <p:nvPr/>
         </p:nvSpPr>
         <p:spPr>
           <a:xfrm>
-            <a:off x="6561502" y="4305380"/>
-            <a:ext cx="1215717" cy="303481"/>
+            <a:off x="2641805" y="3449112"/>
+            <a:ext cx="1435906" cy="303481"/>
           </a:xfrm>
           <a:prstGeom prst="rect">
             <a:avLst/>
@@ -4752,26 +4762,28 @@
           <a:lstStyle/>
           <a:p>
             <a:r>
-              <a:rPr lang="en-US" sz="1372" b="1" i="1" dirty="0">
-                <a:solidFill>
-                  <a:srgbClr val="7030A0"/>
-                </a:solidFill>
-              </a:rPr>
-              <a:t>&lt;router-view&gt;</a:t>
-            </a:r>
-          </a:p>
-        </p:txBody>
-      </p:sp>
-      <p:sp>
-        <p:nvSpPr>
-          <p:cNvPr id="49" name="Rounded Rectangle 48"/>
+              <a:rPr lang="en-US" sz="1372" b="1" dirty="0"/>
+              <a:t>/events/category</a:t>
+            </a:r>
+          </a:p>
+        </p:txBody>
+      </p:sp>
+      <p:sp>
+        <p:nvSpPr>
+          <p:cNvPr id="54" name="Rounded Rectangle 16">
+            <a:extLst>
+              <a:ext uri="{FF2B5EF4-FFF2-40B4-BE49-F238E27FC236}">
+                <a16:creationId xmlns:a16="http://schemas.microsoft.com/office/drawing/2014/main" id="{82B81034-427B-4BAD-B5CA-BFF358641519}"/>
+              </a:ext>
+            </a:extLst>
+          </p:cNvPr>
           <p:cNvSpPr/>
           <p:nvPr/>
         </p:nvSpPr>
         <p:spPr>
           <a:xfrm>
-            <a:off x="6217868" y="4170157"/>
-            <a:ext cx="1866945" cy="584334"/>
+            <a:off x="2679759" y="4932450"/>
+            <a:ext cx="1526946" cy="582779"/>
           </a:xfrm>
           <a:prstGeom prst="roundRect">
             <a:avLst/>
@@ -4779,7 +4791,7 @@
           <a:noFill/>
           <a:ln>
             <a:solidFill>
-              <a:srgbClr val="7030A0"/>
+              <a:srgbClr val="FF0000"/>
             </a:solidFill>
             <a:prstDash val="lgDash"/>
           </a:ln>
@@ -4811,14 +4823,59 @@
       </p:sp>
       <p:sp>
         <p:nvSpPr>
-          <p:cNvPr id="50" name="TextBox 49"/>
+          <p:cNvPr id="55" name="TextBox 54">
+            <a:extLst>
+              <a:ext uri="{FF2B5EF4-FFF2-40B4-BE49-F238E27FC236}">
+                <a16:creationId xmlns:a16="http://schemas.microsoft.com/office/drawing/2014/main" id="{75C44E6A-F756-41B4-87DB-9B445DF8350D}"/>
+              </a:ext>
+            </a:extLst>
+          </p:cNvPr>
           <p:cNvSpPr txBox="1"/>
           <p:nvPr/>
         </p:nvSpPr>
         <p:spPr>
           <a:xfrm>
-            <a:off x="8256742" y="4317805"/>
-            <a:ext cx="2229136" cy="303481"/>
+            <a:off x="2871674" y="4999847"/>
+            <a:ext cx="1266485" cy="303481"/>
+          </a:xfrm>
+          <a:prstGeom prst="rect">
+            <a:avLst/>
+          </a:prstGeom>
+          <a:noFill/>
+        </p:spPr>
+        <p:txBody>
+          <a:bodyPr wrap="square" rtlCol="0">
+            <a:spAutoFit/>
+          </a:bodyPr>
+          <a:lstStyle/>
+          <a:p>
+            <a:r>
+              <a:rPr lang="en-US" sz="1372" b="1" i="1" dirty="0">
+                <a:solidFill>
+                  <a:srgbClr val="FF0000"/>
+                </a:solidFill>
+              </a:rPr>
+              <a:t>&lt;event-card&gt;</a:t>
+            </a:r>
+          </a:p>
+        </p:txBody>
+      </p:sp>
+      <p:sp>
+        <p:nvSpPr>
+          <p:cNvPr id="56" name="TextBox 55">
+            <a:extLst>
+              <a:ext uri="{FF2B5EF4-FFF2-40B4-BE49-F238E27FC236}">
+                <a16:creationId xmlns:a16="http://schemas.microsoft.com/office/drawing/2014/main" id="{19CCA807-5538-4F69-B349-0673481792F1}"/>
+              </a:ext>
+            </a:extLst>
+          </p:cNvPr>
+          <p:cNvSpPr txBox="1"/>
+          <p:nvPr/>
+        </p:nvSpPr>
+        <p:spPr>
+          <a:xfrm rot="5400000">
+            <a:off x="3662507" y="3649770"/>
+            <a:ext cx="2111540" cy="303481"/>
           </a:xfrm>
           <a:prstGeom prst="rect">
             <a:avLst/>
@@ -4832,29 +4889,3490 @@
           <a:lstStyle/>
           <a:p>
             <a:r>
-              <a:rPr lang="en-US" sz="1372" dirty="0" smtClean="0"/>
-              <a:t>// </a:t>
-            </a:r>
-            <a:r>
-              <a:rPr lang="en-US" sz="1372" dirty="0" err="1" smtClean="0"/>
-              <a:t>Vue</a:t>
-            </a:r>
-            <a:r>
-              <a:rPr lang="en-US" sz="1372" dirty="0" smtClean="0"/>
-              <a:t> JS built-in component</a:t>
-            </a:r>
-            <a:endParaRPr lang="en-US" sz="1372" dirty="0">
+              <a:rPr lang="en-US" sz="1372" b="1" dirty="0"/>
+              <a:t>/events/category/:</a:t>
+            </a:r>
+            <a:r>
+              <a:rPr lang="en-US" sz="1372" b="1" dirty="0" err="1"/>
+              <a:t>eventId</a:t>
+            </a:r>
+            <a:endParaRPr lang="en-US" sz="1372" b="1" dirty="0"/>
+          </a:p>
+        </p:txBody>
+      </p:sp>
+      <p:sp>
+        <p:nvSpPr>
+          <p:cNvPr id="61" name="Arrow: Right 60">
+            <a:extLst>
+              <a:ext uri="{FF2B5EF4-FFF2-40B4-BE49-F238E27FC236}">
+                <a16:creationId xmlns:a16="http://schemas.microsoft.com/office/drawing/2014/main" id="{6F9C28D2-8E69-423D-BD0A-4D797582919C}"/>
+              </a:ext>
+            </a:extLst>
+          </p:cNvPr>
+          <p:cNvSpPr/>
+          <p:nvPr/>
+        </p:nvSpPr>
+        <p:spPr>
+          <a:xfrm>
+            <a:off x="2170195" y="4077036"/>
+            <a:ext cx="485506" cy="165974"/>
+          </a:xfrm>
+          <a:prstGeom prst="rightArrow">
+            <a:avLst/>
+          </a:prstGeom>
+          <a:solidFill>
+            <a:srgbClr val="FFFF00"/>
+          </a:solidFill>
+          <a:ln>
+            <a:solidFill>
+              <a:schemeClr val="tx1"/>
+            </a:solidFill>
+          </a:ln>
+        </p:spPr>
+        <p:style>
+          <a:lnRef idx="2">
+            <a:schemeClr val="accent1">
+              <a:shade val="50000"/>
+            </a:schemeClr>
+          </a:lnRef>
+          <a:fillRef idx="1">
+            <a:schemeClr val="accent1"/>
+          </a:fillRef>
+          <a:effectRef idx="0">
+            <a:schemeClr val="accent1"/>
+          </a:effectRef>
+          <a:fontRef idx="minor">
+            <a:schemeClr val="lt1"/>
+          </a:fontRef>
+        </p:style>
+        <p:txBody>
+          <a:bodyPr rtlCol="0" anchor="ctr"/>
+          <a:lstStyle/>
+          <a:p>
+            <a:pPr algn="ctr"/>
+            <a:endParaRPr lang="en-US"/>
+          </a:p>
+        </p:txBody>
+      </p:sp>
+      <p:sp>
+        <p:nvSpPr>
+          <p:cNvPr id="62" name="TextBox 61">
+            <a:extLst>
+              <a:ext uri="{FF2B5EF4-FFF2-40B4-BE49-F238E27FC236}">
+                <a16:creationId xmlns:a16="http://schemas.microsoft.com/office/drawing/2014/main" id="{5EE608B5-79DB-496A-B715-95729CF8E7F2}"/>
+              </a:ext>
+            </a:extLst>
+          </p:cNvPr>
+          <p:cNvSpPr txBox="1"/>
+          <p:nvPr/>
+        </p:nvSpPr>
+        <p:spPr>
+          <a:xfrm>
+            <a:off x="2085928" y="3826671"/>
+            <a:ext cx="931523" cy="303481"/>
+          </a:xfrm>
+          <a:prstGeom prst="rect">
+            <a:avLst/>
+          </a:prstGeom>
+          <a:noFill/>
+        </p:spPr>
+        <p:txBody>
+          <a:bodyPr wrap="square" rtlCol="0">
+            <a:spAutoFit/>
+          </a:bodyPr>
+          <a:lstStyle/>
+          <a:p>
+            <a:r>
+              <a:rPr lang="en-US" sz="1372" b="1" dirty="0">
+                <a:solidFill>
+                  <a:srgbClr val="FF0000"/>
+                </a:solidFill>
+              </a:rPr>
+              <a:t>INJECT</a:t>
+            </a:r>
+          </a:p>
+        </p:txBody>
+      </p:sp>
+      <p:sp>
+        <p:nvSpPr>
+          <p:cNvPr id="63" name="TextBox 62">
+            <a:extLst>
+              <a:ext uri="{FF2B5EF4-FFF2-40B4-BE49-F238E27FC236}">
+                <a16:creationId xmlns:a16="http://schemas.microsoft.com/office/drawing/2014/main" id="{CE97E904-5E5A-4BB1-A37F-075C2EF1A888}"/>
+              </a:ext>
+            </a:extLst>
+          </p:cNvPr>
+          <p:cNvSpPr txBox="1"/>
+          <p:nvPr/>
+        </p:nvSpPr>
+        <p:spPr>
+          <a:xfrm>
+            <a:off x="1953795" y="4159835"/>
+            <a:ext cx="931523" cy="303481"/>
+          </a:xfrm>
+          <a:prstGeom prst="rect">
+            <a:avLst/>
+          </a:prstGeom>
+          <a:noFill/>
+        </p:spPr>
+        <p:txBody>
+          <a:bodyPr wrap="square" rtlCol="0">
+            <a:spAutoFit/>
+          </a:bodyPr>
+          <a:lstStyle/>
+          <a:p>
+            <a:r>
+              <a:rPr lang="en-US" sz="1372" b="1" dirty="0" err="1">
+                <a:solidFill>
+                  <a:schemeClr val="accent1"/>
+                </a:solidFill>
+              </a:rPr>
+              <a:t>eventList</a:t>
+            </a:r>
+            <a:endParaRPr lang="en-US" sz="1372" b="1" dirty="0">
               <a:solidFill>
-                <a:srgbClr val="FF0000"/>
+                <a:schemeClr val="accent1"/>
               </a:solidFill>
             </a:endParaRPr>
+          </a:p>
+        </p:txBody>
+      </p:sp>
+      <p:sp>
+        <p:nvSpPr>
+          <p:cNvPr id="74" name="Arrow: Down 73">
+            <a:extLst>
+              <a:ext uri="{FF2B5EF4-FFF2-40B4-BE49-F238E27FC236}">
+                <a16:creationId xmlns:a16="http://schemas.microsoft.com/office/drawing/2014/main" id="{55D45D49-796C-494E-9A4A-3DD44DD53B77}"/>
+              </a:ext>
+            </a:extLst>
+          </p:cNvPr>
+          <p:cNvSpPr/>
+          <p:nvPr/>
+        </p:nvSpPr>
+        <p:spPr>
+          <a:xfrm>
+            <a:off x="3286465" y="4444694"/>
+            <a:ext cx="146589" cy="487756"/>
+          </a:xfrm>
+          <a:prstGeom prst="downArrow">
+            <a:avLst/>
+          </a:prstGeom>
+        </p:spPr>
+        <p:style>
+          <a:lnRef idx="2">
+            <a:schemeClr val="accent1">
+              <a:shade val="50000"/>
+            </a:schemeClr>
+          </a:lnRef>
+          <a:fillRef idx="1">
+            <a:schemeClr val="accent1"/>
+          </a:fillRef>
+          <a:effectRef idx="0">
+            <a:schemeClr val="accent1"/>
+          </a:effectRef>
+          <a:fontRef idx="minor">
+            <a:schemeClr val="lt1"/>
+          </a:fontRef>
+        </p:style>
+        <p:txBody>
+          <a:bodyPr rtlCol="0" anchor="ctr"/>
+          <a:lstStyle/>
+          <a:p>
+            <a:pPr algn="ctr"/>
+            <a:endParaRPr lang="en-US"/>
+          </a:p>
+        </p:txBody>
+      </p:sp>
+      <p:sp>
+        <p:nvSpPr>
+          <p:cNvPr id="76" name="TextBox 75">
+            <a:extLst>
+              <a:ext uri="{FF2B5EF4-FFF2-40B4-BE49-F238E27FC236}">
+                <a16:creationId xmlns:a16="http://schemas.microsoft.com/office/drawing/2014/main" id="{1116C70B-EA9F-43F8-A917-2D647389AB3A}"/>
+              </a:ext>
+            </a:extLst>
+          </p:cNvPr>
+          <p:cNvSpPr txBox="1"/>
+          <p:nvPr/>
+        </p:nvSpPr>
+        <p:spPr>
+          <a:xfrm>
+            <a:off x="3405199" y="4536831"/>
+            <a:ext cx="931523" cy="303481"/>
+          </a:xfrm>
+          <a:prstGeom prst="rect">
+            <a:avLst/>
+          </a:prstGeom>
+          <a:noFill/>
+        </p:spPr>
+        <p:txBody>
+          <a:bodyPr wrap="square" rtlCol="0">
+            <a:spAutoFit/>
+          </a:bodyPr>
+          <a:lstStyle/>
+          <a:p>
+            <a:r>
+              <a:rPr lang="en-US" sz="1372" b="1" dirty="0">
+                <a:solidFill>
+                  <a:schemeClr val="accent6"/>
+                </a:solidFill>
+              </a:rPr>
+              <a:t>PROPS</a:t>
+            </a:r>
+          </a:p>
+        </p:txBody>
+      </p:sp>
+      <p:sp>
+        <p:nvSpPr>
+          <p:cNvPr id="77" name="TextBox 76">
+            <a:extLst>
+              <a:ext uri="{FF2B5EF4-FFF2-40B4-BE49-F238E27FC236}">
+                <a16:creationId xmlns:a16="http://schemas.microsoft.com/office/drawing/2014/main" id="{D2D24551-2F83-455C-81A4-BB369E4055CE}"/>
+              </a:ext>
+            </a:extLst>
+          </p:cNvPr>
+          <p:cNvSpPr txBox="1"/>
+          <p:nvPr/>
+        </p:nvSpPr>
+        <p:spPr>
+          <a:xfrm>
+            <a:off x="2739973" y="4630621"/>
+            <a:ext cx="931523" cy="303481"/>
+          </a:xfrm>
+          <a:prstGeom prst="rect">
+            <a:avLst/>
+          </a:prstGeom>
+          <a:noFill/>
+        </p:spPr>
+        <p:txBody>
+          <a:bodyPr wrap="square" rtlCol="0">
+            <a:spAutoFit/>
+          </a:bodyPr>
+          <a:lstStyle/>
+          <a:p>
+            <a:r>
+              <a:rPr lang="en-US" sz="1372" b="1" dirty="0">
+                <a:solidFill>
+                  <a:schemeClr val="accent1"/>
+                </a:solidFill>
+              </a:rPr>
+              <a:t>event</a:t>
+            </a:r>
+          </a:p>
+        </p:txBody>
+      </p:sp>
+      <p:sp>
+        <p:nvSpPr>
+          <p:cNvPr id="80" name="Rounded Rectangle 16">
+            <a:extLst>
+              <a:ext uri="{FF2B5EF4-FFF2-40B4-BE49-F238E27FC236}">
+                <a16:creationId xmlns:a16="http://schemas.microsoft.com/office/drawing/2014/main" id="{60C76B8A-6A2B-4634-B22F-F940C7D4B748}"/>
+              </a:ext>
+            </a:extLst>
+          </p:cNvPr>
+          <p:cNvSpPr/>
+          <p:nvPr/>
+        </p:nvSpPr>
+        <p:spPr>
+          <a:xfrm>
+            <a:off x="4003495" y="6037055"/>
+            <a:ext cx="1389577" cy="582779"/>
+          </a:xfrm>
+          <a:prstGeom prst="roundRect">
+            <a:avLst/>
+          </a:prstGeom>
+          <a:noFill/>
+          <a:ln>
+            <a:solidFill>
+              <a:srgbClr val="FF0000"/>
+            </a:solidFill>
+            <a:prstDash val="lgDash"/>
+          </a:ln>
+        </p:spPr>
+        <p:style>
+          <a:lnRef idx="2">
+            <a:schemeClr val="accent1">
+              <a:shade val="50000"/>
+            </a:schemeClr>
+          </a:lnRef>
+          <a:fillRef idx="1">
+            <a:schemeClr val="accent1"/>
+          </a:fillRef>
+          <a:effectRef idx="0">
+            <a:schemeClr val="accent1"/>
+          </a:effectRef>
+          <a:fontRef idx="minor">
+            <a:schemeClr val="lt1"/>
+          </a:fontRef>
+        </p:style>
+        <p:txBody>
+          <a:bodyPr rtlCol="0" anchor="ctr"/>
+          <a:lstStyle/>
+          <a:p>
+            <a:pPr algn="ctr"/>
+            <a:endParaRPr lang="en-US" sz="1372"/>
+          </a:p>
+        </p:txBody>
+      </p:sp>
+      <p:sp>
+        <p:nvSpPr>
+          <p:cNvPr id="81" name="TextBox 80">
+            <a:extLst>
+              <a:ext uri="{FF2B5EF4-FFF2-40B4-BE49-F238E27FC236}">
+                <a16:creationId xmlns:a16="http://schemas.microsoft.com/office/drawing/2014/main" id="{98D7DA0F-4DA2-4157-8F67-BAB76CC35F96}"/>
+              </a:ext>
+            </a:extLst>
+          </p:cNvPr>
+          <p:cNvSpPr txBox="1"/>
+          <p:nvPr/>
+        </p:nvSpPr>
+        <p:spPr>
+          <a:xfrm>
+            <a:off x="4089172" y="6105208"/>
+            <a:ext cx="1266485" cy="303481"/>
+          </a:xfrm>
+          <a:prstGeom prst="rect">
+            <a:avLst/>
+          </a:prstGeom>
+          <a:noFill/>
+        </p:spPr>
+        <p:txBody>
+          <a:bodyPr wrap="square" rtlCol="0">
+            <a:spAutoFit/>
+          </a:bodyPr>
+          <a:lstStyle/>
+          <a:p>
+            <a:r>
+              <a:rPr lang="en-US" sz="1372" b="1" i="1" dirty="0">
+                <a:solidFill>
+                  <a:srgbClr val="FF0000"/>
+                </a:solidFill>
+              </a:rPr>
+              <a:t>&lt;event-Detail&gt;</a:t>
+            </a:r>
+          </a:p>
+        </p:txBody>
+      </p:sp>
+      <p:sp>
+        <p:nvSpPr>
+          <p:cNvPr id="49" name="Arrow: Down 48">
+            <a:extLst>
+              <a:ext uri="{FF2B5EF4-FFF2-40B4-BE49-F238E27FC236}">
+                <a16:creationId xmlns:a16="http://schemas.microsoft.com/office/drawing/2014/main" id="{ED28244F-DDC5-4077-97D8-F64CD0AB062A}"/>
+              </a:ext>
+            </a:extLst>
+          </p:cNvPr>
+          <p:cNvSpPr/>
+          <p:nvPr/>
+        </p:nvSpPr>
+        <p:spPr>
+          <a:xfrm flipH="1">
+            <a:off x="4605768" y="5271124"/>
+            <a:ext cx="150853" cy="710539"/>
+          </a:xfrm>
+          <a:prstGeom prst="downArrow">
+            <a:avLst/>
+          </a:prstGeom>
+        </p:spPr>
+        <p:style>
+          <a:lnRef idx="2">
+            <a:schemeClr val="accent1">
+              <a:shade val="50000"/>
+            </a:schemeClr>
+          </a:lnRef>
+          <a:fillRef idx="1">
+            <a:schemeClr val="accent1"/>
+          </a:fillRef>
+          <a:effectRef idx="0">
+            <a:schemeClr val="accent1"/>
+          </a:effectRef>
+          <a:fontRef idx="minor">
+            <a:schemeClr val="lt1"/>
+          </a:fontRef>
+        </p:style>
+        <p:txBody>
+          <a:bodyPr rtlCol="0" anchor="ctr"/>
+          <a:lstStyle/>
+          <a:p>
+            <a:pPr algn="ctr"/>
+            <a:endParaRPr lang="en-US"/>
+          </a:p>
+        </p:txBody>
+      </p:sp>
+      <p:sp>
+        <p:nvSpPr>
+          <p:cNvPr id="50" name="TextBox 49">
+            <a:extLst>
+              <a:ext uri="{FF2B5EF4-FFF2-40B4-BE49-F238E27FC236}">
+                <a16:creationId xmlns:a16="http://schemas.microsoft.com/office/drawing/2014/main" id="{C76DB376-CB72-4A09-8C86-9B74D6ABCE0A}"/>
+              </a:ext>
+            </a:extLst>
+          </p:cNvPr>
+          <p:cNvSpPr txBox="1"/>
+          <p:nvPr/>
+        </p:nvSpPr>
+        <p:spPr>
+          <a:xfrm>
+            <a:off x="4708210" y="5260203"/>
+            <a:ext cx="931523" cy="303481"/>
+          </a:xfrm>
+          <a:prstGeom prst="rect">
+            <a:avLst/>
+          </a:prstGeom>
+          <a:noFill/>
+        </p:spPr>
+        <p:txBody>
+          <a:bodyPr wrap="square" rtlCol="0">
+            <a:spAutoFit/>
+          </a:bodyPr>
+          <a:lstStyle/>
+          <a:p>
+            <a:r>
+              <a:rPr lang="en-US" sz="1372" b="1" dirty="0">
+                <a:solidFill>
+                  <a:schemeClr val="accent6"/>
+                </a:solidFill>
+              </a:rPr>
+              <a:t>PROPS</a:t>
+            </a:r>
+          </a:p>
+        </p:txBody>
+      </p:sp>
+      <p:sp>
+        <p:nvSpPr>
+          <p:cNvPr id="51" name="Arrow: Right 50">
+            <a:extLst>
+              <a:ext uri="{FF2B5EF4-FFF2-40B4-BE49-F238E27FC236}">
+                <a16:creationId xmlns:a16="http://schemas.microsoft.com/office/drawing/2014/main" id="{68D24CDB-A583-4F21-97CA-CB7815EA191C}"/>
+              </a:ext>
+            </a:extLst>
+          </p:cNvPr>
+          <p:cNvSpPr/>
+          <p:nvPr/>
+        </p:nvSpPr>
+        <p:spPr>
+          <a:xfrm>
+            <a:off x="3221061" y="6280060"/>
+            <a:ext cx="751830" cy="199640"/>
+          </a:xfrm>
+          <a:prstGeom prst="rightArrow">
+            <a:avLst/>
+          </a:prstGeom>
+          <a:solidFill>
+            <a:srgbClr val="FFFF00"/>
+          </a:solidFill>
+          <a:ln>
+            <a:solidFill>
+              <a:schemeClr val="tx1"/>
+            </a:solidFill>
+          </a:ln>
+        </p:spPr>
+        <p:style>
+          <a:lnRef idx="2">
+            <a:schemeClr val="accent1">
+              <a:shade val="50000"/>
+            </a:schemeClr>
+          </a:lnRef>
+          <a:fillRef idx="1">
+            <a:schemeClr val="accent1"/>
+          </a:fillRef>
+          <a:effectRef idx="0">
+            <a:schemeClr val="accent1"/>
+          </a:effectRef>
+          <a:fontRef idx="minor">
+            <a:schemeClr val="lt1"/>
+          </a:fontRef>
+        </p:style>
+        <p:txBody>
+          <a:bodyPr rtlCol="0" anchor="ctr"/>
+          <a:lstStyle/>
+          <a:p>
+            <a:pPr algn="ctr"/>
+            <a:endParaRPr lang="en-US"/>
+          </a:p>
+        </p:txBody>
+      </p:sp>
+      <p:sp>
+        <p:nvSpPr>
+          <p:cNvPr id="53" name="TextBox 52">
+            <a:extLst>
+              <a:ext uri="{FF2B5EF4-FFF2-40B4-BE49-F238E27FC236}">
+                <a16:creationId xmlns:a16="http://schemas.microsoft.com/office/drawing/2014/main" id="{9515F4ED-7471-4EC0-8ACA-23C50C6C2F59}"/>
+              </a:ext>
+            </a:extLst>
+          </p:cNvPr>
+          <p:cNvSpPr txBox="1"/>
+          <p:nvPr/>
+        </p:nvSpPr>
+        <p:spPr>
+          <a:xfrm>
+            <a:off x="3331957" y="6006202"/>
+            <a:ext cx="931523" cy="303481"/>
+          </a:xfrm>
+          <a:prstGeom prst="rect">
+            <a:avLst/>
+          </a:prstGeom>
+          <a:noFill/>
+        </p:spPr>
+        <p:txBody>
+          <a:bodyPr wrap="square" rtlCol="0">
+            <a:spAutoFit/>
+          </a:bodyPr>
+          <a:lstStyle/>
+          <a:p>
+            <a:r>
+              <a:rPr lang="en-US" sz="1372" b="1" dirty="0">
+                <a:solidFill>
+                  <a:srgbClr val="FF0000"/>
+                </a:solidFill>
+              </a:rPr>
+              <a:t>INJECT</a:t>
+            </a:r>
+          </a:p>
+        </p:txBody>
+      </p:sp>
+      <p:sp>
+        <p:nvSpPr>
+          <p:cNvPr id="57" name="TextBox 56">
+            <a:extLst>
+              <a:ext uri="{FF2B5EF4-FFF2-40B4-BE49-F238E27FC236}">
+                <a16:creationId xmlns:a16="http://schemas.microsoft.com/office/drawing/2014/main" id="{061F8837-DAB1-4FAE-802E-030121A32F16}"/>
+              </a:ext>
+            </a:extLst>
+          </p:cNvPr>
+          <p:cNvSpPr txBox="1"/>
+          <p:nvPr/>
+        </p:nvSpPr>
+        <p:spPr>
+          <a:xfrm>
+            <a:off x="3117642" y="6431800"/>
+            <a:ext cx="931523" cy="303481"/>
+          </a:xfrm>
+          <a:prstGeom prst="rect">
+            <a:avLst/>
+          </a:prstGeom>
+          <a:noFill/>
+        </p:spPr>
+        <p:txBody>
+          <a:bodyPr wrap="square" rtlCol="0">
+            <a:spAutoFit/>
+          </a:bodyPr>
+          <a:lstStyle/>
+          <a:p>
+            <a:r>
+              <a:rPr lang="en-US" sz="1372" b="1" dirty="0" err="1">
+                <a:solidFill>
+                  <a:schemeClr val="accent1"/>
+                </a:solidFill>
+              </a:rPr>
+              <a:t>eventList</a:t>
+            </a:r>
+            <a:endParaRPr lang="en-US" sz="1372" b="1" dirty="0">
+              <a:solidFill>
+                <a:schemeClr val="accent1"/>
+              </a:solidFill>
+            </a:endParaRPr>
+          </a:p>
+        </p:txBody>
+      </p:sp>
+      <p:sp>
+        <p:nvSpPr>
+          <p:cNvPr id="58" name="TextBox 57">
+            <a:extLst>
+              <a:ext uri="{FF2B5EF4-FFF2-40B4-BE49-F238E27FC236}">
+                <a16:creationId xmlns:a16="http://schemas.microsoft.com/office/drawing/2014/main" id="{A12E1411-AD7B-4BF5-8333-71C221396528}"/>
+              </a:ext>
+            </a:extLst>
+          </p:cNvPr>
+          <p:cNvSpPr txBox="1"/>
+          <p:nvPr/>
+        </p:nvSpPr>
+        <p:spPr>
+          <a:xfrm>
+            <a:off x="4689834" y="5515229"/>
+            <a:ext cx="931523" cy="303481"/>
+          </a:xfrm>
+          <a:prstGeom prst="rect">
+            <a:avLst/>
+          </a:prstGeom>
+          <a:noFill/>
+        </p:spPr>
+        <p:txBody>
+          <a:bodyPr wrap="square" rtlCol="0">
+            <a:spAutoFit/>
+          </a:bodyPr>
+          <a:lstStyle/>
+          <a:p>
+            <a:r>
+              <a:rPr lang="en-US" sz="1372" b="1" dirty="0" err="1">
+                <a:solidFill>
+                  <a:schemeClr val="accent1"/>
+                </a:solidFill>
+              </a:rPr>
+              <a:t>eventId</a:t>
+            </a:r>
+            <a:endParaRPr lang="en-US" sz="1372" b="1" dirty="0">
+              <a:solidFill>
+                <a:schemeClr val="accent1"/>
+              </a:solidFill>
+            </a:endParaRPr>
+          </a:p>
+        </p:txBody>
+      </p:sp>
+      <p:sp>
+        <p:nvSpPr>
+          <p:cNvPr id="59" name="Rounded Rectangle 16">
+            <a:extLst>
+              <a:ext uri="{FF2B5EF4-FFF2-40B4-BE49-F238E27FC236}">
+                <a16:creationId xmlns:a16="http://schemas.microsoft.com/office/drawing/2014/main" id="{5FD82835-789A-473E-BF4D-B70FEE6D3CE1}"/>
+              </a:ext>
+            </a:extLst>
+          </p:cNvPr>
+          <p:cNvSpPr/>
+          <p:nvPr/>
+        </p:nvSpPr>
+        <p:spPr>
+          <a:xfrm>
+            <a:off x="5710775" y="4005631"/>
+            <a:ext cx="1650319" cy="574489"/>
+          </a:xfrm>
+          <a:prstGeom prst="roundRect">
+            <a:avLst/>
+          </a:prstGeom>
+          <a:noFill/>
+          <a:ln>
+            <a:solidFill>
+              <a:srgbClr val="FF0000"/>
+            </a:solidFill>
+            <a:prstDash val="lgDash"/>
+          </a:ln>
+        </p:spPr>
+        <p:style>
+          <a:lnRef idx="2">
+            <a:schemeClr val="accent1">
+              <a:shade val="50000"/>
+            </a:schemeClr>
+          </a:lnRef>
+          <a:fillRef idx="1">
+            <a:schemeClr val="accent1"/>
+          </a:fillRef>
+          <a:effectRef idx="0">
+            <a:schemeClr val="accent1"/>
+          </a:effectRef>
+          <a:fontRef idx="minor">
+            <a:schemeClr val="lt1"/>
+          </a:fontRef>
+        </p:style>
+        <p:txBody>
+          <a:bodyPr rtlCol="0" anchor="ctr"/>
+          <a:lstStyle/>
+          <a:p>
+            <a:pPr algn="ctr"/>
+            <a:endParaRPr lang="en-US" sz="1372" dirty="0"/>
+          </a:p>
+        </p:txBody>
+      </p:sp>
+      <p:sp>
+        <p:nvSpPr>
+          <p:cNvPr id="60" name="TextBox 59">
+            <a:extLst>
+              <a:ext uri="{FF2B5EF4-FFF2-40B4-BE49-F238E27FC236}">
+                <a16:creationId xmlns:a16="http://schemas.microsoft.com/office/drawing/2014/main" id="{C92DC4C7-443B-4865-A480-BAAB42C29DB9}"/>
+              </a:ext>
+            </a:extLst>
+          </p:cNvPr>
+          <p:cNvSpPr txBox="1"/>
+          <p:nvPr/>
+        </p:nvSpPr>
+        <p:spPr>
+          <a:xfrm>
+            <a:off x="5801554" y="4061029"/>
+            <a:ext cx="1480280" cy="303481"/>
+          </a:xfrm>
+          <a:prstGeom prst="rect">
+            <a:avLst/>
+          </a:prstGeom>
+          <a:noFill/>
+        </p:spPr>
+        <p:txBody>
+          <a:bodyPr wrap="square" rtlCol="0">
+            <a:spAutoFit/>
+          </a:bodyPr>
+          <a:lstStyle/>
+          <a:p>
+            <a:r>
+              <a:rPr lang="en-US" sz="1372" b="1" i="1" dirty="0">
+                <a:solidFill>
+                  <a:srgbClr val="FF0000"/>
+                </a:solidFill>
+              </a:rPr>
+              <a:t>&lt;</a:t>
+            </a:r>
+            <a:r>
+              <a:rPr lang="en-US" sz="1372" b="1" i="1" dirty="0" err="1">
+                <a:solidFill>
+                  <a:srgbClr val="FF0000"/>
+                </a:solidFill>
+              </a:rPr>
+              <a:t>myEvent</a:t>
+            </a:r>
+            <a:r>
+              <a:rPr lang="en-US" sz="1372" b="1" i="1" dirty="0">
+                <a:solidFill>
+                  <a:srgbClr val="FF0000"/>
+                </a:solidFill>
+              </a:rPr>
+              <a:t>-view&gt;</a:t>
+            </a:r>
+          </a:p>
+        </p:txBody>
+      </p:sp>
+      <p:cxnSp>
+        <p:nvCxnSpPr>
+          <p:cNvPr id="64" name="Straight Arrow Connector 63">
+            <a:extLst>
+              <a:ext uri="{FF2B5EF4-FFF2-40B4-BE49-F238E27FC236}">
+                <a16:creationId xmlns:a16="http://schemas.microsoft.com/office/drawing/2014/main" id="{770384AF-253A-4C0B-BD8A-233CBF736A9E}"/>
+              </a:ext>
+            </a:extLst>
+          </p:cNvPr>
+          <p:cNvCxnSpPr>
+            <a:cxnSpLocks/>
+          </p:cNvCxnSpPr>
+          <p:nvPr/>
+        </p:nvCxnSpPr>
+        <p:spPr>
+          <a:xfrm flipH="1">
+            <a:off x="6435330" y="2152199"/>
+            <a:ext cx="17043" cy="600297"/>
+          </a:xfrm>
+          <a:prstGeom prst="straightConnector1">
+            <a:avLst/>
+          </a:prstGeom>
+          <a:ln>
+            <a:tailEnd type="triangle"/>
+          </a:ln>
+        </p:spPr>
+        <p:style>
+          <a:lnRef idx="1">
+            <a:schemeClr val="accent1"/>
+          </a:lnRef>
+          <a:fillRef idx="0">
+            <a:schemeClr val="accent1"/>
+          </a:fillRef>
+          <a:effectRef idx="0">
+            <a:schemeClr val="accent1"/>
+          </a:effectRef>
+          <a:fontRef idx="minor">
+            <a:schemeClr val="tx1"/>
+          </a:fontRef>
+        </p:style>
+      </p:cxnSp>
+      <p:sp>
+        <p:nvSpPr>
+          <p:cNvPr id="65" name="TextBox 64">
+            <a:extLst>
+              <a:ext uri="{FF2B5EF4-FFF2-40B4-BE49-F238E27FC236}">
+                <a16:creationId xmlns:a16="http://schemas.microsoft.com/office/drawing/2014/main" id="{13DA132A-79B8-40FF-AAAD-1E9C329763FC}"/>
+              </a:ext>
+            </a:extLst>
+          </p:cNvPr>
+          <p:cNvSpPr txBox="1"/>
+          <p:nvPr/>
+        </p:nvSpPr>
+        <p:spPr>
+          <a:xfrm>
+            <a:off x="5972787" y="2298811"/>
+            <a:ext cx="959173" cy="303481"/>
+          </a:xfrm>
+          <a:prstGeom prst="rect">
+            <a:avLst/>
+          </a:prstGeom>
+          <a:noFill/>
+        </p:spPr>
+        <p:txBody>
+          <a:bodyPr wrap="none" rtlCol="0">
+            <a:spAutoFit/>
+          </a:bodyPr>
+          <a:lstStyle/>
+          <a:p>
+            <a:r>
+              <a:rPr lang="en-US" sz="1372" b="1" dirty="0"/>
+              <a:t>/</a:t>
+            </a:r>
+            <a:r>
+              <a:rPr lang="en-US" sz="1372" b="1" dirty="0" err="1"/>
+              <a:t>myEvents</a:t>
+            </a:r>
+            <a:endParaRPr lang="en-US" sz="1372" b="1" dirty="0"/>
+          </a:p>
+        </p:txBody>
+      </p:sp>
+      <p:sp>
+        <p:nvSpPr>
+          <p:cNvPr id="66" name="Arrow: Right 65">
+            <a:extLst>
+              <a:ext uri="{FF2B5EF4-FFF2-40B4-BE49-F238E27FC236}">
+                <a16:creationId xmlns:a16="http://schemas.microsoft.com/office/drawing/2014/main" id="{000BEDF6-4994-4D73-91EE-251A3521BA19}"/>
+              </a:ext>
+            </a:extLst>
+          </p:cNvPr>
+          <p:cNvSpPr/>
+          <p:nvPr/>
+        </p:nvSpPr>
+        <p:spPr>
+          <a:xfrm>
+            <a:off x="5119199" y="4153845"/>
+            <a:ext cx="497616" cy="234664"/>
+          </a:xfrm>
+          <a:prstGeom prst="rightArrow">
+            <a:avLst/>
+          </a:prstGeom>
+          <a:solidFill>
+            <a:srgbClr val="FFFF00"/>
+          </a:solidFill>
+          <a:ln>
+            <a:solidFill>
+              <a:schemeClr val="tx1"/>
+            </a:solidFill>
+          </a:ln>
+        </p:spPr>
+        <p:style>
+          <a:lnRef idx="2">
+            <a:schemeClr val="accent1">
+              <a:shade val="50000"/>
+            </a:schemeClr>
+          </a:lnRef>
+          <a:fillRef idx="1">
+            <a:schemeClr val="accent1"/>
+          </a:fillRef>
+          <a:effectRef idx="0">
+            <a:schemeClr val="accent1"/>
+          </a:effectRef>
+          <a:fontRef idx="minor">
+            <a:schemeClr val="lt1"/>
+          </a:fontRef>
+        </p:style>
+        <p:txBody>
+          <a:bodyPr rtlCol="0" anchor="ctr"/>
+          <a:lstStyle/>
+          <a:p>
+            <a:pPr algn="ctr"/>
+            <a:endParaRPr lang="en-US"/>
+          </a:p>
+        </p:txBody>
+      </p:sp>
+      <p:sp>
+        <p:nvSpPr>
+          <p:cNvPr id="67" name="TextBox 66">
+            <a:extLst>
+              <a:ext uri="{FF2B5EF4-FFF2-40B4-BE49-F238E27FC236}">
+                <a16:creationId xmlns:a16="http://schemas.microsoft.com/office/drawing/2014/main" id="{DC371431-44CD-4476-B3C8-75E45A6B7216}"/>
+              </a:ext>
+            </a:extLst>
+          </p:cNvPr>
+          <p:cNvSpPr txBox="1"/>
+          <p:nvPr/>
+        </p:nvSpPr>
+        <p:spPr>
+          <a:xfrm>
+            <a:off x="5053854" y="3929761"/>
+            <a:ext cx="931523" cy="303481"/>
+          </a:xfrm>
+          <a:prstGeom prst="rect">
+            <a:avLst/>
+          </a:prstGeom>
+          <a:noFill/>
+        </p:spPr>
+        <p:txBody>
+          <a:bodyPr wrap="square" rtlCol="0">
+            <a:spAutoFit/>
+          </a:bodyPr>
+          <a:lstStyle/>
+          <a:p>
+            <a:r>
+              <a:rPr lang="en-US" sz="1372" b="1" dirty="0">
+                <a:solidFill>
+                  <a:srgbClr val="FF0000"/>
+                </a:solidFill>
+              </a:rPr>
+              <a:t>INJECT</a:t>
+            </a:r>
+          </a:p>
+        </p:txBody>
+      </p:sp>
+      <p:sp>
+        <p:nvSpPr>
+          <p:cNvPr id="68" name="TextBox 67">
+            <a:extLst>
+              <a:ext uri="{FF2B5EF4-FFF2-40B4-BE49-F238E27FC236}">
+                <a16:creationId xmlns:a16="http://schemas.microsoft.com/office/drawing/2014/main" id="{F9114B6B-E6C4-4624-977F-F06A54EF11C7}"/>
+              </a:ext>
+            </a:extLst>
+          </p:cNvPr>
+          <p:cNvSpPr txBox="1"/>
+          <p:nvPr/>
+        </p:nvSpPr>
+        <p:spPr>
+          <a:xfrm>
+            <a:off x="4933371" y="4301395"/>
+            <a:ext cx="931523" cy="303481"/>
+          </a:xfrm>
+          <a:prstGeom prst="rect">
+            <a:avLst/>
+          </a:prstGeom>
+          <a:noFill/>
+        </p:spPr>
+        <p:txBody>
+          <a:bodyPr wrap="square" rtlCol="0">
+            <a:spAutoFit/>
+          </a:bodyPr>
+          <a:lstStyle/>
+          <a:p>
+            <a:r>
+              <a:rPr lang="en-US" sz="1372" b="1" dirty="0" err="1">
+                <a:solidFill>
+                  <a:schemeClr val="accent1"/>
+                </a:solidFill>
+              </a:rPr>
+              <a:t>eventList</a:t>
+            </a:r>
+            <a:endParaRPr lang="en-US" sz="1372" b="1" dirty="0">
+              <a:solidFill>
+                <a:schemeClr val="accent1"/>
+              </a:solidFill>
+            </a:endParaRPr>
+          </a:p>
+        </p:txBody>
+      </p:sp>
+      <p:sp>
+        <p:nvSpPr>
+          <p:cNvPr id="69" name="Rounded Rectangle 16">
+            <a:extLst>
+              <a:ext uri="{FF2B5EF4-FFF2-40B4-BE49-F238E27FC236}">
+                <a16:creationId xmlns:a16="http://schemas.microsoft.com/office/drawing/2014/main" id="{87F94749-E05C-4AF1-A196-8F833B4FD4F2}"/>
+              </a:ext>
+            </a:extLst>
+          </p:cNvPr>
+          <p:cNvSpPr/>
+          <p:nvPr/>
+        </p:nvSpPr>
+        <p:spPr>
+          <a:xfrm>
+            <a:off x="5716534" y="5057893"/>
+            <a:ext cx="1650319" cy="582779"/>
+          </a:xfrm>
+          <a:prstGeom prst="roundRect">
+            <a:avLst/>
+          </a:prstGeom>
+          <a:noFill/>
+          <a:ln>
+            <a:solidFill>
+              <a:srgbClr val="FF0000"/>
+            </a:solidFill>
+            <a:prstDash val="lgDash"/>
+          </a:ln>
+        </p:spPr>
+        <p:style>
+          <a:lnRef idx="2">
+            <a:schemeClr val="accent1">
+              <a:shade val="50000"/>
+            </a:schemeClr>
+          </a:lnRef>
+          <a:fillRef idx="1">
+            <a:schemeClr val="accent1"/>
+          </a:fillRef>
+          <a:effectRef idx="0">
+            <a:schemeClr val="accent1"/>
+          </a:effectRef>
+          <a:fontRef idx="minor">
+            <a:schemeClr val="lt1"/>
+          </a:fontRef>
+        </p:style>
+        <p:txBody>
+          <a:bodyPr rtlCol="0" anchor="ctr"/>
+          <a:lstStyle/>
+          <a:p>
+            <a:pPr algn="ctr"/>
+            <a:endParaRPr lang="en-US" sz="1372"/>
+          </a:p>
+        </p:txBody>
+      </p:sp>
+      <p:sp>
+        <p:nvSpPr>
+          <p:cNvPr id="70" name="TextBox 69">
+            <a:extLst>
+              <a:ext uri="{FF2B5EF4-FFF2-40B4-BE49-F238E27FC236}">
+                <a16:creationId xmlns:a16="http://schemas.microsoft.com/office/drawing/2014/main" id="{6A9081D8-2400-4F05-B924-74293B83EB85}"/>
+              </a:ext>
+            </a:extLst>
+          </p:cNvPr>
+          <p:cNvSpPr txBox="1"/>
+          <p:nvPr/>
+        </p:nvSpPr>
+        <p:spPr>
+          <a:xfrm>
+            <a:off x="5908450" y="5125290"/>
+            <a:ext cx="1358684" cy="303481"/>
+          </a:xfrm>
+          <a:prstGeom prst="rect">
+            <a:avLst/>
+          </a:prstGeom>
+          <a:noFill/>
+        </p:spPr>
+        <p:txBody>
+          <a:bodyPr wrap="square" rtlCol="0">
+            <a:spAutoFit/>
+          </a:bodyPr>
+          <a:lstStyle/>
+          <a:p>
+            <a:r>
+              <a:rPr lang="en-US" sz="1372" b="1" i="1" dirty="0">
+                <a:solidFill>
+                  <a:srgbClr val="FF0000"/>
+                </a:solidFill>
+              </a:rPr>
+              <a:t>&lt;</a:t>
+            </a:r>
+            <a:r>
+              <a:rPr lang="en-US" sz="1372" b="1" i="1" dirty="0" err="1">
+                <a:solidFill>
+                  <a:srgbClr val="FF0000"/>
+                </a:solidFill>
+              </a:rPr>
+              <a:t>myEvent</a:t>
+            </a:r>
+            <a:r>
+              <a:rPr lang="en-US" sz="1372" b="1" i="1" dirty="0">
+                <a:solidFill>
+                  <a:srgbClr val="FF0000"/>
+                </a:solidFill>
+              </a:rPr>
+              <a:t>-card&gt;</a:t>
+            </a:r>
+          </a:p>
+        </p:txBody>
+      </p:sp>
+      <p:sp>
+        <p:nvSpPr>
+          <p:cNvPr id="71" name="TextBox 70">
+            <a:extLst>
+              <a:ext uri="{FF2B5EF4-FFF2-40B4-BE49-F238E27FC236}">
+                <a16:creationId xmlns:a16="http://schemas.microsoft.com/office/drawing/2014/main" id="{F42027CD-D3EB-477F-A118-1F1E0574E5AC}"/>
+              </a:ext>
+            </a:extLst>
+          </p:cNvPr>
+          <p:cNvSpPr txBox="1"/>
+          <p:nvPr/>
+        </p:nvSpPr>
+        <p:spPr>
+          <a:xfrm>
+            <a:off x="5776749" y="4756064"/>
+            <a:ext cx="931523" cy="303481"/>
+          </a:xfrm>
+          <a:prstGeom prst="rect">
+            <a:avLst/>
+          </a:prstGeom>
+          <a:noFill/>
+        </p:spPr>
+        <p:txBody>
+          <a:bodyPr wrap="square" rtlCol="0">
+            <a:spAutoFit/>
+          </a:bodyPr>
+          <a:lstStyle/>
+          <a:p>
+            <a:r>
+              <a:rPr lang="en-US" sz="1372" b="1" dirty="0">
+                <a:solidFill>
+                  <a:schemeClr val="accent1"/>
+                </a:solidFill>
+              </a:rPr>
+              <a:t>event</a:t>
+            </a:r>
+          </a:p>
+        </p:txBody>
+      </p:sp>
+      <p:sp>
+        <p:nvSpPr>
+          <p:cNvPr id="72" name="Rounded Rectangle 16">
+            <a:extLst>
+              <a:ext uri="{FF2B5EF4-FFF2-40B4-BE49-F238E27FC236}">
+                <a16:creationId xmlns:a16="http://schemas.microsoft.com/office/drawing/2014/main" id="{5EF91480-9FF6-416D-A0A4-46D11ECE57A0}"/>
+              </a:ext>
+            </a:extLst>
+          </p:cNvPr>
+          <p:cNvSpPr/>
+          <p:nvPr/>
+        </p:nvSpPr>
+        <p:spPr>
+          <a:xfrm>
+            <a:off x="7195233" y="6053381"/>
+            <a:ext cx="1650319" cy="582779"/>
+          </a:xfrm>
+          <a:prstGeom prst="roundRect">
+            <a:avLst/>
+          </a:prstGeom>
+          <a:noFill/>
+          <a:ln>
+            <a:solidFill>
+              <a:srgbClr val="FF0000"/>
+            </a:solidFill>
+            <a:prstDash val="lgDash"/>
+          </a:ln>
+        </p:spPr>
+        <p:style>
+          <a:lnRef idx="2">
+            <a:schemeClr val="accent1">
+              <a:shade val="50000"/>
+            </a:schemeClr>
+          </a:lnRef>
+          <a:fillRef idx="1">
+            <a:schemeClr val="accent1"/>
+          </a:fillRef>
+          <a:effectRef idx="0">
+            <a:schemeClr val="accent1"/>
+          </a:effectRef>
+          <a:fontRef idx="minor">
+            <a:schemeClr val="lt1"/>
+          </a:fontRef>
+        </p:style>
+        <p:txBody>
+          <a:bodyPr rtlCol="0" anchor="ctr"/>
+          <a:lstStyle/>
+          <a:p>
+            <a:pPr algn="ctr"/>
+            <a:endParaRPr lang="en-US" sz="1372"/>
+          </a:p>
+        </p:txBody>
+      </p:sp>
+      <p:sp>
+        <p:nvSpPr>
+          <p:cNvPr id="73" name="TextBox 72">
+            <a:extLst>
+              <a:ext uri="{FF2B5EF4-FFF2-40B4-BE49-F238E27FC236}">
+                <a16:creationId xmlns:a16="http://schemas.microsoft.com/office/drawing/2014/main" id="{989B5C30-BD05-4A2C-A2CB-2ED0C1B6F54A}"/>
+              </a:ext>
+            </a:extLst>
+          </p:cNvPr>
+          <p:cNvSpPr txBox="1"/>
+          <p:nvPr/>
+        </p:nvSpPr>
+        <p:spPr>
+          <a:xfrm>
+            <a:off x="7308015" y="6118508"/>
+            <a:ext cx="1473103" cy="303481"/>
+          </a:xfrm>
+          <a:prstGeom prst="rect">
+            <a:avLst/>
+          </a:prstGeom>
+          <a:noFill/>
+        </p:spPr>
+        <p:txBody>
+          <a:bodyPr wrap="square" rtlCol="0">
+            <a:spAutoFit/>
+          </a:bodyPr>
+          <a:lstStyle/>
+          <a:p>
+            <a:r>
+              <a:rPr lang="en-US" sz="1372" b="1" i="1" dirty="0">
+                <a:solidFill>
+                  <a:srgbClr val="FF0000"/>
+                </a:solidFill>
+              </a:rPr>
+              <a:t>&lt;event-Detail&gt;</a:t>
+            </a:r>
+          </a:p>
+        </p:txBody>
+      </p:sp>
+      <p:sp>
+        <p:nvSpPr>
+          <p:cNvPr id="75" name="Arrow: Down 74">
+            <a:extLst>
+              <a:ext uri="{FF2B5EF4-FFF2-40B4-BE49-F238E27FC236}">
+                <a16:creationId xmlns:a16="http://schemas.microsoft.com/office/drawing/2014/main" id="{812A7486-3A1B-4F05-974C-D2BC4455F1E8}"/>
+              </a:ext>
+            </a:extLst>
+          </p:cNvPr>
+          <p:cNvSpPr/>
+          <p:nvPr/>
+        </p:nvSpPr>
+        <p:spPr>
+          <a:xfrm>
+            <a:off x="7867202" y="5214406"/>
+            <a:ext cx="137415" cy="776539"/>
+          </a:xfrm>
+          <a:prstGeom prst="downArrow">
+            <a:avLst/>
+          </a:prstGeom>
+        </p:spPr>
+        <p:style>
+          <a:lnRef idx="2">
+            <a:schemeClr val="accent1">
+              <a:shade val="50000"/>
+            </a:schemeClr>
+          </a:lnRef>
+          <a:fillRef idx="1">
+            <a:schemeClr val="accent1"/>
+          </a:fillRef>
+          <a:effectRef idx="0">
+            <a:schemeClr val="accent1"/>
+          </a:effectRef>
+          <a:fontRef idx="minor">
+            <a:schemeClr val="lt1"/>
+          </a:fontRef>
+        </p:style>
+        <p:txBody>
+          <a:bodyPr rtlCol="0" anchor="ctr"/>
+          <a:lstStyle/>
+          <a:p>
+            <a:pPr algn="ctr"/>
+            <a:endParaRPr lang="en-US" dirty="0"/>
+          </a:p>
+        </p:txBody>
+      </p:sp>
+      <p:sp>
+        <p:nvSpPr>
+          <p:cNvPr id="78" name="TextBox 77">
+            <a:extLst>
+              <a:ext uri="{FF2B5EF4-FFF2-40B4-BE49-F238E27FC236}">
+                <a16:creationId xmlns:a16="http://schemas.microsoft.com/office/drawing/2014/main" id="{D63787BC-81F5-4023-8BE1-07A4FAE86C62}"/>
+              </a:ext>
+            </a:extLst>
+          </p:cNvPr>
+          <p:cNvSpPr txBox="1"/>
+          <p:nvPr/>
+        </p:nvSpPr>
+        <p:spPr>
+          <a:xfrm>
+            <a:off x="7970520" y="5379721"/>
+            <a:ext cx="936463" cy="303481"/>
+          </a:xfrm>
+          <a:prstGeom prst="rect">
+            <a:avLst/>
+          </a:prstGeom>
+          <a:noFill/>
+        </p:spPr>
+        <p:txBody>
+          <a:bodyPr wrap="square" rtlCol="0">
+            <a:spAutoFit/>
+          </a:bodyPr>
+          <a:lstStyle/>
+          <a:p>
+            <a:r>
+              <a:rPr lang="en-US" sz="1372" b="1" dirty="0">
+                <a:solidFill>
+                  <a:schemeClr val="accent6"/>
+                </a:solidFill>
+              </a:rPr>
+              <a:t>PROPS</a:t>
+            </a:r>
+          </a:p>
+        </p:txBody>
+      </p:sp>
+      <p:sp>
+        <p:nvSpPr>
+          <p:cNvPr id="79" name="Arrow: Right 78">
+            <a:extLst>
+              <a:ext uri="{FF2B5EF4-FFF2-40B4-BE49-F238E27FC236}">
+                <a16:creationId xmlns:a16="http://schemas.microsoft.com/office/drawing/2014/main" id="{50D8FB48-D888-430D-A77E-DBF01CEE4F2D}"/>
+              </a:ext>
+            </a:extLst>
+          </p:cNvPr>
+          <p:cNvSpPr/>
+          <p:nvPr/>
+        </p:nvSpPr>
+        <p:spPr>
+          <a:xfrm>
+            <a:off x="6644721" y="6259477"/>
+            <a:ext cx="474539" cy="216252"/>
+          </a:xfrm>
+          <a:prstGeom prst="rightArrow">
+            <a:avLst/>
+          </a:prstGeom>
+          <a:solidFill>
+            <a:srgbClr val="FFFF00"/>
+          </a:solidFill>
+          <a:ln>
+            <a:solidFill>
+              <a:schemeClr val="tx1"/>
+            </a:solidFill>
+          </a:ln>
+        </p:spPr>
+        <p:style>
+          <a:lnRef idx="2">
+            <a:schemeClr val="accent1">
+              <a:shade val="50000"/>
+            </a:schemeClr>
+          </a:lnRef>
+          <a:fillRef idx="1">
+            <a:schemeClr val="accent1"/>
+          </a:fillRef>
+          <a:effectRef idx="0">
+            <a:schemeClr val="accent1"/>
+          </a:effectRef>
+          <a:fontRef idx="minor">
+            <a:schemeClr val="lt1"/>
+          </a:fontRef>
+        </p:style>
+        <p:txBody>
+          <a:bodyPr rtlCol="0" anchor="ctr"/>
+          <a:lstStyle/>
+          <a:p>
+            <a:pPr algn="ctr"/>
+            <a:endParaRPr lang="en-US"/>
+          </a:p>
+        </p:txBody>
+      </p:sp>
+      <p:sp>
+        <p:nvSpPr>
+          <p:cNvPr id="82" name="TextBox 81">
+            <a:extLst>
+              <a:ext uri="{FF2B5EF4-FFF2-40B4-BE49-F238E27FC236}">
+                <a16:creationId xmlns:a16="http://schemas.microsoft.com/office/drawing/2014/main" id="{0D78942C-6F3C-4DF6-AF45-BC0A71FB2760}"/>
+              </a:ext>
+            </a:extLst>
+          </p:cNvPr>
+          <p:cNvSpPr txBox="1"/>
+          <p:nvPr/>
+        </p:nvSpPr>
+        <p:spPr>
+          <a:xfrm>
+            <a:off x="6568747" y="5982858"/>
+            <a:ext cx="859086" cy="303481"/>
+          </a:xfrm>
+          <a:prstGeom prst="rect">
+            <a:avLst/>
+          </a:prstGeom>
+          <a:noFill/>
+        </p:spPr>
+        <p:txBody>
+          <a:bodyPr wrap="square" rtlCol="0">
+            <a:spAutoFit/>
+          </a:bodyPr>
+          <a:lstStyle/>
+          <a:p>
+            <a:r>
+              <a:rPr lang="en-US" sz="1372" b="1" dirty="0">
+                <a:solidFill>
+                  <a:srgbClr val="FF0000"/>
+                </a:solidFill>
+              </a:rPr>
+              <a:t>INJECT</a:t>
+            </a:r>
+          </a:p>
+        </p:txBody>
+      </p:sp>
+      <p:sp>
+        <p:nvSpPr>
+          <p:cNvPr id="83" name="TextBox 82">
+            <a:extLst>
+              <a:ext uri="{FF2B5EF4-FFF2-40B4-BE49-F238E27FC236}">
+                <a16:creationId xmlns:a16="http://schemas.microsoft.com/office/drawing/2014/main" id="{268CC550-D26E-440E-A05C-71D1AF4D7087}"/>
+              </a:ext>
+            </a:extLst>
+          </p:cNvPr>
+          <p:cNvSpPr txBox="1"/>
+          <p:nvPr/>
+        </p:nvSpPr>
+        <p:spPr>
+          <a:xfrm>
+            <a:off x="6376492" y="6394975"/>
+            <a:ext cx="931523" cy="303481"/>
+          </a:xfrm>
+          <a:prstGeom prst="rect">
+            <a:avLst/>
+          </a:prstGeom>
+          <a:noFill/>
+        </p:spPr>
+        <p:txBody>
+          <a:bodyPr wrap="square" rtlCol="0">
+            <a:spAutoFit/>
+          </a:bodyPr>
+          <a:lstStyle/>
+          <a:p>
+            <a:r>
+              <a:rPr lang="en-US" sz="1372" b="1" dirty="0" err="1">
+                <a:solidFill>
+                  <a:schemeClr val="accent1"/>
+                </a:solidFill>
+              </a:rPr>
+              <a:t>eventList</a:t>
+            </a:r>
+            <a:endParaRPr lang="en-US" sz="1372" b="1" dirty="0">
+              <a:solidFill>
+                <a:schemeClr val="accent1"/>
+              </a:solidFill>
+            </a:endParaRPr>
+          </a:p>
+        </p:txBody>
+      </p:sp>
+      <p:sp>
+        <p:nvSpPr>
+          <p:cNvPr id="84" name="TextBox 83">
+            <a:extLst>
+              <a:ext uri="{FF2B5EF4-FFF2-40B4-BE49-F238E27FC236}">
+                <a16:creationId xmlns:a16="http://schemas.microsoft.com/office/drawing/2014/main" id="{44A4AF34-999B-4EBB-ABB2-C2DEED0D1A22}"/>
+              </a:ext>
+            </a:extLst>
+          </p:cNvPr>
+          <p:cNvSpPr txBox="1"/>
+          <p:nvPr/>
+        </p:nvSpPr>
+        <p:spPr>
+          <a:xfrm>
+            <a:off x="7968173" y="5657780"/>
+            <a:ext cx="1026406" cy="303481"/>
+          </a:xfrm>
+          <a:prstGeom prst="rect">
+            <a:avLst/>
+          </a:prstGeom>
+          <a:noFill/>
+        </p:spPr>
+        <p:txBody>
+          <a:bodyPr wrap="square" rtlCol="0">
+            <a:spAutoFit/>
+          </a:bodyPr>
+          <a:lstStyle/>
+          <a:p>
+            <a:r>
+              <a:rPr lang="en-US" sz="1372" b="1" dirty="0" err="1">
+                <a:solidFill>
+                  <a:schemeClr val="accent1"/>
+                </a:solidFill>
+              </a:rPr>
+              <a:t>myEventId</a:t>
+            </a:r>
+            <a:endParaRPr lang="en-US" sz="1372" b="1" dirty="0">
+              <a:solidFill>
+                <a:schemeClr val="accent1"/>
+              </a:solidFill>
+            </a:endParaRPr>
+          </a:p>
+        </p:txBody>
+      </p:sp>
+      <p:sp>
+        <p:nvSpPr>
+          <p:cNvPr id="85" name="Arrow: Down 84">
+            <a:extLst>
+              <a:ext uri="{FF2B5EF4-FFF2-40B4-BE49-F238E27FC236}">
+                <a16:creationId xmlns:a16="http://schemas.microsoft.com/office/drawing/2014/main" id="{CD515072-DEF3-4E4B-B746-6628B76706ED}"/>
+              </a:ext>
+            </a:extLst>
+          </p:cNvPr>
+          <p:cNvSpPr/>
+          <p:nvPr/>
+        </p:nvSpPr>
+        <p:spPr>
+          <a:xfrm>
+            <a:off x="6435330" y="4582394"/>
+            <a:ext cx="146589" cy="487756"/>
+          </a:xfrm>
+          <a:prstGeom prst="downArrow">
+            <a:avLst/>
+          </a:prstGeom>
+        </p:spPr>
+        <p:style>
+          <a:lnRef idx="2">
+            <a:schemeClr val="accent1">
+              <a:shade val="50000"/>
+            </a:schemeClr>
+          </a:lnRef>
+          <a:fillRef idx="1">
+            <a:schemeClr val="accent1"/>
+          </a:fillRef>
+          <a:effectRef idx="0">
+            <a:schemeClr val="accent1"/>
+          </a:effectRef>
+          <a:fontRef idx="minor">
+            <a:schemeClr val="lt1"/>
+          </a:fontRef>
+        </p:style>
+        <p:txBody>
+          <a:bodyPr rtlCol="0" anchor="ctr"/>
+          <a:lstStyle/>
+          <a:p>
+            <a:pPr algn="ctr"/>
+            <a:endParaRPr lang="en-US"/>
+          </a:p>
+        </p:txBody>
+      </p:sp>
+      <p:sp>
+        <p:nvSpPr>
+          <p:cNvPr id="86" name="TextBox 85">
+            <a:extLst>
+              <a:ext uri="{FF2B5EF4-FFF2-40B4-BE49-F238E27FC236}">
+                <a16:creationId xmlns:a16="http://schemas.microsoft.com/office/drawing/2014/main" id="{B1E9A901-4D74-4B57-9EAB-B37CC6E7AFC8}"/>
+              </a:ext>
+            </a:extLst>
+          </p:cNvPr>
+          <p:cNvSpPr txBox="1"/>
+          <p:nvPr/>
+        </p:nvSpPr>
+        <p:spPr>
+          <a:xfrm>
+            <a:off x="6505745" y="4685451"/>
+            <a:ext cx="931523" cy="303481"/>
+          </a:xfrm>
+          <a:prstGeom prst="rect">
+            <a:avLst/>
+          </a:prstGeom>
+          <a:noFill/>
+        </p:spPr>
+        <p:txBody>
+          <a:bodyPr wrap="square" rtlCol="0">
+            <a:spAutoFit/>
+          </a:bodyPr>
+          <a:lstStyle/>
+          <a:p>
+            <a:r>
+              <a:rPr lang="en-US" sz="1372" b="1" dirty="0">
+                <a:solidFill>
+                  <a:schemeClr val="accent6"/>
+                </a:solidFill>
+              </a:rPr>
+              <a:t>PROPS</a:t>
+            </a:r>
+          </a:p>
+        </p:txBody>
+      </p:sp>
+      <p:sp>
+        <p:nvSpPr>
+          <p:cNvPr id="87" name="TextBox 86">
+            <a:extLst>
+              <a:ext uri="{FF2B5EF4-FFF2-40B4-BE49-F238E27FC236}">
+                <a16:creationId xmlns:a16="http://schemas.microsoft.com/office/drawing/2014/main" id="{432412BF-63B3-443B-9A52-CC5B903C2807}"/>
+              </a:ext>
+            </a:extLst>
+          </p:cNvPr>
+          <p:cNvSpPr txBox="1"/>
+          <p:nvPr/>
+        </p:nvSpPr>
+        <p:spPr>
+          <a:xfrm rot="5400000">
+            <a:off x="6853721" y="3514709"/>
+            <a:ext cx="2333331" cy="303481"/>
+          </a:xfrm>
+          <a:prstGeom prst="rect">
+            <a:avLst/>
+          </a:prstGeom>
+          <a:noFill/>
+        </p:spPr>
+        <p:txBody>
+          <a:bodyPr wrap="none" rtlCol="0">
+            <a:spAutoFit/>
+          </a:bodyPr>
+          <a:lstStyle/>
+          <a:p>
+            <a:r>
+              <a:rPr lang="en-US" sz="1372" b="1" dirty="0"/>
+              <a:t>/</a:t>
+            </a:r>
+            <a:r>
+              <a:rPr lang="en-US" sz="1372" b="1" dirty="0" err="1"/>
+              <a:t>myEvents</a:t>
+            </a:r>
+            <a:r>
+              <a:rPr lang="en-US" sz="1372" b="1" dirty="0"/>
+              <a:t>/category/:</a:t>
+            </a:r>
+            <a:r>
+              <a:rPr lang="en-US" sz="1372" b="1" dirty="0" err="1"/>
+              <a:t>eventId</a:t>
+            </a:r>
+            <a:endParaRPr lang="en-US" sz="1372" b="1" dirty="0"/>
+          </a:p>
+        </p:txBody>
+      </p:sp>
+      <p:sp>
+        <p:nvSpPr>
+          <p:cNvPr id="88" name="Rounded Rectangle 16">
+            <a:extLst>
+              <a:ext uri="{FF2B5EF4-FFF2-40B4-BE49-F238E27FC236}">
+                <a16:creationId xmlns:a16="http://schemas.microsoft.com/office/drawing/2014/main" id="{E4165C23-46F6-4396-B073-8A2EE63B0AFD}"/>
+              </a:ext>
+            </a:extLst>
+          </p:cNvPr>
+          <p:cNvSpPr/>
+          <p:nvPr/>
+        </p:nvSpPr>
+        <p:spPr>
+          <a:xfrm>
+            <a:off x="9120626" y="3609619"/>
+            <a:ext cx="1650319" cy="574489"/>
+          </a:xfrm>
+          <a:prstGeom prst="roundRect">
+            <a:avLst/>
+          </a:prstGeom>
+          <a:noFill/>
+          <a:ln>
+            <a:solidFill>
+              <a:srgbClr val="FF0000"/>
+            </a:solidFill>
+            <a:prstDash val="lgDash"/>
+          </a:ln>
+        </p:spPr>
+        <p:style>
+          <a:lnRef idx="2">
+            <a:schemeClr val="accent1">
+              <a:shade val="50000"/>
+            </a:schemeClr>
+          </a:lnRef>
+          <a:fillRef idx="1">
+            <a:schemeClr val="accent1"/>
+          </a:fillRef>
+          <a:effectRef idx="0">
+            <a:schemeClr val="accent1"/>
+          </a:effectRef>
+          <a:fontRef idx="minor">
+            <a:schemeClr val="lt1"/>
+          </a:fontRef>
+        </p:style>
+        <p:txBody>
+          <a:bodyPr rtlCol="0" anchor="ctr"/>
+          <a:lstStyle/>
+          <a:p>
+            <a:pPr algn="ctr"/>
+            <a:endParaRPr lang="en-US" sz="1372" dirty="0"/>
+          </a:p>
+        </p:txBody>
+      </p:sp>
+      <p:sp>
+        <p:nvSpPr>
+          <p:cNvPr id="89" name="TextBox 88">
+            <a:extLst>
+              <a:ext uri="{FF2B5EF4-FFF2-40B4-BE49-F238E27FC236}">
+                <a16:creationId xmlns:a16="http://schemas.microsoft.com/office/drawing/2014/main" id="{79B237C0-AF38-476D-95F4-34C9762A173A}"/>
+              </a:ext>
+            </a:extLst>
+          </p:cNvPr>
+          <p:cNvSpPr txBox="1"/>
+          <p:nvPr/>
+        </p:nvSpPr>
+        <p:spPr>
+          <a:xfrm>
+            <a:off x="9277283" y="3677274"/>
+            <a:ext cx="1480280" cy="303481"/>
+          </a:xfrm>
+          <a:prstGeom prst="rect">
+            <a:avLst/>
+          </a:prstGeom>
+          <a:noFill/>
+        </p:spPr>
+        <p:txBody>
+          <a:bodyPr wrap="square" rtlCol="0">
+            <a:spAutoFit/>
+          </a:bodyPr>
+          <a:lstStyle/>
+          <a:p>
+            <a:r>
+              <a:rPr lang="en-US" sz="1372" b="1" i="1" dirty="0">
+                <a:solidFill>
+                  <a:srgbClr val="FF0000"/>
+                </a:solidFill>
+              </a:rPr>
+              <a:t>&lt;Event-view&gt;</a:t>
+            </a:r>
+          </a:p>
+        </p:txBody>
+      </p:sp>
+      <p:sp>
+        <p:nvSpPr>
+          <p:cNvPr id="91" name="Arrow: Right 90">
+            <a:extLst>
+              <a:ext uri="{FF2B5EF4-FFF2-40B4-BE49-F238E27FC236}">
+                <a16:creationId xmlns:a16="http://schemas.microsoft.com/office/drawing/2014/main" id="{C411DFFD-8B3D-43B7-AB02-62215DDCE4DA}"/>
+              </a:ext>
+            </a:extLst>
+          </p:cNvPr>
+          <p:cNvSpPr/>
+          <p:nvPr/>
+        </p:nvSpPr>
+        <p:spPr>
+          <a:xfrm>
+            <a:off x="8478668" y="3756601"/>
+            <a:ext cx="497616" cy="234664"/>
+          </a:xfrm>
+          <a:prstGeom prst="rightArrow">
+            <a:avLst/>
+          </a:prstGeom>
+          <a:solidFill>
+            <a:srgbClr val="FFFF00"/>
+          </a:solidFill>
+          <a:ln>
+            <a:solidFill>
+              <a:schemeClr val="tx1"/>
+            </a:solidFill>
+          </a:ln>
+        </p:spPr>
+        <p:style>
+          <a:lnRef idx="2">
+            <a:schemeClr val="accent1">
+              <a:shade val="50000"/>
+            </a:schemeClr>
+          </a:lnRef>
+          <a:fillRef idx="1">
+            <a:schemeClr val="accent1"/>
+          </a:fillRef>
+          <a:effectRef idx="0">
+            <a:schemeClr val="accent1"/>
+          </a:effectRef>
+          <a:fontRef idx="minor">
+            <a:schemeClr val="lt1"/>
+          </a:fontRef>
+        </p:style>
+        <p:txBody>
+          <a:bodyPr rtlCol="0" anchor="ctr"/>
+          <a:lstStyle/>
+          <a:p>
+            <a:pPr algn="ctr"/>
+            <a:endParaRPr lang="en-US"/>
+          </a:p>
+        </p:txBody>
+      </p:sp>
+      <p:sp>
+        <p:nvSpPr>
+          <p:cNvPr id="92" name="Rounded Rectangle 16">
+            <a:extLst>
+              <a:ext uri="{FF2B5EF4-FFF2-40B4-BE49-F238E27FC236}">
+                <a16:creationId xmlns:a16="http://schemas.microsoft.com/office/drawing/2014/main" id="{A0DC2B5D-4E8C-4F96-A5FF-79D168944DA4}"/>
+              </a:ext>
+            </a:extLst>
+          </p:cNvPr>
+          <p:cNvSpPr/>
+          <p:nvPr/>
+        </p:nvSpPr>
+        <p:spPr>
+          <a:xfrm>
+            <a:off x="9126385" y="4661881"/>
+            <a:ext cx="1650319" cy="582779"/>
+          </a:xfrm>
+          <a:prstGeom prst="roundRect">
+            <a:avLst/>
+          </a:prstGeom>
+          <a:noFill/>
+          <a:ln>
+            <a:solidFill>
+              <a:srgbClr val="FF0000"/>
+            </a:solidFill>
+            <a:prstDash val="lgDash"/>
+          </a:ln>
+        </p:spPr>
+        <p:style>
+          <a:lnRef idx="2">
+            <a:schemeClr val="accent1">
+              <a:shade val="50000"/>
+            </a:schemeClr>
+          </a:lnRef>
+          <a:fillRef idx="1">
+            <a:schemeClr val="accent1"/>
+          </a:fillRef>
+          <a:effectRef idx="0">
+            <a:schemeClr val="accent1"/>
+          </a:effectRef>
+          <a:fontRef idx="minor">
+            <a:schemeClr val="lt1"/>
+          </a:fontRef>
+        </p:style>
+        <p:txBody>
+          <a:bodyPr rtlCol="0" anchor="ctr"/>
+          <a:lstStyle/>
+          <a:p>
+            <a:pPr algn="ctr"/>
+            <a:endParaRPr lang="en-US" sz="1372"/>
+          </a:p>
+        </p:txBody>
+      </p:sp>
+      <p:sp>
+        <p:nvSpPr>
+          <p:cNvPr id="93" name="TextBox 92">
+            <a:extLst>
+              <a:ext uri="{FF2B5EF4-FFF2-40B4-BE49-F238E27FC236}">
+                <a16:creationId xmlns:a16="http://schemas.microsoft.com/office/drawing/2014/main" id="{2FEB2AE4-7F25-4500-935D-FC8B9ECB4A01}"/>
+              </a:ext>
+            </a:extLst>
+          </p:cNvPr>
+          <p:cNvSpPr txBox="1"/>
+          <p:nvPr/>
+        </p:nvSpPr>
+        <p:spPr>
+          <a:xfrm>
+            <a:off x="9318301" y="4729278"/>
+            <a:ext cx="1358684" cy="303481"/>
+          </a:xfrm>
+          <a:prstGeom prst="rect">
+            <a:avLst/>
+          </a:prstGeom>
+          <a:noFill/>
+        </p:spPr>
+        <p:txBody>
+          <a:bodyPr wrap="square" rtlCol="0">
+            <a:spAutoFit/>
+          </a:bodyPr>
+          <a:lstStyle/>
+          <a:p>
+            <a:r>
+              <a:rPr lang="en-US" sz="1372" b="1" i="1" dirty="0">
+                <a:solidFill>
+                  <a:srgbClr val="FF0000"/>
+                </a:solidFill>
+              </a:rPr>
+              <a:t>&lt;Event-card&gt;</a:t>
+            </a:r>
+          </a:p>
+        </p:txBody>
+      </p:sp>
+      <p:sp>
+        <p:nvSpPr>
+          <p:cNvPr id="94" name="TextBox 93">
+            <a:extLst>
+              <a:ext uri="{FF2B5EF4-FFF2-40B4-BE49-F238E27FC236}">
+                <a16:creationId xmlns:a16="http://schemas.microsoft.com/office/drawing/2014/main" id="{FD2C16A6-4525-4FAF-87B0-5C9B0554324A}"/>
+              </a:ext>
+            </a:extLst>
+          </p:cNvPr>
+          <p:cNvSpPr txBox="1"/>
+          <p:nvPr/>
+        </p:nvSpPr>
+        <p:spPr>
+          <a:xfrm>
+            <a:off x="9186600" y="4360052"/>
+            <a:ext cx="931523" cy="303481"/>
+          </a:xfrm>
+          <a:prstGeom prst="rect">
+            <a:avLst/>
+          </a:prstGeom>
+          <a:noFill/>
+        </p:spPr>
+        <p:txBody>
+          <a:bodyPr wrap="square" rtlCol="0">
+            <a:spAutoFit/>
+          </a:bodyPr>
+          <a:lstStyle/>
+          <a:p>
+            <a:r>
+              <a:rPr lang="en-US" sz="1372" b="1" dirty="0">
+                <a:solidFill>
+                  <a:schemeClr val="accent1"/>
+                </a:solidFill>
+              </a:rPr>
+              <a:t>event</a:t>
+            </a:r>
+          </a:p>
+        </p:txBody>
+      </p:sp>
+      <p:sp>
+        <p:nvSpPr>
+          <p:cNvPr id="95" name="Rounded Rectangle 16">
+            <a:extLst>
+              <a:ext uri="{FF2B5EF4-FFF2-40B4-BE49-F238E27FC236}">
+                <a16:creationId xmlns:a16="http://schemas.microsoft.com/office/drawing/2014/main" id="{CBDA43AD-50BA-4DFB-B413-6F962834A8F9}"/>
+              </a:ext>
+            </a:extLst>
+          </p:cNvPr>
+          <p:cNvSpPr/>
+          <p:nvPr/>
+        </p:nvSpPr>
+        <p:spPr>
+          <a:xfrm>
+            <a:off x="10496234" y="5868350"/>
+            <a:ext cx="1650319" cy="582779"/>
+          </a:xfrm>
+          <a:prstGeom prst="roundRect">
+            <a:avLst/>
+          </a:prstGeom>
+          <a:noFill/>
+          <a:ln>
+            <a:solidFill>
+              <a:srgbClr val="FF0000"/>
+            </a:solidFill>
+            <a:prstDash val="lgDash"/>
+          </a:ln>
+        </p:spPr>
+        <p:style>
+          <a:lnRef idx="2">
+            <a:schemeClr val="accent1">
+              <a:shade val="50000"/>
+            </a:schemeClr>
+          </a:lnRef>
+          <a:fillRef idx="1">
+            <a:schemeClr val="accent1"/>
+          </a:fillRef>
+          <a:effectRef idx="0">
+            <a:schemeClr val="accent1"/>
+          </a:effectRef>
+          <a:fontRef idx="minor">
+            <a:schemeClr val="lt1"/>
+          </a:fontRef>
+        </p:style>
+        <p:txBody>
+          <a:bodyPr rtlCol="0" anchor="ctr"/>
+          <a:lstStyle/>
+          <a:p>
+            <a:pPr algn="ctr"/>
+            <a:endParaRPr lang="en-US" sz="1372"/>
+          </a:p>
+        </p:txBody>
+      </p:sp>
+      <p:sp>
+        <p:nvSpPr>
+          <p:cNvPr id="96" name="TextBox 95">
+            <a:extLst>
+              <a:ext uri="{FF2B5EF4-FFF2-40B4-BE49-F238E27FC236}">
+                <a16:creationId xmlns:a16="http://schemas.microsoft.com/office/drawing/2014/main" id="{206A6A59-6BCB-4F22-A5F2-8EB350B07423}"/>
+              </a:ext>
+            </a:extLst>
+          </p:cNvPr>
+          <p:cNvSpPr txBox="1"/>
+          <p:nvPr/>
+        </p:nvSpPr>
+        <p:spPr>
+          <a:xfrm>
+            <a:off x="10666156" y="5895016"/>
+            <a:ext cx="1473103" cy="303481"/>
+          </a:xfrm>
+          <a:prstGeom prst="rect">
+            <a:avLst/>
+          </a:prstGeom>
+          <a:noFill/>
+        </p:spPr>
+        <p:txBody>
+          <a:bodyPr wrap="square" rtlCol="0">
+            <a:spAutoFit/>
+          </a:bodyPr>
+          <a:lstStyle/>
+          <a:p>
+            <a:r>
+              <a:rPr lang="en-US" sz="1372" b="1" i="1" dirty="0">
+                <a:solidFill>
+                  <a:srgbClr val="FF0000"/>
+                </a:solidFill>
+              </a:rPr>
+              <a:t>&lt;event-Detail&gt;</a:t>
+            </a:r>
+          </a:p>
+        </p:txBody>
+      </p:sp>
+      <p:sp>
+        <p:nvSpPr>
+          <p:cNvPr id="97" name="Arrow: Down 96">
+            <a:extLst>
+              <a:ext uri="{FF2B5EF4-FFF2-40B4-BE49-F238E27FC236}">
+                <a16:creationId xmlns:a16="http://schemas.microsoft.com/office/drawing/2014/main" id="{FBB6C98F-B7E1-4726-BF35-F20E1312919D}"/>
+              </a:ext>
+            </a:extLst>
+          </p:cNvPr>
+          <p:cNvSpPr/>
+          <p:nvPr/>
+        </p:nvSpPr>
+        <p:spPr>
+          <a:xfrm>
+            <a:off x="11323656" y="5131923"/>
+            <a:ext cx="79051" cy="665688"/>
+          </a:xfrm>
+          <a:prstGeom prst="downArrow">
+            <a:avLst/>
+          </a:prstGeom>
+        </p:spPr>
+        <p:style>
+          <a:lnRef idx="2">
+            <a:schemeClr val="accent1">
+              <a:shade val="50000"/>
+            </a:schemeClr>
+          </a:lnRef>
+          <a:fillRef idx="1">
+            <a:schemeClr val="accent1"/>
+          </a:fillRef>
+          <a:effectRef idx="0">
+            <a:schemeClr val="accent1"/>
+          </a:effectRef>
+          <a:fontRef idx="minor">
+            <a:schemeClr val="lt1"/>
+          </a:fontRef>
+        </p:style>
+        <p:txBody>
+          <a:bodyPr rtlCol="0" anchor="ctr"/>
+          <a:lstStyle/>
+          <a:p>
+            <a:pPr algn="ctr"/>
+            <a:endParaRPr lang="en-US"/>
+          </a:p>
+        </p:txBody>
+      </p:sp>
+      <p:sp>
+        <p:nvSpPr>
+          <p:cNvPr id="98" name="TextBox 97">
+            <a:extLst>
+              <a:ext uri="{FF2B5EF4-FFF2-40B4-BE49-F238E27FC236}">
+                <a16:creationId xmlns:a16="http://schemas.microsoft.com/office/drawing/2014/main" id="{7E7217D7-847E-4639-8AC2-F42731F073B8}"/>
+              </a:ext>
+            </a:extLst>
+          </p:cNvPr>
+          <p:cNvSpPr txBox="1"/>
+          <p:nvPr/>
+        </p:nvSpPr>
+        <p:spPr>
+          <a:xfrm>
+            <a:off x="11343476" y="5286816"/>
+            <a:ext cx="931523" cy="303481"/>
+          </a:xfrm>
+          <a:prstGeom prst="rect">
+            <a:avLst/>
+          </a:prstGeom>
+          <a:noFill/>
+        </p:spPr>
+        <p:txBody>
+          <a:bodyPr wrap="square" rtlCol="0">
+            <a:spAutoFit/>
+          </a:bodyPr>
+          <a:lstStyle/>
+          <a:p>
+            <a:r>
+              <a:rPr lang="en-US" sz="1372" b="1" dirty="0">
+                <a:solidFill>
+                  <a:schemeClr val="accent6"/>
+                </a:solidFill>
+              </a:rPr>
+              <a:t>PROPS</a:t>
+            </a:r>
+          </a:p>
+        </p:txBody>
+      </p:sp>
+      <p:sp>
+        <p:nvSpPr>
+          <p:cNvPr id="99" name="Arrow: Right 98">
+            <a:extLst>
+              <a:ext uri="{FF2B5EF4-FFF2-40B4-BE49-F238E27FC236}">
+                <a16:creationId xmlns:a16="http://schemas.microsoft.com/office/drawing/2014/main" id="{637DA1A5-9D39-4AB9-932E-F74275C07B31}"/>
+              </a:ext>
+            </a:extLst>
+          </p:cNvPr>
+          <p:cNvSpPr/>
+          <p:nvPr/>
+        </p:nvSpPr>
+        <p:spPr>
+          <a:xfrm>
+            <a:off x="9997820" y="6046757"/>
+            <a:ext cx="474539" cy="216252"/>
+          </a:xfrm>
+          <a:prstGeom prst="rightArrow">
+            <a:avLst/>
+          </a:prstGeom>
+          <a:solidFill>
+            <a:srgbClr val="FFFF00"/>
+          </a:solidFill>
+          <a:ln>
+            <a:solidFill>
+              <a:schemeClr val="tx1"/>
+            </a:solidFill>
+          </a:ln>
+        </p:spPr>
+        <p:style>
+          <a:lnRef idx="2">
+            <a:schemeClr val="accent1">
+              <a:shade val="50000"/>
+            </a:schemeClr>
+          </a:lnRef>
+          <a:fillRef idx="1">
+            <a:schemeClr val="accent1"/>
+          </a:fillRef>
+          <a:effectRef idx="0">
+            <a:schemeClr val="accent1"/>
+          </a:effectRef>
+          <a:fontRef idx="minor">
+            <a:schemeClr val="lt1"/>
+          </a:fontRef>
+        </p:style>
+        <p:txBody>
+          <a:bodyPr rtlCol="0" anchor="ctr"/>
+          <a:lstStyle/>
+          <a:p>
+            <a:pPr algn="ctr"/>
+            <a:endParaRPr lang="en-US"/>
+          </a:p>
+        </p:txBody>
+      </p:sp>
+      <p:sp>
+        <p:nvSpPr>
+          <p:cNvPr id="100" name="TextBox 99">
+            <a:extLst>
+              <a:ext uri="{FF2B5EF4-FFF2-40B4-BE49-F238E27FC236}">
+                <a16:creationId xmlns:a16="http://schemas.microsoft.com/office/drawing/2014/main" id="{38984528-D57C-4071-B09E-F80765248A4B}"/>
+              </a:ext>
+            </a:extLst>
+          </p:cNvPr>
+          <p:cNvSpPr txBox="1"/>
+          <p:nvPr/>
+        </p:nvSpPr>
+        <p:spPr>
+          <a:xfrm>
+            <a:off x="11362366" y="5474652"/>
+            <a:ext cx="843622" cy="303481"/>
+          </a:xfrm>
+          <a:prstGeom prst="rect">
+            <a:avLst/>
+          </a:prstGeom>
+          <a:noFill/>
+        </p:spPr>
+        <p:txBody>
+          <a:bodyPr wrap="square" rtlCol="0">
+            <a:spAutoFit/>
+          </a:bodyPr>
+          <a:lstStyle/>
+          <a:p>
+            <a:r>
+              <a:rPr lang="en-US" sz="1372" b="1" dirty="0" err="1">
+                <a:solidFill>
+                  <a:schemeClr val="accent1"/>
+                </a:solidFill>
+              </a:rPr>
+              <a:t>EventId</a:t>
+            </a:r>
+            <a:endParaRPr lang="en-US" sz="1372" b="1" dirty="0">
+              <a:solidFill>
+                <a:schemeClr val="accent1"/>
+              </a:solidFill>
+            </a:endParaRPr>
+          </a:p>
+        </p:txBody>
+      </p:sp>
+      <p:sp>
+        <p:nvSpPr>
+          <p:cNvPr id="101" name="Arrow: Down 100">
+            <a:extLst>
+              <a:ext uri="{FF2B5EF4-FFF2-40B4-BE49-F238E27FC236}">
+                <a16:creationId xmlns:a16="http://schemas.microsoft.com/office/drawing/2014/main" id="{D5A4C8FB-5BA5-4E49-9F3E-5BCA0E1A39CE}"/>
+              </a:ext>
+            </a:extLst>
+          </p:cNvPr>
+          <p:cNvSpPr/>
+          <p:nvPr/>
+        </p:nvSpPr>
+        <p:spPr>
+          <a:xfrm>
+            <a:off x="9845181" y="4186382"/>
+            <a:ext cx="146589" cy="487756"/>
+          </a:xfrm>
+          <a:prstGeom prst="downArrow">
+            <a:avLst/>
+          </a:prstGeom>
+        </p:spPr>
+        <p:style>
+          <a:lnRef idx="2">
+            <a:schemeClr val="accent1">
+              <a:shade val="50000"/>
+            </a:schemeClr>
+          </a:lnRef>
+          <a:fillRef idx="1">
+            <a:schemeClr val="accent1"/>
+          </a:fillRef>
+          <a:effectRef idx="0">
+            <a:schemeClr val="accent1"/>
+          </a:effectRef>
+          <a:fontRef idx="minor">
+            <a:schemeClr val="lt1"/>
+          </a:fontRef>
+        </p:style>
+        <p:txBody>
+          <a:bodyPr rtlCol="0" anchor="ctr"/>
+          <a:lstStyle/>
+          <a:p>
+            <a:pPr algn="ctr"/>
+            <a:endParaRPr lang="en-US"/>
+          </a:p>
+        </p:txBody>
+      </p:sp>
+      <p:sp>
+        <p:nvSpPr>
+          <p:cNvPr id="102" name="TextBox 101">
+            <a:extLst>
+              <a:ext uri="{FF2B5EF4-FFF2-40B4-BE49-F238E27FC236}">
+                <a16:creationId xmlns:a16="http://schemas.microsoft.com/office/drawing/2014/main" id="{C6E1F17B-5B87-4302-84A9-EE83386104CE}"/>
+              </a:ext>
+            </a:extLst>
+          </p:cNvPr>
+          <p:cNvSpPr txBox="1"/>
+          <p:nvPr/>
+        </p:nvSpPr>
+        <p:spPr>
+          <a:xfrm>
+            <a:off x="9915596" y="4289439"/>
+            <a:ext cx="931523" cy="303481"/>
+          </a:xfrm>
+          <a:prstGeom prst="rect">
+            <a:avLst/>
+          </a:prstGeom>
+          <a:noFill/>
+        </p:spPr>
+        <p:txBody>
+          <a:bodyPr wrap="square" rtlCol="0">
+            <a:spAutoFit/>
+          </a:bodyPr>
+          <a:lstStyle/>
+          <a:p>
+            <a:r>
+              <a:rPr lang="en-US" sz="1372" b="1" dirty="0">
+                <a:solidFill>
+                  <a:schemeClr val="accent6"/>
+                </a:solidFill>
+              </a:rPr>
+              <a:t>PROPS</a:t>
+            </a:r>
+          </a:p>
+        </p:txBody>
+      </p:sp>
+      <p:sp>
+        <p:nvSpPr>
+          <p:cNvPr id="103" name="TextBox 102">
+            <a:extLst>
+              <a:ext uri="{FF2B5EF4-FFF2-40B4-BE49-F238E27FC236}">
+                <a16:creationId xmlns:a16="http://schemas.microsoft.com/office/drawing/2014/main" id="{77D0F29D-C178-4C02-8C89-68437F501F01}"/>
+              </a:ext>
+            </a:extLst>
+          </p:cNvPr>
+          <p:cNvSpPr txBox="1"/>
+          <p:nvPr/>
+        </p:nvSpPr>
+        <p:spPr>
+          <a:xfrm rot="5400000">
+            <a:off x="10331418" y="3555797"/>
+            <a:ext cx="2265552" cy="303481"/>
+          </a:xfrm>
+          <a:prstGeom prst="rect">
+            <a:avLst/>
+          </a:prstGeom>
+          <a:noFill/>
+        </p:spPr>
+        <p:txBody>
+          <a:bodyPr wrap="square" rtlCol="0">
+            <a:spAutoFit/>
+          </a:bodyPr>
+          <a:lstStyle/>
+          <a:p>
+            <a:r>
+              <a:rPr lang="en-US" sz="1372" b="1" dirty="0"/>
+              <a:t>/search/</a:t>
+            </a:r>
+            <a:r>
+              <a:rPr lang="en-US" sz="1372" b="1" dirty="0" err="1"/>
+              <a:t>eventTitle</a:t>
+            </a:r>
+            <a:r>
+              <a:rPr lang="en-US" sz="1372" b="1" dirty="0"/>
+              <a:t>/:</a:t>
+            </a:r>
+            <a:r>
+              <a:rPr lang="en-US" sz="1372" b="1" dirty="0" err="1"/>
+              <a:t>EventId</a:t>
+            </a:r>
+            <a:endParaRPr lang="en-US" sz="1372" b="1" dirty="0"/>
+          </a:p>
+        </p:txBody>
+      </p:sp>
+      <p:cxnSp>
+        <p:nvCxnSpPr>
+          <p:cNvPr id="34" name="Straight Arrow Connector 33">
+            <a:extLst>
+              <a:ext uri="{FF2B5EF4-FFF2-40B4-BE49-F238E27FC236}">
+                <a16:creationId xmlns:a16="http://schemas.microsoft.com/office/drawing/2014/main" id="{00088151-695A-45F5-8323-7BF336E99970}"/>
+              </a:ext>
+            </a:extLst>
+          </p:cNvPr>
+          <p:cNvCxnSpPr>
+            <a:cxnSpLocks/>
+          </p:cNvCxnSpPr>
+          <p:nvPr/>
+        </p:nvCxnSpPr>
+        <p:spPr>
+          <a:xfrm>
+            <a:off x="9784343" y="2212055"/>
+            <a:ext cx="41018" cy="1379515"/>
+          </a:xfrm>
+          <a:prstGeom prst="straightConnector1">
+            <a:avLst/>
+          </a:prstGeom>
+          <a:ln>
+            <a:tailEnd type="triangle"/>
+          </a:ln>
+        </p:spPr>
+        <p:style>
+          <a:lnRef idx="1">
+            <a:schemeClr val="accent1"/>
+          </a:lnRef>
+          <a:fillRef idx="0">
+            <a:schemeClr val="accent1"/>
+          </a:fillRef>
+          <a:effectRef idx="0">
+            <a:schemeClr val="accent1"/>
+          </a:effectRef>
+          <a:fontRef idx="minor">
+            <a:schemeClr val="tx1"/>
+          </a:fontRef>
+        </p:style>
+      </p:cxnSp>
+      <p:sp>
+        <p:nvSpPr>
+          <p:cNvPr id="104" name="TextBox 103">
+            <a:extLst>
+              <a:ext uri="{FF2B5EF4-FFF2-40B4-BE49-F238E27FC236}">
+                <a16:creationId xmlns:a16="http://schemas.microsoft.com/office/drawing/2014/main" id="{3FEBD93A-CED4-4D86-BABD-85A9B78665BC}"/>
+              </a:ext>
+            </a:extLst>
+          </p:cNvPr>
+          <p:cNvSpPr txBox="1"/>
+          <p:nvPr/>
+        </p:nvSpPr>
+        <p:spPr>
+          <a:xfrm>
+            <a:off x="9263623" y="2200125"/>
+            <a:ext cx="1585627" cy="303481"/>
+          </a:xfrm>
+          <a:prstGeom prst="rect">
+            <a:avLst/>
+          </a:prstGeom>
+          <a:noFill/>
+        </p:spPr>
+        <p:txBody>
+          <a:bodyPr wrap="none" rtlCol="0">
+            <a:spAutoFit/>
+          </a:bodyPr>
+          <a:lstStyle/>
+          <a:p>
+            <a:r>
+              <a:rPr lang="en-US" sz="1372" b="1" dirty="0"/>
+              <a:t>/search/:</a:t>
+            </a:r>
+            <a:r>
+              <a:rPr lang="en-US" sz="1372" b="1" dirty="0" err="1"/>
+              <a:t>eventTitle</a:t>
+            </a:r>
+            <a:endParaRPr lang="en-US" sz="1372" b="1" dirty="0"/>
+          </a:p>
+        </p:txBody>
+      </p:sp>
+      <p:sp>
+        <p:nvSpPr>
+          <p:cNvPr id="105" name="TextBox 104">
+            <a:extLst>
+              <a:ext uri="{FF2B5EF4-FFF2-40B4-BE49-F238E27FC236}">
+                <a16:creationId xmlns:a16="http://schemas.microsoft.com/office/drawing/2014/main" id="{D0833501-81D0-4139-BC9B-211B3988A41D}"/>
+              </a:ext>
+            </a:extLst>
+          </p:cNvPr>
+          <p:cNvSpPr txBox="1"/>
+          <p:nvPr/>
+        </p:nvSpPr>
+        <p:spPr>
+          <a:xfrm>
+            <a:off x="8341763" y="3952419"/>
+            <a:ext cx="931523" cy="303481"/>
+          </a:xfrm>
+          <a:prstGeom prst="rect">
+            <a:avLst/>
+          </a:prstGeom>
+          <a:noFill/>
+        </p:spPr>
+        <p:txBody>
+          <a:bodyPr wrap="square" rtlCol="0">
+            <a:spAutoFit/>
+          </a:bodyPr>
+          <a:lstStyle/>
+          <a:p>
+            <a:r>
+              <a:rPr lang="en-US" sz="1372" b="1" dirty="0" err="1">
+                <a:solidFill>
+                  <a:schemeClr val="accent1"/>
+                </a:solidFill>
+              </a:rPr>
+              <a:t>eventList</a:t>
+            </a:r>
+            <a:endParaRPr lang="en-US" sz="1372" b="1" dirty="0">
+              <a:solidFill>
+                <a:schemeClr val="accent1"/>
+              </a:solidFill>
+            </a:endParaRPr>
+          </a:p>
+        </p:txBody>
+      </p:sp>
+      <p:sp>
+        <p:nvSpPr>
+          <p:cNvPr id="106" name="TextBox 105">
+            <a:extLst>
+              <a:ext uri="{FF2B5EF4-FFF2-40B4-BE49-F238E27FC236}">
+                <a16:creationId xmlns:a16="http://schemas.microsoft.com/office/drawing/2014/main" id="{60AE57E0-D039-454D-B38B-356BF77DCEF7}"/>
+              </a:ext>
+            </a:extLst>
+          </p:cNvPr>
+          <p:cNvSpPr txBox="1"/>
+          <p:nvPr/>
+        </p:nvSpPr>
+        <p:spPr>
+          <a:xfrm>
+            <a:off x="8402400" y="3457919"/>
+            <a:ext cx="987289" cy="303481"/>
+          </a:xfrm>
+          <a:prstGeom prst="rect">
+            <a:avLst/>
+          </a:prstGeom>
+          <a:noFill/>
+        </p:spPr>
+        <p:txBody>
+          <a:bodyPr wrap="square" rtlCol="0">
+            <a:spAutoFit/>
+          </a:bodyPr>
+          <a:lstStyle/>
+          <a:p>
+            <a:r>
+              <a:rPr lang="en-US" sz="1372" b="1" dirty="0">
+                <a:solidFill>
+                  <a:srgbClr val="FF0000"/>
+                </a:solidFill>
+              </a:rPr>
+              <a:t>INJECT</a:t>
+            </a:r>
+          </a:p>
+        </p:txBody>
+      </p:sp>
+      <p:sp>
+        <p:nvSpPr>
+          <p:cNvPr id="107" name="TextBox 106">
+            <a:extLst>
+              <a:ext uri="{FF2B5EF4-FFF2-40B4-BE49-F238E27FC236}">
+                <a16:creationId xmlns:a16="http://schemas.microsoft.com/office/drawing/2014/main" id="{9F90D34B-0094-442C-BC27-2A7FACC525B0}"/>
+              </a:ext>
+            </a:extLst>
+          </p:cNvPr>
+          <p:cNvSpPr txBox="1"/>
+          <p:nvPr/>
+        </p:nvSpPr>
+        <p:spPr>
+          <a:xfrm>
+            <a:off x="9801349" y="3040117"/>
+            <a:ext cx="931523" cy="303481"/>
+          </a:xfrm>
+          <a:prstGeom prst="rect">
+            <a:avLst/>
+          </a:prstGeom>
+          <a:noFill/>
+        </p:spPr>
+        <p:txBody>
+          <a:bodyPr wrap="square" rtlCol="0">
+            <a:spAutoFit/>
+          </a:bodyPr>
+          <a:lstStyle/>
+          <a:p>
+            <a:r>
+              <a:rPr lang="en-US" sz="1372" b="1" dirty="0">
+                <a:solidFill>
+                  <a:schemeClr val="accent6"/>
+                </a:solidFill>
+              </a:rPr>
+              <a:t>PROPS</a:t>
+            </a:r>
+          </a:p>
+        </p:txBody>
+      </p:sp>
+      <p:sp>
+        <p:nvSpPr>
+          <p:cNvPr id="108" name="TextBox 107">
+            <a:extLst>
+              <a:ext uri="{FF2B5EF4-FFF2-40B4-BE49-F238E27FC236}">
+                <a16:creationId xmlns:a16="http://schemas.microsoft.com/office/drawing/2014/main" id="{AF0F847E-F302-48AF-802A-05C2EF47E0BE}"/>
+              </a:ext>
+            </a:extLst>
+          </p:cNvPr>
+          <p:cNvSpPr txBox="1"/>
+          <p:nvPr/>
+        </p:nvSpPr>
+        <p:spPr>
+          <a:xfrm>
+            <a:off x="9785840" y="3228755"/>
+            <a:ext cx="931523" cy="303481"/>
+          </a:xfrm>
+          <a:prstGeom prst="rect">
+            <a:avLst/>
+          </a:prstGeom>
+          <a:noFill/>
+        </p:spPr>
+        <p:txBody>
+          <a:bodyPr wrap="square" rtlCol="0">
+            <a:spAutoFit/>
+          </a:bodyPr>
+          <a:lstStyle/>
+          <a:p>
+            <a:r>
+              <a:rPr lang="en-US" sz="1372" b="1" dirty="0" err="1">
+                <a:solidFill>
+                  <a:schemeClr val="accent1"/>
+                </a:solidFill>
+              </a:rPr>
+              <a:t>eventTitle</a:t>
+            </a:r>
+            <a:endParaRPr lang="en-US" sz="1372" b="1" dirty="0">
+              <a:solidFill>
+                <a:schemeClr val="accent1"/>
+              </a:solidFill>
+            </a:endParaRPr>
+          </a:p>
+        </p:txBody>
+      </p:sp>
+      <p:sp>
+        <p:nvSpPr>
+          <p:cNvPr id="109" name="TextBox 108">
+            <a:extLst>
+              <a:ext uri="{FF2B5EF4-FFF2-40B4-BE49-F238E27FC236}">
+                <a16:creationId xmlns:a16="http://schemas.microsoft.com/office/drawing/2014/main" id="{28FEE08D-C234-402D-93F2-13FDC81C8746}"/>
+              </a:ext>
+            </a:extLst>
+          </p:cNvPr>
+          <p:cNvSpPr txBox="1"/>
+          <p:nvPr/>
+        </p:nvSpPr>
+        <p:spPr>
+          <a:xfrm>
+            <a:off x="9853131" y="5775967"/>
+            <a:ext cx="859086" cy="303481"/>
+          </a:xfrm>
+          <a:prstGeom prst="rect">
+            <a:avLst/>
+          </a:prstGeom>
+          <a:noFill/>
+        </p:spPr>
+        <p:txBody>
+          <a:bodyPr wrap="square" rtlCol="0">
+            <a:spAutoFit/>
+          </a:bodyPr>
+          <a:lstStyle/>
+          <a:p>
+            <a:r>
+              <a:rPr lang="en-US" sz="1372" b="1" dirty="0">
+                <a:solidFill>
+                  <a:srgbClr val="FF0000"/>
+                </a:solidFill>
+              </a:rPr>
+              <a:t>INJECT</a:t>
+            </a:r>
+          </a:p>
+        </p:txBody>
+      </p:sp>
+      <p:sp>
+        <p:nvSpPr>
+          <p:cNvPr id="110" name="TextBox 109">
+            <a:extLst>
+              <a:ext uri="{FF2B5EF4-FFF2-40B4-BE49-F238E27FC236}">
+                <a16:creationId xmlns:a16="http://schemas.microsoft.com/office/drawing/2014/main" id="{9EF52F91-D534-45E9-8E88-50DA1C542CA7}"/>
+              </a:ext>
+            </a:extLst>
+          </p:cNvPr>
+          <p:cNvSpPr txBox="1"/>
+          <p:nvPr/>
+        </p:nvSpPr>
+        <p:spPr>
+          <a:xfrm>
+            <a:off x="9692208" y="6245167"/>
+            <a:ext cx="931523" cy="303481"/>
+          </a:xfrm>
+          <a:prstGeom prst="rect">
+            <a:avLst/>
+          </a:prstGeom>
+          <a:noFill/>
+        </p:spPr>
+        <p:txBody>
+          <a:bodyPr wrap="square" rtlCol="0">
+            <a:spAutoFit/>
+          </a:bodyPr>
+          <a:lstStyle/>
+          <a:p>
+            <a:r>
+              <a:rPr lang="en-US" sz="1372" b="1" dirty="0" err="1">
+                <a:solidFill>
+                  <a:schemeClr val="accent1"/>
+                </a:solidFill>
+              </a:rPr>
+              <a:t>eventList</a:t>
+            </a:r>
+            <a:endParaRPr lang="en-US" sz="1372" b="1" dirty="0">
+              <a:solidFill>
+                <a:schemeClr val="accent1"/>
+              </a:solidFill>
+            </a:endParaRPr>
+          </a:p>
+        </p:txBody>
+      </p:sp>
+      <p:sp>
+        <p:nvSpPr>
+          <p:cNvPr id="111" name="Rounded Rectangle 16">
+            <a:extLst>
+              <a:ext uri="{FF2B5EF4-FFF2-40B4-BE49-F238E27FC236}">
+                <a16:creationId xmlns:a16="http://schemas.microsoft.com/office/drawing/2014/main" id="{5EC19899-0FF8-467D-8C26-11522F1DAB2C}"/>
+              </a:ext>
+            </a:extLst>
+          </p:cNvPr>
+          <p:cNvSpPr/>
+          <p:nvPr/>
+        </p:nvSpPr>
+        <p:spPr>
+          <a:xfrm>
+            <a:off x="8553803" y="206278"/>
+            <a:ext cx="1371939" cy="574489"/>
+          </a:xfrm>
+          <a:prstGeom prst="roundRect">
+            <a:avLst/>
+          </a:prstGeom>
+          <a:noFill/>
+          <a:ln>
+            <a:solidFill>
+              <a:srgbClr val="FF0000"/>
+            </a:solidFill>
+            <a:prstDash val="lgDash"/>
+          </a:ln>
+        </p:spPr>
+        <p:style>
+          <a:lnRef idx="2">
+            <a:schemeClr val="accent1">
+              <a:shade val="50000"/>
+            </a:schemeClr>
+          </a:lnRef>
+          <a:fillRef idx="1">
+            <a:schemeClr val="accent1"/>
+          </a:fillRef>
+          <a:effectRef idx="0">
+            <a:schemeClr val="accent1"/>
+          </a:effectRef>
+          <a:fontRef idx="minor">
+            <a:schemeClr val="lt1"/>
+          </a:fontRef>
+        </p:style>
+        <p:txBody>
+          <a:bodyPr rtlCol="0" anchor="ctr"/>
+          <a:lstStyle/>
+          <a:p>
+            <a:pPr algn="ctr"/>
+            <a:endParaRPr lang="en-US" sz="1372" dirty="0"/>
+          </a:p>
+        </p:txBody>
+      </p:sp>
+      <p:sp>
+        <p:nvSpPr>
+          <p:cNvPr id="112" name="TextBox 111">
+            <a:extLst>
+              <a:ext uri="{FF2B5EF4-FFF2-40B4-BE49-F238E27FC236}">
+                <a16:creationId xmlns:a16="http://schemas.microsoft.com/office/drawing/2014/main" id="{DD522E28-4DE4-43DE-A00B-D1468B14CA37}"/>
+              </a:ext>
+            </a:extLst>
+          </p:cNvPr>
+          <p:cNvSpPr txBox="1"/>
+          <p:nvPr/>
+        </p:nvSpPr>
+        <p:spPr>
+          <a:xfrm>
+            <a:off x="8498634" y="243805"/>
+            <a:ext cx="1744011" cy="303481"/>
+          </a:xfrm>
+          <a:prstGeom prst="rect">
+            <a:avLst/>
+          </a:prstGeom>
+          <a:noFill/>
+        </p:spPr>
+        <p:txBody>
+          <a:bodyPr wrap="square" rtlCol="0">
+            <a:spAutoFit/>
+          </a:bodyPr>
+          <a:lstStyle/>
+          <a:p>
+            <a:r>
+              <a:rPr lang="en-US" sz="1372" b="1" i="1" dirty="0">
+                <a:solidFill>
+                  <a:srgbClr val="FF0000"/>
+                </a:solidFill>
+              </a:rPr>
+              <a:t>&lt;</a:t>
+            </a:r>
+            <a:r>
+              <a:rPr lang="en-US" sz="1372" b="1" i="1" dirty="0" err="1">
+                <a:solidFill>
+                  <a:srgbClr val="FF0000"/>
+                </a:solidFill>
+              </a:rPr>
+              <a:t>userProfile</a:t>
+            </a:r>
+            <a:r>
+              <a:rPr lang="en-US" sz="1372" b="1" i="1" dirty="0">
+                <a:solidFill>
+                  <a:srgbClr val="FF0000"/>
+                </a:solidFill>
+              </a:rPr>
+              <a:t>-view&gt;</a:t>
+            </a:r>
+          </a:p>
+        </p:txBody>
+      </p:sp>
+      <p:cxnSp>
+        <p:nvCxnSpPr>
+          <p:cNvPr id="113" name="Straight Arrow Connector 112">
+            <a:extLst>
+              <a:ext uri="{FF2B5EF4-FFF2-40B4-BE49-F238E27FC236}">
+                <a16:creationId xmlns:a16="http://schemas.microsoft.com/office/drawing/2014/main" id="{832F59DF-679D-4498-BC3F-D31FF2045155}"/>
+              </a:ext>
+            </a:extLst>
+          </p:cNvPr>
+          <p:cNvCxnSpPr>
+            <a:cxnSpLocks/>
+          </p:cNvCxnSpPr>
+          <p:nvPr/>
+        </p:nvCxnSpPr>
+        <p:spPr>
+          <a:xfrm flipV="1">
+            <a:off x="9117671" y="717150"/>
+            <a:ext cx="0" cy="731002"/>
+          </a:xfrm>
+          <a:prstGeom prst="straightConnector1">
+            <a:avLst/>
+          </a:prstGeom>
+          <a:ln>
+            <a:tailEnd type="triangle"/>
+          </a:ln>
+        </p:spPr>
+        <p:style>
+          <a:lnRef idx="1">
+            <a:schemeClr val="accent1"/>
+          </a:lnRef>
+          <a:fillRef idx="0">
+            <a:schemeClr val="accent1"/>
+          </a:fillRef>
+          <a:effectRef idx="0">
+            <a:schemeClr val="accent1"/>
+          </a:effectRef>
+          <a:fontRef idx="minor">
+            <a:schemeClr val="tx1"/>
+          </a:fontRef>
+        </p:style>
+      </p:cxnSp>
+      <p:sp>
+        <p:nvSpPr>
+          <p:cNvPr id="114" name="TextBox 113">
+            <a:extLst>
+              <a:ext uri="{FF2B5EF4-FFF2-40B4-BE49-F238E27FC236}">
+                <a16:creationId xmlns:a16="http://schemas.microsoft.com/office/drawing/2014/main" id="{8E3E6EF8-BF2A-42F8-8657-BAAC6C563E24}"/>
+              </a:ext>
+            </a:extLst>
+          </p:cNvPr>
+          <p:cNvSpPr txBox="1"/>
+          <p:nvPr/>
+        </p:nvSpPr>
+        <p:spPr>
+          <a:xfrm>
+            <a:off x="9162145" y="806493"/>
+            <a:ext cx="1054584" cy="303481"/>
+          </a:xfrm>
+          <a:prstGeom prst="rect">
+            <a:avLst/>
+          </a:prstGeom>
+          <a:noFill/>
+        </p:spPr>
+        <p:txBody>
+          <a:bodyPr wrap="none" rtlCol="0">
+            <a:spAutoFit/>
+          </a:bodyPr>
+          <a:lstStyle/>
+          <a:p>
+            <a:r>
+              <a:rPr lang="en-US" sz="1372" b="1" dirty="0"/>
+              <a:t>/</a:t>
+            </a:r>
+            <a:r>
+              <a:rPr lang="en-US" sz="1372" b="1" dirty="0" err="1"/>
+              <a:t>userProfile</a:t>
+            </a:r>
+            <a:endParaRPr lang="en-US" sz="1372" b="1" dirty="0"/>
+          </a:p>
+        </p:txBody>
+      </p:sp>
+      <p:sp>
+        <p:nvSpPr>
+          <p:cNvPr id="117" name="Rounded Rectangle 16">
+            <a:extLst>
+              <a:ext uri="{FF2B5EF4-FFF2-40B4-BE49-F238E27FC236}">
+                <a16:creationId xmlns:a16="http://schemas.microsoft.com/office/drawing/2014/main" id="{05DEAD2A-963D-461C-8F52-169297204D67}"/>
+              </a:ext>
+            </a:extLst>
+          </p:cNvPr>
+          <p:cNvSpPr/>
+          <p:nvPr/>
+        </p:nvSpPr>
+        <p:spPr>
+          <a:xfrm>
+            <a:off x="5715388" y="2782142"/>
+            <a:ext cx="1650319" cy="574489"/>
+          </a:xfrm>
+          <a:prstGeom prst="roundRect">
+            <a:avLst/>
+          </a:prstGeom>
+          <a:noFill/>
+          <a:ln>
+            <a:solidFill>
+              <a:srgbClr val="FF0000"/>
+            </a:solidFill>
+            <a:prstDash val="lgDash"/>
+          </a:ln>
+        </p:spPr>
+        <p:style>
+          <a:lnRef idx="2">
+            <a:schemeClr val="accent1">
+              <a:shade val="50000"/>
+            </a:schemeClr>
+          </a:lnRef>
+          <a:fillRef idx="1">
+            <a:schemeClr val="accent1"/>
+          </a:fillRef>
+          <a:effectRef idx="0">
+            <a:schemeClr val="accent1"/>
+          </a:effectRef>
+          <a:fontRef idx="minor">
+            <a:schemeClr val="lt1"/>
+          </a:fontRef>
+        </p:style>
+        <p:txBody>
+          <a:bodyPr rtlCol="0" anchor="ctr"/>
+          <a:lstStyle/>
+          <a:p>
+            <a:pPr algn="ctr"/>
+            <a:endParaRPr lang="en-US" sz="1372" dirty="0"/>
+          </a:p>
+        </p:txBody>
+      </p:sp>
+      <p:sp>
+        <p:nvSpPr>
+          <p:cNvPr id="118" name="TextBox 117">
+            <a:extLst>
+              <a:ext uri="{FF2B5EF4-FFF2-40B4-BE49-F238E27FC236}">
+                <a16:creationId xmlns:a16="http://schemas.microsoft.com/office/drawing/2014/main" id="{CFD189CA-9389-4417-A5BC-FAAD28A87700}"/>
+              </a:ext>
+            </a:extLst>
+          </p:cNvPr>
+          <p:cNvSpPr txBox="1"/>
+          <p:nvPr/>
+        </p:nvSpPr>
+        <p:spPr>
+          <a:xfrm>
+            <a:off x="5721756" y="2826995"/>
+            <a:ext cx="1829315" cy="303481"/>
+          </a:xfrm>
+          <a:prstGeom prst="rect">
+            <a:avLst/>
+          </a:prstGeom>
+          <a:noFill/>
+        </p:spPr>
+        <p:txBody>
+          <a:bodyPr wrap="square" rtlCol="0">
+            <a:spAutoFit/>
+          </a:bodyPr>
+          <a:lstStyle/>
+          <a:p>
+            <a:r>
+              <a:rPr lang="en-US" sz="1372" b="1" i="1" dirty="0">
+                <a:solidFill>
+                  <a:srgbClr val="FF0000"/>
+                </a:solidFill>
+              </a:rPr>
+              <a:t>&lt;</a:t>
+            </a:r>
+            <a:r>
+              <a:rPr lang="en-US" sz="1372" b="1" i="1" dirty="0" err="1">
+                <a:solidFill>
+                  <a:srgbClr val="FF0000"/>
+                </a:solidFill>
+              </a:rPr>
+              <a:t>myEvent</a:t>
+            </a:r>
+            <a:r>
+              <a:rPr lang="en-US" sz="1372" b="1" i="1" dirty="0">
+                <a:solidFill>
+                  <a:srgbClr val="FF0000"/>
+                </a:solidFill>
+              </a:rPr>
+              <a:t>-category&gt;</a:t>
+            </a:r>
+          </a:p>
+        </p:txBody>
+      </p:sp>
+      <p:cxnSp>
+        <p:nvCxnSpPr>
+          <p:cNvPr id="119" name="Straight Arrow Connector 118">
+            <a:extLst>
+              <a:ext uri="{FF2B5EF4-FFF2-40B4-BE49-F238E27FC236}">
+                <a16:creationId xmlns:a16="http://schemas.microsoft.com/office/drawing/2014/main" id="{45E2F8E3-9AC9-4071-B4FB-D1F657042D96}"/>
+              </a:ext>
+            </a:extLst>
+          </p:cNvPr>
+          <p:cNvCxnSpPr>
+            <a:cxnSpLocks/>
+          </p:cNvCxnSpPr>
+          <p:nvPr/>
+        </p:nvCxnSpPr>
+        <p:spPr>
+          <a:xfrm>
+            <a:off x="6535934" y="3355861"/>
+            <a:ext cx="0" cy="670093"/>
+          </a:xfrm>
+          <a:prstGeom prst="straightConnector1">
+            <a:avLst/>
+          </a:prstGeom>
+          <a:ln>
+            <a:tailEnd type="triangle"/>
+          </a:ln>
+        </p:spPr>
+        <p:style>
+          <a:lnRef idx="1">
+            <a:schemeClr val="accent1"/>
+          </a:lnRef>
+          <a:fillRef idx="0">
+            <a:schemeClr val="accent1"/>
+          </a:fillRef>
+          <a:effectRef idx="0">
+            <a:schemeClr val="accent1"/>
+          </a:effectRef>
+          <a:fontRef idx="minor">
+            <a:schemeClr val="tx1"/>
+          </a:fontRef>
+        </p:style>
+      </p:cxnSp>
+      <p:sp>
+        <p:nvSpPr>
+          <p:cNvPr id="120" name="TextBox 119">
+            <a:extLst>
+              <a:ext uri="{FF2B5EF4-FFF2-40B4-BE49-F238E27FC236}">
+                <a16:creationId xmlns:a16="http://schemas.microsoft.com/office/drawing/2014/main" id="{1811BCF6-957E-4C2D-B0B5-D275176298AC}"/>
+              </a:ext>
+            </a:extLst>
+          </p:cNvPr>
+          <p:cNvSpPr txBox="1"/>
+          <p:nvPr/>
+        </p:nvSpPr>
+        <p:spPr>
+          <a:xfrm>
+            <a:off x="5634258" y="3463263"/>
+            <a:ext cx="1657698" cy="303481"/>
+          </a:xfrm>
+          <a:prstGeom prst="rect">
+            <a:avLst/>
+          </a:prstGeom>
+          <a:noFill/>
+        </p:spPr>
+        <p:txBody>
+          <a:bodyPr wrap="none" rtlCol="0">
+            <a:spAutoFit/>
+          </a:bodyPr>
+          <a:lstStyle/>
+          <a:p>
+            <a:r>
+              <a:rPr lang="en-US" sz="1372" b="1" dirty="0"/>
+              <a:t>/</a:t>
+            </a:r>
+            <a:r>
+              <a:rPr lang="en-US" sz="1372" b="1" dirty="0" err="1"/>
+              <a:t>myEvents</a:t>
+            </a:r>
+            <a:r>
+              <a:rPr lang="en-US" sz="1372" b="1" dirty="0"/>
+              <a:t>/category</a:t>
+            </a:r>
+          </a:p>
+        </p:txBody>
+      </p:sp>
+      <p:cxnSp>
+        <p:nvCxnSpPr>
+          <p:cNvPr id="121" name="Straight Arrow Connector 120">
+            <a:extLst>
+              <a:ext uri="{FF2B5EF4-FFF2-40B4-BE49-F238E27FC236}">
+                <a16:creationId xmlns:a16="http://schemas.microsoft.com/office/drawing/2014/main" id="{0A1A9373-684D-4DC1-B79C-D10BB1F1E0B6}"/>
+              </a:ext>
+            </a:extLst>
+          </p:cNvPr>
+          <p:cNvCxnSpPr>
+            <a:cxnSpLocks/>
+          </p:cNvCxnSpPr>
+          <p:nvPr/>
+        </p:nvCxnSpPr>
+        <p:spPr>
+          <a:xfrm>
+            <a:off x="4563484" y="2180347"/>
+            <a:ext cx="0" cy="3847627"/>
+          </a:xfrm>
+          <a:prstGeom prst="straightConnector1">
+            <a:avLst/>
+          </a:prstGeom>
+          <a:ln>
+            <a:tailEnd type="triangle"/>
+          </a:ln>
+        </p:spPr>
+        <p:style>
+          <a:lnRef idx="1">
+            <a:schemeClr val="accent1"/>
+          </a:lnRef>
+          <a:fillRef idx="0">
+            <a:schemeClr val="accent1"/>
+          </a:fillRef>
+          <a:effectRef idx="0">
+            <a:schemeClr val="accent1"/>
+          </a:effectRef>
+          <a:fontRef idx="minor">
+            <a:schemeClr val="tx1"/>
+          </a:fontRef>
+        </p:style>
+      </p:cxnSp>
+      <p:cxnSp>
+        <p:nvCxnSpPr>
+          <p:cNvPr id="124" name="Straight Arrow Connector 123">
+            <a:extLst>
+              <a:ext uri="{FF2B5EF4-FFF2-40B4-BE49-F238E27FC236}">
+                <a16:creationId xmlns:a16="http://schemas.microsoft.com/office/drawing/2014/main" id="{53716438-68D3-4E8C-A1E5-172A34E16752}"/>
+              </a:ext>
+            </a:extLst>
+          </p:cNvPr>
+          <p:cNvCxnSpPr>
+            <a:cxnSpLocks/>
+          </p:cNvCxnSpPr>
+          <p:nvPr/>
+        </p:nvCxnSpPr>
+        <p:spPr>
+          <a:xfrm>
+            <a:off x="7807627" y="2163814"/>
+            <a:ext cx="0" cy="3847627"/>
+          </a:xfrm>
+          <a:prstGeom prst="straightConnector1">
+            <a:avLst/>
+          </a:prstGeom>
+          <a:ln>
+            <a:tailEnd type="triangle"/>
+          </a:ln>
+        </p:spPr>
+        <p:style>
+          <a:lnRef idx="1">
+            <a:schemeClr val="accent1"/>
+          </a:lnRef>
+          <a:fillRef idx="0">
+            <a:schemeClr val="accent1"/>
+          </a:fillRef>
+          <a:effectRef idx="0">
+            <a:schemeClr val="accent1"/>
+          </a:effectRef>
+          <a:fontRef idx="minor">
+            <a:schemeClr val="tx1"/>
+          </a:fontRef>
+        </p:style>
+      </p:cxnSp>
+      <p:cxnSp>
+        <p:nvCxnSpPr>
+          <p:cNvPr id="125" name="Straight Arrow Connector 124">
+            <a:extLst>
+              <a:ext uri="{FF2B5EF4-FFF2-40B4-BE49-F238E27FC236}">
+                <a16:creationId xmlns:a16="http://schemas.microsoft.com/office/drawing/2014/main" id="{71101205-B819-4EBF-BB99-E15635165E16}"/>
+              </a:ext>
+            </a:extLst>
+          </p:cNvPr>
+          <p:cNvCxnSpPr>
+            <a:cxnSpLocks/>
+          </p:cNvCxnSpPr>
+          <p:nvPr/>
+        </p:nvCxnSpPr>
+        <p:spPr>
+          <a:xfrm>
+            <a:off x="11267107" y="2181361"/>
+            <a:ext cx="0" cy="3701375"/>
+          </a:xfrm>
+          <a:prstGeom prst="straightConnector1">
+            <a:avLst/>
+          </a:prstGeom>
+          <a:ln>
+            <a:tailEnd type="triangle"/>
+          </a:ln>
+        </p:spPr>
+        <p:style>
+          <a:lnRef idx="1">
+            <a:schemeClr val="accent1"/>
+          </a:lnRef>
+          <a:fillRef idx="0">
+            <a:schemeClr val="accent1"/>
+          </a:fillRef>
+          <a:effectRef idx="0">
+            <a:schemeClr val="accent1"/>
+          </a:effectRef>
+          <a:fontRef idx="minor">
+            <a:schemeClr val="tx1"/>
+          </a:fontRef>
+        </p:style>
+      </p:cxnSp>
+      <p:sp>
+        <p:nvSpPr>
+          <p:cNvPr id="123" name="Rounded Rectangle 16">
+            <a:extLst>
+              <a:ext uri="{FF2B5EF4-FFF2-40B4-BE49-F238E27FC236}">
+                <a16:creationId xmlns:a16="http://schemas.microsoft.com/office/drawing/2014/main" id="{0307BCED-16A3-4033-A62A-1C0C7B14FF57}"/>
+              </a:ext>
+            </a:extLst>
+          </p:cNvPr>
+          <p:cNvSpPr/>
+          <p:nvPr/>
+        </p:nvSpPr>
+        <p:spPr>
+          <a:xfrm>
+            <a:off x="10342726" y="187448"/>
+            <a:ext cx="1667888" cy="574489"/>
+          </a:xfrm>
+          <a:prstGeom prst="roundRect">
+            <a:avLst/>
+          </a:prstGeom>
+          <a:noFill/>
+          <a:ln>
+            <a:solidFill>
+              <a:srgbClr val="FF0000"/>
+            </a:solidFill>
+            <a:prstDash val="lgDash"/>
+          </a:ln>
+        </p:spPr>
+        <p:style>
+          <a:lnRef idx="2">
+            <a:schemeClr val="accent1">
+              <a:shade val="50000"/>
+            </a:schemeClr>
+          </a:lnRef>
+          <a:fillRef idx="1">
+            <a:schemeClr val="accent1"/>
+          </a:fillRef>
+          <a:effectRef idx="0">
+            <a:schemeClr val="accent1"/>
+          </a:effectRef>
+          <a:fontRef idx="minor">
+            <a:schemeClr val="lt1"/>
+          </a:fontRef>
+        </p:style>
+        <p:txBody>
+          <a:bodyPr rtlCol="0" anchor="ctr"/>
+          <a:lstStyle/>
+          <a:p>
+            <a:pPr algn="ctr"/>
+            <a:endParaRPr lang="en-US" sz="1372" dirty="0"/>
+          </a:p>
+        </p:txBody>
+      </p:sp>
+      <p:sp>
+        <p:nvSpPr>
+          <p:cNvPr id="126" name="TextBox 125">
+            <a:extLst>
+              <a:ext uri="{FF2B5EF4-FFF2-40B4-BE49-F238E27FC236}">
+                <a16:creationId xmlns:a16="http://schemas.microsoft.com/office/drawing/2014/main" id="{AB466B7E-6DB0-4B83-90E0-F678AC526DC8}"/>
+              </a:ext>
+            </a:extLst>
+          </p:cNvPr>
+          <p:cNvSpPr txBox="1"/>
+          <p:nvPr/>
+        </p:nvSpPr>
+        <p:spPr>
+          <a:xfrm>
+            <a:off x="10582272" y="213420"/>
+            <a:ext cx="1744011" cy="303481"/>
+          </a:xfrm>
+          <a:prstGeom prst="rect">
+            <a:avLst/>
+          </a:prstGeom>
+          <a:noFill/>
+        </p:spPr>
+        <p:txBody>
+          <a:bodyPr wrap="square" rtlCol="0">
+            <a:spAutoFit/>
+          </a:bodyPr>
+          <a:lstStyle/>
+          <a:p>
+            <a:r>
+              <a:rPr lang="en-US" sz="1372" b="1" i="1" dirty="0">
+                <a:solidFill>
+                  <a:srgbClr val="FF0000"/>
+                </a:solidFill>
+              </a:rPr>
+              <a:t>&lt;button-widget&gt;</a:t>
+            </a:r>
+          </a:p>
+        </p:txBody>
+      </p:sp>
+      <p:sp>
+        <p:nvSpPr>
+          <p:cNvPr id="127" name="TextBox 126">
+            <a:extLst>
+              <a:ext uri="{FF2B5EF4-FFF2-40B4-BE49-F238E27FC236}">
+                <a16:creationId xmlns:a16="http://schemas.microsoft.com/office/drawing/2014/main" id="{30241D43-8D46-452F-BB26-5B3723053119}"/>
+              </a:ext>
+            </a:extLst>
+          </p:cNvPr>
+          <p:cNvSpPr txBox="1"/>
+          <p:nvPr/>
+        </p:nvSpPr>
+        <p:spPr>
+          <a:xfrm>
+            <a:off x="10988885" y="732715"/>
+            <a:ext cx="729559" cy="303481"/>
+          </a:xfrm>
+          <a:prstGeom prst="rect">
+            <a:avLst/>
+          </a:prstGeom>
+          <a:noFill/>
+        </p:spPr>
+        <p:txBody>
+          <a:bodyPr wrap="none" rtlCol="0">
+            <a:spAutoFit/>
+          </a:bodyPr>
+          <a:lstStyle/>
+          <a:p>
+            <a:r>
+              <a:rPr lang="en-US" sz="1372" b="1" dirty="0"/>
+              <a:t>/logout</a:t>
+            </a:r>
+          </a:p>
+        </p:txBody>
+      </p:sp>
+      <p:cxnSp>
+        <p:nvCxnSpPr>
+          <p:cNvPr id="128" name="Straight Arrow Connector 127">
+            <a:extLst>
+              <a:ext uri="{FF2B5EF4-FFF2-40B4-BE49-F238E27FC236}">
+                <a16:creationId xmlns:a16="http://schemas.microsoft.com/office/drawing/2014/main" id="{D7B79BA0-2E14-4D2A-BB56-29BC67DF2E18}"/>
+              </a:ext>
+            </a:extLst>
+          </p:cNvPr>
+          <p:cNvCxnSpPr>
+            <a:cxnSpLocks/>
+          </p:cNvCxnSpPr>
+          <p:nvPr/>
+        </p:nvCxnSpPr>
+        <p:spPr>
+          <a:xfrm flipV="1">
+            <a:off x="10966349" y="722217"/>
+            <a:ext cx="0" cy="731002"/>
+          </a:xfrm>
+          <a:prstGeom prst="straightConnector1">
+            <a:avLst/>
+          </a:prstGeom>
+          <a:ln>
+            <a:tailEnd type="triangle"/>
+          </a:ln>
+        </p:spPr>
+        <p:style>
+          <a:lnRef idx="1">
+            <a:schemeClr val="accent1"/>
+          </a:lnRef>
+          <a:fillRef idx="0">
+            <a:schemeClr val="accent1"/>
+          </a:fillRef>
+          <a:effectRef idx="0">
+            <a:schemeClr val="accent1"/>
+          </a:effectRef>
+          <a:fontRef idx="minor">
+            <a:schemeClr val="tx1"/>
+          </a:fontRef>
+        </p:style>
+      </p:cxnSp>
+      <p:cxnSp>
+        <p:nvCxnSpPr>
+          <p:cNvPr id="129" name="Straight Arrow Connector 128">
+            <a:extLst>
+              <a:ext uri="{FF2B5EF4-FFF2-40B4-BE49-F238E27FC236}">
+                <a16:creationId xmlns:a16="http://schemas.microsoft.com/office/drawing/2014/main" id="{0839FB41-947E-40E5-A307-383873F22DA9}"/>
+              </a:ext>
+            </a:extLst>
+          </p:cNvPr>
+          <p:cNvCxnSpPr>
+            <a:cxnSpLocks/>
+            <a:endCxn id="11" idx="3"/>
+          </p:cNvCxnSpPr>
+          <p:nvPr/>
+        </p:nvCxnSpPr>
+        <p:spPr>
+          <a:xfrm flipH="1">
+            <a:off x="2268935" y="1526912"/>
+            <a:ext cx="1174298" cy="2617"/>
+          </a:xfrm>
+          <a:prstGeom prst="straightConnector1">
+            <a:avLst/>
+          </a:prstGeom>
+          <a:ln>
+            <a:tailEnd type="triangle"/>
+          </a:ln>
+        </p:spPr>
+        <p:style>
+          <a:lnRef idx="1">
+            <a:schemeClr val="accent1"/>
+          </a:lnRef>
+          <a:fillRef idx="0">
+            <a:schemeClr val="accent1"/>
+          </a:fillRef>
+          <a:effectRef idx="0">
+            <a:schemeClr val="accent1"/>
+          </a:effectRef>
+          <a:fontRef idx="minor">
+            <a:schemeClr val="tx1"/>
+          </a:fontRef>
+        </p:style>
+      </p:cxnSp>
+      <p:sp>
+        <p:nvSpPr>
+          <p:cNvPr id="130" name="TextBox 129">
+            <a:extLst>
+              <a:ext uri="{FF2B5EF4-FFF2-40B4-BE49-F238E27FC236}">
+                <a16:creationId xmlns:a16="http://schemas.microsoft.com/office/drawing/2014/main" id="{B499878D-7DD7-4282-A41C-B7BEFECFCEE8}"/>
+              </a:ext>
+            </a:extLst>
+          </p:cNvPr>
+          <p:cNvSpPr txBox="1"/>
+          <p:nvPr/>
+        </p:nvSpPr>
+        <p:spPr>
+          <a:xfrm>
+            <a:off x="2945017" y="1236458"/>
+            <a:ext cx="757002" cy="303481"/>
+          </a:xfrm>
+          <a:prstGeom prst="rect">
+            <a:avLst/>
+          </a:prstGeom>
+          <a:noFill/>
+        </p:spPr>
+        <p:txBody>
+          <a:bodyPr wrap="none" rtlCol="0">
+            <a:spAutoFit/>
+          </a:bodyPr>
+          <a:lstStyle/>
+          <a:p>
+            <a:r>
+              <a:rPr lang="en-US" sz="1372" b="1" dirty="0"/>
+              <a:t>/</a:t>
+            </a:r>
+            <a:r>
+              <a:rPr lang="en-US" sz="1372" b="1" dirty="0" err="1"/>
+              <a:t>signUp</a:t>
+            </a:r>
+            <a:endParaRPr lang="en-US" sz="1372" b="1" dirty="0"/>
+          </a:p>
+        </p:txBody>
+      </p:sp>
+      <p:cxnSp>
+        <p:nvCxnSpPr>
+          <p:cNvPr id="32" name="Straight Connector 31">
+            <a:extLst>
+              <a:ext uri="{FF2B5EF4-FFF2-40B4-BE49-F238E27FC236}">
+                <a16:creationId xmlns:a16="http://schemas.microsoft.com/office/drawing/2014/main" id="{999005A9-FDC0-41DA-A8E5-4A9E44EB362C}"/>
+              </a:ext>
+            </a:extLst>
+          </p:cNvPr>
+          <p:cNvCxnSpPr>
+            <a:cxnSpLocks/>
+          </p:cNvCxnSpPr>
+          <p:nvPr/>
+        </p:nvCxnSpPr>
+        <p:spPr>
+          <a:xfrm flipH="1">
+            <a:off x="646775" y="1950801"/>
+            <a:ext cx="2796455" cy="80040"/>
+          </a:xfrm>
+          <a:prstGeom prst="line">
+            <a:avLst/>
+          </a:prstGeom>
+        </p:spPr>
+        <p:style>
+          <a:lnRef idx="1">
+            <a:schemeClr val="accent1"/>
+          </a:lnRef>
+          <a:fillRef idx="0">
+            <a:schemeClr val="accent1"/>
+          </a:fillRef>
+          <a:effectRef idx="0">
+            <a:schemeClr val="accent1"/>
+          </a:effectRef>
+          <a:fontRef idx="minor">
+            <a:schemeClr val="tx1"/>
+          </a:fontRef>
+        </p:style>
+      </p:cxnSp>
+      <p:cxnSp>
+        <p:nvCxnSpPr>
+          <p:cNvPr id="90" name="Straight Arrow Connector 89">
+            <a:extLst>
+              <a:ext uri="{FF2B5EF4-FFF2-40B4-BE49-F238E27FC236}">
+                <a16:creationId xmlns:a16="http://schemas.microsoft.com/office/drawing/2014/main" id="{76AB22D4-6180-47BC-B46D-8554B56A9AF1}"/>
+              </a:ext>
+            </a:extLst>
+          </p:cNvPr>
+          <p:cNvCxnSpPr/>
+          <p:nvPr/>
+        </p:nvCxnSpPr>
+        <p:spPr>
+          <a:xfrm flipV="1">
+            <a:off x="646775" y="958233"/>
+            <a:ext cx="0" cy="1072608"/>
+          </a:xfrm>
+          <a:prstGeom prst="straightConnector1">
+            <a:avLst/>
+          </a:prstGeom>
+          <a:ln>
+            <a:tailEnd type="triangle"/>
+          </a:ln>
+        </p:spPr>
+        <p:style>
+          <a:lnRef idx="1">
+            <a:schemeClr val="accent1"/>
+          </a:lnRef>
+          <a:fillRef idx="0">
+            <a:schemeClr val="accent1"/>
+          </a:fillRef>
+          <a:effectRef idx="0">
+            <a:schemeClr val="accent1"/>
+          </a:effectRef>
+          <a:fontRef idx="minor">
+            <a:schemeClr val="tx1"/>
+          </a:fontRef>
+        </p:style>
+      </p:cxnSp>
+      <p:sp>
+        <p:nvSpPr>
+          <p:cNvPr id="131" name="TextBox 130">
+            <a:extLst>
+              <a:ext uri="{FF2B5EF4-FFF2-40B4-BE49-F238E27FC236}">
+                <a16:creationId xmlns:a16="http://schemas.microsoft.com/office/drawing/2014/main" id="{E2C518D5-D2F8-4B9F-918C-AABB74252BC1}"/>
+              </a:ext>
+            </a:extLst>
+          </p:cNvPr>
+          <p:cNvSpPr txBox="1"/>
+          <p:nvPr/>
+        </p:nvSpPr>
+        <p:spPr>
+          <a:xfrm>
+            <a:off x="2880141" y="1660972"/>
+            <a:ext cx="688073" cy="303481"/>
+          </a:xfrm>
+          <a:prstGeom prst="rect">
+            <a:avLst/>
+          </a:prstGeom>
+          <a:noFill/>
+        </p:spPr>
+        <p:txBody>
+          <a:bodyPr wrap="none" rtlCol="0">
+            <a:spAutoFit/>
+          </a:bodyPr>
+          <a:lstStyle/>
+          <a:p>
+            <a:r>
+              <a:rPr lang="en-US" sz="1372" b="1" dirty="0"/>
+              <a:t>/</a:t>
+            </a:r>
+            <a:r>
+              <a:rPr lang="en-US" sz="1372" b="1" dirty="0" err="1"/>
+              <a:t>signIn</a:t>
+            </a:r>
+            <a:endParaRPr lang="en-US" sz="1372" b="1" dirty="0"/>
           </a:p>
         </p:txBody>
       </p:sp>
     </p:spTree>
     <p:extLst>
       <p:ext uri="{BB962C8B-B14F-4D97-AF65-F5344CB8AC3E}">
-        <p14:creationId xmlns:p14="http://schemas.microsoft.com/office/powerpoint/2010/main" val="3109588190"/>
+        <p14:creationId xmlns:p14="http://schemas.microsoft.com/office/powerpoint/2010/main" val="633602661"/>
       </p:ext>
     </p:extLst>
   </p:cSld>
